--- a/PEM_3D_Printer_Presentatie_2223.pptx
+++ b/PEM_3D_Printer_Presentatie_2223.pptx
@@ -10989,7 +10989,7 @@
               </a:buClr>
               <a:buSzPts val="1200"/>
               <a:buFont typeface="Arial"/>
-              <a:buChar char="-"/>
+              <a:buChar char="●"/>
             </a:pPr>
             <a:r>
               <a:rPr lang="nl" sz="1200">
@@ -11078,8 +11078,8 @@
         </p:blipFill>
         <p:spPr>
           <a:xfrm>
-            <a:off x="4375869" y="2345344"/>
-            <a:ext cx="2104700" cy="2283150"/>
+            <a:off x="3519651" y="2142658"/>
+            <a:ext cx="2291550" cy="2485842"/>
           </a:xfrm>
           <a:prstGeom prst="rect">
             <a:avLst/>
@@ -11106,8 +11106,8 @@
         </p:blipFill>
         <p:spPr>
           <a:xfrm>
-            <a:off x="6480574" y="377175"/>
-            <a:ext cx="2291550" cy="2194575"/>
+            <a:off x="6288450" y="377175"/>
+            <a:ext cx="2483675" cy="2378575"/>
           </a:xfrm>
           <a:prstGeom prst="rect">
             <a:avLst/>
@@ -11836,7 +11836,7 @@
                 <a:spcPts val="0"/>
               </a:spcAft>
               <a:buSzPts val="1300"/>
-              <a:buChar char="-"/>
+              <a:buChar char="●"/>
             </a:pPr>
             <a:r>
               <a:rPr lang="nl"/>
@@ -11853,7 +11853,7 @@
                 <a:spcPts val="0"/>
               </a:spcAft>
               <a:buSzPts val="1300"/>
-              <a:buChar char="-"/>
+              <a:buChar char="●"/>
             </a:pPr>
             <a:r>
               <a:rPr lang="nl"/>
@@ -12030,7 +12030,7 @@
                 <a:spcPts val="0"/>
               </a:spcAft>
               <a:buSzPts val="1300"/>
-              <a:buChar char="-"/>
+              <a:buChar char="●"/>
             </a:pPr>
             <a:r>
               <a:rPr lang="nl"/>
@@ -12047,7 +12047,7 @@
                 <a:spcPts val="0"/>
               </a:spcAft>
               <a:buSzPts val="1300"/>
-              <a:buChar char="-"/>
+              <a:buChar char="●"/>
             </a:pPr>
             <a:r>
               <a:rPr lang="nl"/>
@@ -12064,7 +12064,7 @@
                 <a:spcPts val="0"/>
               </a:spcAft>
               <a:buSzPts val="1300"/>
-              <a:buChar char="-"/>
+              <a:buChar char="●"/>
             </a:pPr>
             <a:r>
               <a:rPr lang="nl"/>
@@ -12081,7 +12081,7 @@
                 <a:spcPts val="0"/>
               </a:spcAft>
               <a:buSzPts val="1300"/>
-              <a:buChar char="-"/>
+              <a:buChar char="●"/>
             </a:pPr>
             <a:r>
               <a:rPr lang="nl"/>
@@ -14402,11 +14402,11 @@
                 <a:spcPts val="0"/>
               </a:spcAft>
               <a:buSzPts val="1300"/>
-              <a:buChar char="-"/>
+              <a:buChar char="●"/>
             </a:pPr>
             <a:r>
               <a:rPr lang="nl"/>
-              <a:t>Lip te breed</a:t>
+              <a:t>Lip binnenkant te breed</a:t>
             </a:r>
             <a:endParaRPr/>
           </a:p>
@@ -14599,7 +14599,7 @@
               </a:buClr>
               <a:buSzPts val="1200"/>
               <a:buFont typeface="Arial"/>
-              <a:buChar char="-"/>
+              <a:buChar char="●"/>
             </a:pPr>
             <a:r>
               <a:rPr lang="nl" sz="1200">
@@ -14642,7 +14642,7 @@
               </a:buClr>
               <a:buSzPts val="1200"/>
               <a:buFont typeface="Arial"/>
-              <a:buChar char="-"/>
+              <a:buChar char="●"/>
             </a:pPr>
             <a:r>
               <a:rPr lang="nl" sz="1200">
@@ -14749,7 +14749,7 @@
               </a:buClr>
               <a:buSzPts val="1200"/>
               <a:buFont typeface="Arial"/>
-              <a:buChar char="-"/>
+              <a:buChar char="●"/>
             </a:pPr>
             <a:r>
               <a:rPr lang="nl" sz="1200">
@@ -14977,7 +14977,7 @@
               </a:buClr>
               <a:buSzPts val="1200"/>
               <a:buFont typeface="Arial"/>
-              <a:buChar char="-"/>
+              <a:buChar char="●"/>
             </a:pPr>
             <a:r>
               <a:rPr lang="nl" sz="1200">
@@ -15084,7 +15084,7 @@
               </a:buClr>
               <a:buSzPts val="1200"/>
               <a:buFont typeface="Arial"/>
-              <a:buChar char="-"/>
+              <a:buChar char="●"/>
             </a:pPr>
             <a:r>
               <a:rPr lang="nl" sz="1200">
@@ -15168,6 +15168,285 @@
 </file>
 
 <file path=ppt/theme/theme1.xml><?xml version="1.0" encoding="utf-8"?>
+<a:theme xmlns:a="http://schemas.openxmlformats.org/drawingml/2006/main" xmlns:r="http://schemas.openxmlformats.org/officeDocument/2006/relationships" name="Shift">
+  <a:themeElements>
+    <a:clrScheme name="Shift">
+      <a:dk1>
+        <a:srgbClr val="FFFFFF"/>
+      </a:dk1>
+      <a:lt1>
+        <a:srgbClr val="AF7B51"/>
+      </a:lt1>
+      <a:dk2>
+        <a:srgbClr val="233A44"/>
+      </a:dk2>
+      <a:lt2>
+        <a:srgbClr val="D9D9D9"/>
+      </a:lt2>
+      <a:accent1>
+        <a:srgbClr val="00796B"/>
+      </a:accent1>
+      <a:accent2>
+        <a:srgbClr val="D9563F"/>
+      </a:accent2>
+      <a:accent3>
+        <a:srgbClr val="C4A15A"/>
+      </a:accent3>
+      <a:accent4>
+        <a:srgbClr val="14F597"/>
+      </a:accent4>
+      <a:accent5>
+        <a:srgbClr val="3D4594"/>
+      </a:accent5>
+      <a:accent6>
+        <a:srgbClr val="163EF5"/>
+      </a:accent6>
+      <a:hlink>
+        <a:srgbClr val="3D4594"/>
+      </a:hlink>
+      <a:folHlink>
+        <a:srgbClr val="3D4594"/>
+      </a:folHlink>
+    </a:clrScheme>
+    <a:fontScheme name="Office">
+      <a:majorFont>
+        <a:latin typeface="Arial"/>
+        <a:ea typeface=""/>
+        <a:cs typeface=""/>
+        <a:font script="Jpan" typeface="ＭＳ Ｐゴシック"/>
+        <a:font script="Hang" typeface="맑은 고딕"/>
+        <a:font script="Hans" typeface="宋体"/>
+        <a:font script="Hant" typeface="新細明體"/>
+        <a:font script="Arab" typeface="Times New Roman"/>
+        <a:font script="Hebr" typeface="Times New Roman"/>
+        <a:font script="Thai" typeface="Angsana New"/>
+        <a:font script="Ethi" typeface="Nyala"/>
+        <a:font script="Beng" typeface="Vrinda"/>
+        <a:font script="Gujr" typeface="Shruti"/>
+        <a:font script="Khmr" typeface="MoolBoran"/>
+        <a:font script="Knda" typeface="Tunga"/>
+        <a:font script="Guru" typeface="Raavi"/>
+        <a:font script="Cans" typeface="Euphemia"/>
+        <a:font script="Cher" typeface="Plantagenet Cherokee"/>
+        <a:font script="Yiii" typeface="Microsoft Yi Baiti"/>
+        <a:font script="Tibt" typeface="Microsoft Himalaya"/>
+        <a:font script="Thaa" typeface="MV Boli"/>
+        <a:font script="Deva" typeface="Mangal"/>
+        <a:font script="Telu" typeface="Gautami"/>
+        <a:font script="Taml" typeface="Latha"/>
+        <a:font script="Syrc" typeface="Estrangelo Edessa"/>
+        <a:font script="Orya" typeface="Kalinga"/>
+        <a:font script="Mlym" typeface="Kartika"/>
+        <a:font script="Laoo" typeface="DokChampa"/>
+        <a:font script="Sinh" typeface="Iskoola Pota"/>
+        <a:font script="Mong" typeface="Mongolian Baiti"/>
+        <a:font script="Viet" typeface="Times New Roman"/>
+        <a:font script="Uigh" typeface="Microsoft Uighur"/>
+        <a:font script="Geor" typeface="Sylfaen"/>
+      </a:majorFont>
+      <a:minorFont>
+        <a:latin typeface="Arial"/>
+        <a:ea typeface=""/>
+        <a:cs typeface=""/>
+        <a:font script="Jpan" typeface="ＭＳ Ｐゴシック"/>
+        <a:font script="Hang" typeface="맑은 고딕"/>
+        <a:font script="Hans" typeface="宋体"/>
+        <a:font script="Hant" typeface="新細明體"/>
+        <a:font script="Arab" typeface="Arial"/>
+        <a:font script="Hebr" typeface="Arial"/>
+        <a:font script="Thai" typeface="Cordia New"/>
+        <a:font script="Ethi" typeface="Nyala"/>
+        <a:font script="Beng" typeface="Vrinda"/>
+        <a:font script="Gujr" typeface="Shruti"/>
+        <a:font script="Khmr" typeface="DaunPenh"/>
+        <a:font script="Knda" typeface="Tunga"/>
+        <a:font script="Guru" typeface="Raavi"/>
+        <a:font script="Cans" typeface="Euphemia"/>
+        <a:font script="Cher" typeface="Plantagenet Cherokee"/>
+        <a:font script="Yiii" typeface="Microsoft Yi Baiti"/>
+        <a:font script="Tibt" typeface="Microsoft Himalaya"/>
+        <a:font script="Thaa" typeface="MV Boli"/>
+        <a:font script="Deva" typeface="Mangal"/>
+        <a:font script="Telu" typeface="Gautami"/>
+        <a:font script="Taml" typeface="Latha"/>
+        <a:font script="Syrc" typeface="Estrangelo Edessa"/>
+        <a:font script="Orya" typeface="Kalinga"/>
+        <a:font script="Mlym" typeface="Kartika"/>
+        <a:font script="Laoo" typeface="DokChampa"/>
+        <a:font script="Sinh" typeface="Iskoola Pota"/>
+        <a:font script="Mong" typeface="Mongolian Baiti"/>
+        <a:font script="Viet" typeface="Arial"/>
+        <a:font script="Uigh" typeface="Microsoft Uighur"/>
+        <a:font script="Geor" typeface="Sylfaen"/>
+      </a:minorFont>
+    </a:fontScheme>
+    <a:fmtScheme name="Office">
+      <a:fillStyleLst>
+        <a:solidFill>
+          <a:schemeClr val="phClr"/>
+        </a:solidFill>
+        <a:gradFill rotWithShape="1">
+          <a:gsLst>
+            <a:gs pos="0">
+              <a:schemeClr val="phClr">
+                <a:tint val="50000"/>
+                <a:satMod val="300000"/>
+              </a:schemeClr>
+            </a:gs>
+            <a:gs pos="35000">
+              <a:schemeClr val="phClr">
+                <a:tint val="37000"/>
+                <a:satMod val="300000"/>
+              </a:schemeClr>
+            </a:gs>
+            <a:gs pos="100000">
+              <a:schemeClr val="phClr">
+                <a:tint val="15000"/>
+                <a:satMod val="350000"/>
+              </a:schemeClr>
+            </a:gs>
+          </a:gsLst>
+          <a:lin ang="16200000" scaled="1"/>
+        </a:gradFill>
+        <a:gradFill rotWithShape="1">
+          <a:gsLst>
+            <a:gs pos="0">
+              <a:schemeClr val="phClr">
+                <a:tint val="100000"/>
+                <a:shade val="100000"/>
+                <a:satMod val="130000"/>
+              </a:schemeClr>
+            </a:gs>
+            <a:gs pos="100000">
+              <a:schemeClr val="phClr">
+                <a:tint val="50000"/>
+                <a:shade val="100000"/>
+                <a:satMod val="350000"/>
+              </a:schemeClr>
+            </a:gs>
+          </a:gsLst>
+          <a:lin ang="16200000" scaled="0"/>
+        </a:gradFill>
+      </a:fillStyleLst>
+      <a:lnStyleLst>
+        <a:ln w="9525" cap="flat" cmpd="sng" algn="ctr">
+          <a:solidFill>
+            <a:schemeClr val="phClr">
+              <a:shade val="95000"/>
+              <a:satMod val="105000"/>
+            </a:schemeClr>
+          </a:solidFill>
+          <a:prstDash val="solid"/>
+        </a:ln>
+        <a:ln w="25400" cap="flat" cmpd="sng" algn="ctr">
+          <a:solidFill>
+            <a:schemeClr val="phClr"/>
+          </a:solidFill>
+          <a:prstDash val="solid"/>
+        </a:ln>
+        <a:ln w="38100" cap="flat" cmpd="sng" algn="ctr">
+          <a:solidFill>
+            <a:schemeClr val="phClr"/>
+          </a:solidFill>
+          <a:prstDash val="solid"/>
+        </a:ln>
+      </a:lnStyleLst>
+      <a:effectStyleLst>
+        <a:effectStyle>
+          <a:effectLst>
+            <a:outerShdw blurRad="40000" dist="20000" dir="5400000" rotWithShape="0">
+              <a:srgbClr val="000000">
+                <a:alpha val="38000"/>
+              </a:srgbClr>
+            </a:outerShdw>
+          </a:effectLst>
+        </a:effectStyle>
+        <a:effectStyle>
+          <a:effectLst>
+            <a:outerShdw blurRad="40000" dist="23000" dir="5400000" rotWithShape="0">
+              <a:srgbClr val="000000">
+                <a:alpha val="35000"/>
+              </a:srgbClr>
+            </a:outerShdw>
+          </a:effectLst>
+        </a:effectStyle>
+        <a:effectStyle>
+          <a:effectLst>
+            <a:outerShdw blurRad="40000" dist="23000" dir="5400000" rotWithShape="0">
+              <a:srgbClr val="000000">
+                <a:alpha val="35000"/>
+              </a:srgbClr>
+            </a:outerShdw>
+          </a:effectLst>
+          <a:scene3d>
+            <a:camera prst="orthographicFront">
+              <a:rot lat="0" lon="0" rev="0"/>
+            </a:camera>
+            <a:lightRig rig="threePt" dir="t">
+              <a:rot lat="0" lon="0" rev="1200000"/>
+            </a:lightRig>
+          </a:scene3d>
+          <a:sp3d>
+            <a:bevelT w="63500" h="25400"/>
+          </a:sp3d>
+        </a:effectStyle>
+      </a:effectStyleLst>
+      <a:bgFillStyleLst>
+        <a:solidFill>
+          <a:schemeClr val="phClr"/>
+        </a:solidFill>
+        <a:gradFill rotWithShape="1">
+          <a:gsLst>
+            <a:gs pos="0">
+              <a:schemeClr val="phClr">
+                <a:tint val="40000"/>
+                <a:satMod val="350000"/>
+              </a:schemeClr>
+            </a:gs>
+            <a:gs pos="40000">
+              <a:schemeClr val="phClr">
+                <a:tint val="45000"/>
+                <a:shade val="99000"/>
+                <a:satMod val="350000"/>
+              </a:schemeClr>
+            </a:gs>
+            <a:gs pos="100000">
+              <a:schemeClr val="phClr">
+                <a:shade val="20000"/>
+                <a:satMod val="255000"/>
+              </a:schemeClr>
+            </a:gs>
+          </a:gsLst>
+          <a:path path="circle">
+            <a:fillToRect l="50000" t="-80000" r="50000" b="180000"/>
+          </a:path>
+        </a:gradFill>
+        <a:gradFill rotWithShape="1">
+          <a:gsLst>
+            <a:gs pos="0">
+              <a:schemeClr val="phClr">
+                <a:tint val="80000"/>
+                <a:satMod val="300000"/>
+              </a:schemeClr>
+            </a:gs>
+            <a:gs pos="100000">
+              <a:schemeClr val="phClr">
+                <a:shade val="30000"/>
+                <a:satMod val="200000"/>
+              </a:schemeClr>
+            </a:gs>
+          </a:gsLst>
+          <a:path path="circle">
+            <a:fillToRect l="50000" t="50000" r="50000" b="50000"/>
+          </a:path>
+        </a:gradFill>
+      </a:bgFillStyleLst>
+    </a:fmtScheme>
+  </a:themeElements>
+</a:theme>
+</file>
+
+<file path=ppt/theme/theme2.xml><?xml version="1.0" encoding="utf-8"?>
 <a:theme xmlns:a="http://schemas.openxmlformats.org/drawingml/2006/main" xmlns:r="http://schemas.openxmlformats.org/officeDocument/2006/relationships">
   <a:themeElements>
     <a:clrScheme name="Default">
@@ -15444,283 +15723,4 @@
     </a:fmtScheme>
   </a:themeElements>
 </a:theme>
-</file>
-
-<file path=ppt/theme/theme2.xml><?xml version="1.0" encoding="utf-8"?>
-<a:theme xmlns:a="http://schemas.openxmlformats.org/drawingml/2006/main" xmlns:r="http://schemas.openxmlformats.org/officeDocument/2006/relationships" name="Shift">
-  <a:themeElements>
-    <a:clrScheme name="Shift">
-      <a:dk1>
-        <a:srgbClr val="FFFFFF"/>
-      </a:dk1>
-      <a:lt1>
-        <a:srgbClr val="AF7B51"/>
-      </a:lt1>
-      <a:dk2>
-        <a:srgbClr val="233A44"/>
-      </a:dk2>
-      <a:lt2>
-        <a:srgbClr val="D9D9D9"/>
-      </a:lt2>
-      <a:accent1>
-        <a:srgbClr val="00796B"/>
-      </a:accent1>
-      <a:accent2>
-        <a:srgbClr val="D9563F"/>
-      </a:accent2>
-      <a:accent3>
-        <a:srgbClr val="C4A15A"/>
-      </a:accent3>
-      <a:accent4>
-        <a:srgbClr val="14F597"/>
-      </a:accent4>
-      <a:accent5>
-        <a:srgbClr val="3D4594"/>
-      </a:accent5>
-      <a:accent6>
-        <a:srgbClr val="163EF5"/>
-      </a:accent6>
-      <a:hlink>
-        <a:srgbClr val="3D4594"/>
-      </a:hlink>
-      <a:folHlink>
-        <a:srgbClr val="3D4594"/>
-      </a:folHlink>
-    </a:clrScheme>
-    <a:fontScheme name="Office">
-      <a:majorFont>
-        <a:latin typeface="Arial"/>
-        <a:ea typeface=""/>
-        <a:cs typeface=""/>
-        <a:font script="Jpan" typeface="ＭＳ Ｐゴシック"/>
-        <a:font script="Hang" typeface="맑은 고딕"/>
-        <a:font script="Hans" typeface="宋体"/>
-        <a:font script="Hant" typeface="新細明體"/>
-        <a:font script="Arab" typeface="Times New Roman"/>
-        <a:font script="Hebr" typeface="Times New Roman"/>
-        <a:font script="Thai" typeface="Angsana New"/>
-        <a:font script="Ethi" typeface="Nyala"/>
-        <a:font script="Beng" typeface="Vrinda"/>
-        <a:font script="Gujr" typeface="Shruti"/>
-        <a:font script="Khmr" typeface="MoolBoran"/>
-        <a:font script="Knda" typeface="Tunga"/>
-        <a:font script="Guru" typeface="Raavi"/>
-        <a:font script="Cans" typeface="Euphemia"/>
-        <a:font script="Cher" typeface="Plantagenet Cherokee"/>
-        <a:font script="Yiii" typeface="Microsoft Yi Baiti"/>
-        <a:font script="Tibt" typeface="Microsoft Himalaya"/>
-        <a:font script="Thaa" typeface="MV Boli"/>
-        <a:font script="Deva" typeface="Mangal"/>
-        <a:font script="Telu" typeface="Gautami"/>
-        <a:font script="Taml" typeface="Latha"/>
-        <a:font script="Syrc" typeface="Estrangelo Edessa"/>
-        <a:font script="Orya" typeface="Kalinga"/>
-        <a:font script="Mlym" typeface="Kartika"/>
-        <a:font script="Laoo" typeface="DokChampa"/>
-        <a:font script="Sinh" typeface="Iskoola Pota"/>
-        <a:font script="Mong" typeface="Mongolian Baiti"/>
-        <a:font script="Viet" typeface="Times New Roman"/>
-        <a:font script="Uigh" typeface="Microsoft Uighur"/>
-        <a:font script="Geor" typeface="Sylfaen"/>
-      </a:majorFont>
-      <a:minorFont>
-        <a:latin typeface="Arial"/>
-        <a:ea typeface=""/>
-        <a:cs typeface=""/>
-        <a:font script="Jpan" typeface="ＭＳ Ｐゴシック"/>
-        <a:font script="Hang" typeface="맑은 고딕"/>
-        <a:font script="Hans" typeface="宋体"/>
-        <a:font script="Hant" typeface="新細明體"/>
-        <a:font script="Arab" typeface="Arial"/>
-        <a:font script="Hebr" typeface="Arial"/>
-        <a:font script="Thai" typeface="Cordia New"/>
-        <a:font script="Ethi" typeface="Nyala"/>
-        <a:font script="Beng" typeface="Vrinda"/>
-        <a:font script="Gujr" typeface="Shruti"/>
-        <a:font script="Khmr" typeface="DaunPenh"/>
-        <a:font script="Knda" typeface="Tunga"/>
-        <a:font script="Guru" typeface="Raavi"/>
-        <a:font script="Cans" typeface="Euphemia"/>
-        <a:font script="Cher" typeface="Plantagenet Cherokee"/>
-        <a:font script="Yiii" typeface="Microsoft Yi Baiti"/>
-        <a:font script="Tibt" typeface="Microsoft Himalaya"/>
-        <a:font script="Thaa" typeface="MV Boli"/>
-        <a:font script="Deva" typeface="Mangal"/>
-        <a:font script="Telu" typeface="Gautami"/>
-        <a:font script="Taml" typeface="Latha"/>
-        <a:font script="Syrc" typeface="Estrangelo Edessa"/>
-        <a:font script="Orya" typeface="Kalinga"/>
-        <a:font script="Mlym" typeface="Kartika"/>
-        <a:font script="Laoo" typeface="DokChampa"/>
-        <a:font script="Sinh" typeface="Iskoola Pota"/>
-        <a:font script="Mong" typeface="Mongolian Baiti"/>
-        <a:font script="Viet" typeface="Arial"/>
-        <a:font script="Uigh" typeface="Microsoft Uighur"/>
-        <a:font script="Geor" typeface="Sylfaen"/>
-      </a:minorFont>
-    </a:fontScheme>
-    <a:fmtScheme name="Office">
-      <a:fillStyleLst>
-        <a:solidFill>
-          <a:schemeClr val="phClr"/>
-        </a:solidFill>
-        <a:gradFill rotWithShape="1">
-          <a:gsLst>
-            <a:gs pos="0">
-              <a:schemeClr val="phClr">
-                <a:tint val="50000"/>
-                <a:satMod val="300000"/>
-              </a:schemeClr>
-            </a:gs>
-            <a:gs pos="35000">
-              <a:schemeClr val="phClr">
-                <a:tint val="37000"/>
-                <a:satMod val="300000"/>
-              </a:schemeClr>
-            </a:gs>
-            <a:gs pos="100000">
-              <a:schemeClr val="phClr">
-                <a:tint val="15000"/>
-                <a:satMod val="350000"/>
-              </a:schemeClr>
-            </a:gs>
-          </a:gsLst>
-          <a:lin ang="16200000" scaled="1"/>
-        </a:gradFill>
-        <a:gradFill rotWithShape="1">
-          <a:gsLst>
-            <a:gs pos="0">
-              <a:schemeClr val="phClr">
-                <a:tint val="100000"/>
-                <a:shade val="100000"/>
-                <a:satMod val="130000"/>
-              </a:schemeClr>
-            </a:gs>
-            <a:gs pos="100000">
-              <a:schemeClr val="phClr">
-                <a:tint val="50000"/>
-                <a:shade val="100000"/>
-                <a:satMod val="350000"/>
-              </a:schemeClr>
-            </a:gs>
-          </a:gsLst>
-          <a:lin ang="16200000" scaled="0"/>
-        </a:gradFill>
-      </a:fillStyleLst>
-      <a:lnStyleLst>
-        <a:ln w="9525" cap="flat" cmpd="sng" algn="ctr">
-          <a:solidFill>
-            <a:schemeClr val="phClr">
-              <a:shade val="95000"/>
-              <a:satMod val="105000"/>
-            </a:schemeClr>
-          </a:solidFill>
-          <a:prstDash val="solid"/>
-        </a:ln>
-        <a:ln w="25400" cap="flat" cmpd="sng" algn="ctr">
-          <a:solidFill>
-            <a:schemeClr val="phClr"/>
-          </a:solidFill>
-          <a:prstDash val="solid"/>
-        </a:ln>
-        <a:ln w="38100" cap="flat" cmpd="sng" algn="ctr">
-          <a:solidFill>
-            <a:schemeClr val="phClr"/>
-          </a:solidFill>
-          <a:prstDash val="solid"/>
-        </a:ln>
-      </a:lnStyleLst>
-      <a:effectStyleLst>
-        <a:effectStyle>
-          <a:effectLst>
-            <a:outerShdw blurRad="40000" dist="20000" dir="5400000" rotWithShape="0">
-              <a:srgbClr val="000000">
-                <a:alpha val="38000"/>
-              </a:srgbClr>
-            </a:outerShdw>
-          </a:effectLst>
-        </a:effectStyle>
-        <a:effectStyle>
-          <a:effectLst>
-            <a:outerShdw blurRad="40000" dist="23000" dir="5400000" rotWithShape="0">
-              <a:srgbClr val="000000">
-                <a:alpha val="35000"/>
-              </a:srgbClr>
-            </a:outerShdw>
-          </a:effectLst>
-        </a:effectStyle>
-        <a:effectStyle>
-          <a:effectLst>
-            <a:outerShdw blurRad="40000" dist="23000" dir="5400000" rotWithShape="0">
-              <a:srgbClr val="000000">
-                <a:alpha val="35000"/>
-              </a:srgbClr>
-            </a:outerShdw>
-          </a:effectLst>
-          <a:scene3d>
-            <a:camera prst="orthographicFront">
-              <a:rot lat="0" lon="0" rev="0"/>
-            </a:camera>
-            <a:lightRig rig="threePt" dir="t">
-              <a:rot lat="0" lon="0" rev="1200000"/>
-            </a:lightRig>
-          </a:scene3d>
-          <a:sp3d>
-            <a:bevelT w="63500" h="25400"/>
-          </a:sp3d>
-        </a:effectStyle>
-      </a:effectStyleLst>
-      <a:bgFillStyleLst>
-        <a:solidFill>
-          <a:schemeClr val="phClr"/>
-        </a:solidFill>
-        <a:gradFill rotWithShape="1">
-          <a:gsLst>
-            <a:gs pos="0">
-              <a:schemeClr val="phClr">
-                <a:tint val="40000"/>
-                <a:satMod val="350000"/>
-              </a:schemeClr>
-            </a:gs>
-            <a:gs pos="40000">
-              <a:schemeClr val="phClr">
-                <a:tint val="45000"/>
-                <a:shade val="99000"/>
-                <a:satMod val="350000"/>
-              </a:schemeClr>
-            </a:gs>
-            <a:gs pos="100000">
-              <a:schemeClr val="phClr">
-                <a:shade val="20000"/>
-                <a:satMod val="255000"/>
-              </a:schemeClr>
-            </a:gs>
-          </a:gsLst>
-          <a:path path="circle">
-            <a:fillToRect l="50000" t="-80000" r="50000" b="180000"/>
-          </a:path>
-        </a:gradFill>
-        <a:gradFill rotWithShape="1">
-          <a:gsLst>
-            <a:gs pos="0">
-              <a:schemeClr val="phClr">
-                <a:tint val="80000"/>
-                <a:satMod val="300000"/>
-              </a:schemeClr>
-            </a:gs>
-            <a:gs pos="100000">
-              <a:schemeClr val="phClr">
-                <a:shade val="30000"/>
-                <a:satMod val="200000"/>
-              </a:schemeClr>
-            </a:gs>
-          </a:gsLst>
-          <a:path path="circle">
-            <a:fillToRect l="50000" t="50000" r="50000" b="50000"/>
-          </a:path>
-        </a:gradFill>
-      </a:bgFillStyleLst>
-    </a:fmtScheme>
-  </a:themeElements>
-</a:theme>
 </file>
--- a/PEM_3D_Printer_Presentatie_2223.pptx
+++ b/PEM_3D_Printer_Presentatie_2223.pptx
@@ -817,7 +817,7 @@
   <p:cSld>
     <p:spTree>
       <p:nvGrpSpPr>
-        <p:cNvPr id="186" name="Shape 186"/>
+        <p:cNvPr id="195" name="Shape 195"/>
         <p:cNvGrpSpPr/>
         <p:nvPr/>
       </p:nvGrpSpPr>
@@ -831,7 +831,7 @@
       </p:grpSpPr>
       <p:sp>
         <p:nvSpPr>
-          <p:cNvPr id="187" name="Google Shape;187;g1c91220a6b6_0_192:notes"/>
+          <p:cNvPr id="196" name="Google Shape;196;g1c91220a6b6_0_192:notes"/>
           <p:cNvSpPr/>
           <p:nvPr>
             <p:ph idx="2" type="sldImg"/>
@@ -866,7 +866,7 @@
       </p:sp>
       <p:sp>
         <p:nvSpPr>
-          <p:cNvPr id="188" name="Google Shape;188;g1c91220a6b6_0_192:notes"/>
+          <p:cNvPr id="197" name="Google Shape;197;g1c91220a6b6_0_192:notes"/>
           <p:cNvSpPr txBox="1"/>
           <p:nvPr>
             <p:ph idx="1" type="body"/>
@@ -916,7 +916,7 @@
   <p:cSld>
     <p:spTree>
       <p:nvGrpSpPr>
-        <p:cNvPr id="194" name="Shape 194"/>
+        <p:cNvPr id="204" name="Shape 204"/>
         <p:cNvGrpSpPr/>
         <p:nvPr/>
       </p:nvGrpSpPr>
@@ -930,7 +930,7 @@
       </p:grpSpPr>
       <p:sp>
         <p:nvSpPr>
-          <p:cNvPr id="195" name="Google Shape;195;g1c91220a6b6_0_200:notes"/>
+          <p:cNvPr id="205" name="Google Shape;205;g1c8c53d3f44_2_5:notes"/>
           <p:cNvSpPr/>
           <p:nvPr>
             <p:ph idx="2" type="sldImg"/>
@@ -965,7 +965,7 @@
       </p:sp>
       <p:sp>
         <p:nvSpPr>
-          <p:cNvPr id="196" name="Google Shape;196;g1c91220a6b6_0_200:notes"/>
+          <p:cNvPr id="206" name="Google Shape;206;g1c8c53d3f44_2_5:notes"/>
           <p:cNvSpPr txBox="1"/>
           <p:nvPr>
             <p:ph idx="1" type="body"/>
@@ -1015,7 +1015,7 @@
   <p:cSld>
     <p:spTree>
       <p:nvGrpSpPr>
-        <p:cNvPr id="208" name="Shape 208"/>
+        <p:cNvPr id="212" name="Shape 212"/>
         <p:cNvGrpSpPr/>
         <p:nvPr/>
       </p:nvGrpSpPr>
@@ -1029,7 +1029,7 @@
       </p:grpSpPr>
       <p:sp>
         <p:nvSpPr>
-          <p:cNvPr id="209" name="Google Shape;209;g1c8c53d3f44_2_5:notes"/>
+          <p:cNvPr id="213" name="Google Shape;213;g1c90286a4af_4_10:notes"/>
           <p:cNvSpPr/>
           <p:nvPr>
             <p:ph idx="2" type="sldImg"/>
@@ -1064,7 +1064,7 @@
       </p:sp>
       <p:sp>
         <p:nvSpPr>
-          <p:cNvPr id="210" name="Google Shape;210;g1c8c53d3f44_2_5:notes"/>
+          <p:cNvPr id="214" name="Google Shape;214;g1c90286a4af_4_10:notes"/>
           <p:cNvSpPr txBox="1"/>
           <p:nvPr>
             <p:ph idx="1" type="body"/>
@@ -1114,7 +1114,7 @@
   <p:cSld>
     <p:spTree>
       <p:nvGrpSpPr>
-        <p:cNvPr id="215" name="Shape 215"/>
+        <p:cNvPr id="221" name="Shape 221"/>
         <p:cNvGrpSpPr/>
         <p:nvPr/>
       </p:nvGrpSpPr>
@@ -1128,7 +1128,7 @@
       </p:grpSpPr>
       <p:sp>
         <p:nvSpPr>
-          <p:cNvPr id="216" name="Google Shape;216;g1c90286a4af_4_10:notes"/>
+          <p:cNvPr id="222" name="Google Shape;222;g1c90286a4af_4_17:notes"/>
           <p:cNvSpPr/>
           <p:nvPr>
             <p:ph idx="2" type="sldImg"/>
@@ -1163,7 +1163,7 @@
       </p:sp>
       <p:sp>
         <p:nvSpPr>
-          <p:cNvPr id="217" name="Google Shape;217;g1c90286a4af_4_10:notes"/>
+          <p:cNvPr id="223" name="Google Shape;223;g1c90286a4af_4_17:notes"/>
           <p:cNvSpPr txBox="1"/>
           <p:nvPr>
             <p:ph idx="1" type="body"/>
@@ -1213,7 +1213,7 @@
   <p:cSld>
     <p:spTree>
       <p:nvGrpSpPr>
-        <p:cNvPr id="223" name="Shape 223"/>
+        <p:cNvPr id="233" name="Shape 233"/>
         <p:cNvGrpSpPr/>
         <p:nvPr/>
       </p:nvGrpSpPr>
@@ -1227,7 +1227,7 @@
       </p:grpSpPr>
       <p:sp>
         <p:nvSpPr>
-          <p:cNvPr id="224" name="Google Shape;224;g1c90286a4af_4_17:notes"/>
+          <p:cNvPr id="234" name="Google Shape;234;g1c90286a4af_4_32:notes"/>
           <p:cNvSpPr/>
           <p:nvPr>
             <p:ph idx="2" type="sldImg"/>
@@ -1262,7 +1262,7 @@
       </p:sp>
       <p:sp>
         <p:nvSpPr>
-          <p:cNvPr id="225" name="Google Shape;225;g1c90286a4af_4_17:notes"/>
+          <p:cNvPr id="235" name="Google Shape;235;g1c90286a4af_4_32:notes"/>
           <p:cNvSpPr txBox="1"/>
           <p:nvPr>
             <p:ph idx="1" type="body"/>
@@ -1308,105 +1308,6 @@
 </file>
 
 <file path=ppt/notesSlides/notesSlide15.xml><?xml version="1.0" encoding="utf-8"?>
-<p:notes xmlns:a="http://schemas.openxmlformats.org/drawingml/2006/main" xmlns:r="http://schemas.openxmlformats.org/officeDocument/2006/relationships" xmlns:mc="http://schemas.openxmlformats.org/markup-compatibility/2006" xmlns:mv="urn:schemas-microsoft-com:mac:vml" xmlns:p="http://schemas.openxmlformats.org/presentationml/2006/main" xmlns:c="http://schemas.openxmlformats.org/drawingml/2006/chart" xmlns:dgm="http://schemas.openxmlformats.org/drawingml/2006/diagram" xmlns:o="urn:schemas-microsoft-com:office:office" xmlns:v="urn:schemas-microsoft-com:vml" xmlns:pvml="urn:schemas-microsoft-com:office:powerpoint" xmlns:com="http://schemas.openxmlformats.org/drawingml/2006/compatibility" xmlns:p14="http://schemas.microsoft.com/office/powerpoint/2010/main" xmlns:p15="http://schemas.microsoft.com/office/powerpoint/2012/main" xmlns:ahyp="http://schemas.microsoft.com/office/drawing/2018/hyperlinkcolor" showMasterPhAnim="0" showMasterSp="0">
-  <p:cSld>
-    <p:spTree>
-      <p:nvGrpSpPr>
-        <p:cNvPr id="234" name="Shape 234"/>
-        <p:cNvGrpSpPr/>
-        <p:nvPr/>
-      </p:nvGrpSpPr>
-      <p:grpSpPr>
-        <a:xfrm>
-          <a:off x="0" y="0"/>
-          <a:ext cx="0" cy="0"/>
-          <a:chOff x="0" y="0"/>
-          <a:chExt cx="0" cy="0"/>
-        </a:xfrm>
-      </p:grpSpPr>
-      <p:sp>
-        <p:nvSpPr>
-          <p:cNvPr id="235" name="Google Shape;235;g1c90286a4af_4_32:notes"/>
-          <p:cNvSpPr/>
-          <p:nvPr>
-            <p:ph idx="2" type="sldImg"/>
-          </p:nvPr>
-        </p:nvSpPr>
-        <p:spPr>
-          <a:xfrm>
-            <a:off x="381300" y="685800"/>
-            <a:ext cx="6096000" cy="3429000"/>
-          </a:xfrm>
-          <a:custGeom>
-            <a:rect b="b" l="l" r="r" t="t"/>
-            <a:pathLst>
-              <a:path extrusionOk="0" h="120000" w="120000">
-                <a:moveTo>
-                  <a:pt x="0" y="0"/>
-                </a:moveTo>
-                <a:lnTo>
-                  <a:pt x="120000" y="0"/>
-                </a:lnTo>
-                <a:lnTo>
-                  <a:pt x="120000" y="120000"/>
-                </a:lnTo>
-                <a:lnTo>
-                  <a:pt x="0" y="120000"/>
-                </a:lnTo>
-                <a:close/>
-              </a:path>
-            </a:pathLst>
-          </a:custGeom>
-        </p:spPr>
-      </p:sp>
-      <p:sp>
-        <p:nvSpPr>
-          <p:cNvPr id="236" name="Google Shape;236;g1c90286a4af_4_32:notes"/>
-          <p:cNvSpPr txBox="1"/>
-          <p:nvPr>
-            <p:ph idx="1" type="body"/>
-          </p:nvPr>
-        </p:nvSpPr>
-        <p:spPr>
-          <a:xfrm>
-            <a:off x="685800" y="4343400"/>
-            <a:ext cx="5486400" cy="4114800"/>
-          </a:xfrm>
-          <a:prstGeom prst="rect">
-            <a:avLst/>
-          </a:prstGeom>
-        </p:spPr>
-        <p:txBody>
-          <a:bodyPr anchorCtr="0" anchor="t" bIns="91425" lIns="91425" spcFirstLastPara="1" rIns="91425" wrap="square" tIns="91425">
-            <a:noAutofit/>
-          </a:bodyPr>
-          <a:lstStyle/>
-          <a:p>
-            <a:pPr indent="0" lvl="0" marL="0" rtl="0" algn="l">
-              <a:spcBef>
-                <a:spcPts val="0"/>
-              </a:spcBef>
-              <a:spcAft>
-                <a:spcPts val="0"/>
-              </a:spcAft>
-              <a:buNone/>
-            </a:pPr>
-            <a:r>
-              <a:t/>
-            </a:r>
-            <a:endParaRPr/>
-          </a:p>
-        </p:txBody>
-      </p:sp>
-    </p:spTree>
-  </p:cSld>
-  <p:clrMapOvr>
-    <a:masterClrMapping/>
-  </p:clrMapOvr>
-</p:notes>
-</file>
-
-<file path=ppt/notesSlides/notesSlide16.xml><?xml version="1.0" encoding="utf-8"?>
 <p:notes xmlns:a="http://schemas.openxmlformats.org/drawingml/2006/main" xmlns:r="http://schemas.openxmlformats.org/officeDocument/2006/relationships" xmlns:mc="http://schemas.openxmlformats.org/markup-compatibility/2006" xmlns:mv="urn:schemas-microsoft-com:mac:vml" xmlns:p="http://schemas.openxmlformats.org/presentationml/2006/main" xmlns:c="http://schemas.openxmlformats.org/drawingml/2006/chart" xmlns:dgm="http://schemas.openxmlformats.org/drawingml/2006/diagram" xmlns:o="urn:schemas-microsoft-com:office:office" xmlns:v="urn:schemas-microsoft-com:vml" xmlns:pvml="urn:schemas-microsoft-com:office:powerpoint" xmlns:com="http://schemas.openxmlformats.org/drawingml/2006/compatibility" xmlns:p14="http://schemas.microsoft.com/office/powerpoint/2010/main" xmlns:p15="http://schemas.microsoft.com/office/powerpoint/2012/main" xmlns:ahyp="http://schemas.microsoft.com/office/drawing/2018/hyperlinkcolor" showMasterPhAnim="0" showMasterSp="0">
   <p:cSld>
     <p:spTree>
@@ -1505,12 +1406,12 @@
 </p:notes>
 </file>
 
-<file path=ppt/notesSlides/notesSlide17.xml><?xml version="1.0" encoding="utf-8"?>
+<file path=ppt/notesSlides/notesSlide16.xml><?xml version="1.0" encoding="utf-8"?>
 <p:notes xmlns:a="http://schemas.openxmlformats.org/drawingml/2006/main" xmlns:r="http://schemas.openxmlformats.org/officeDocument/2006/relationships" xmlns:mc="http://schemas.openxmlformats.org/markup-compatibility/2006" xmlns:mv="urn:schemas-microsoft-com:mac:vml" xmlns:p="http://schemas.openxmlformats.org/presentationml/2006/main" xmlns:c="http://schemas.openxmlformats.org/drawingml/2006/chart" xmlns:dgm="http://schemas.openxmlformats.org/drawingml/2006/diagram" xmlns:o="urn:schemas-microsoft-com:office:office" xmlns:v="urn:schemas-microsoft-com:vml" xmlns:pvml="urn:schemas-microsoft-com:office:powerpoint" xmlns:com="http://schemas.openxmlformats.org/drawingml/2006/compatibility" xmlns:p14="http://schemas.microsoft.com/office/powerpoint/2010/main" xmlns:p15="http://schemas.microsoft.com/office/powerpoint/2012/main" xmlns:ahyp="http://schemas.microsoft.com/office/drawing/2018/hyperlinkcolor" showMasterPhAnim="0" showMasterSp="0">
   <p:cSld>
     <p:spTree>
       <p:nvGrpSpPr>
-        <p:cNvPr id="247" name="Shape 247"/>
+        <p:cNvPr id="248" name="Shape 248"/>
         <p:cNvGrpSpPr/>
         <p:nvPr/>
       </p:nvGrpSpPr>
@@ -1524,7 +1425,7 @@
       </p:grpSpPr>
       <p:sp>
         <p:nvSpPr>
-          <p:cNvPr id="248" name="Google Shape;248;g1c91220a6b6_0_163:notes"/>
+          <p:cNvPr id="249" name="Google Shape;249;g1c91220a6b6_0_163:notes"/>
           <p:cNvSpPr/>
           <p:nvPr>
             <p:ph idx="2" type="sldImg"/>
@@ -1559,7 +1460,7 @@
       </p:sp>
       <p:sp>
         <p:nvSpPr>
-          <p:cNvPr id="249" name="Google Shape;249;g1c91220a6b6_0_163:notes"/>
+          <p:cNvPr id="250" name="Google Shape;250;g1c91220a6b6_0_163:notes"/>
           <p:cNvSpPr txBox="1"/>
           <p:nvPr>
             <p:ph idx="1" type="body"/>
@@ -1604,12 +1505,12 @@
 </p:notes>
 </file>
 
-<file path=ppt/notesSlides/notesSlide18.xml><?xml version="1.0" encoding="utf-8"?>
+<file path=ppt/notesSlides/notesSlide17.xml><?xml version="1.0" encoding="utf-8"?>
 <p:notes xmlns:a="http://schemas.openxmlformats.org/drawingml/2006/main" xmlns:r="http://schemas.openxmlformats.org/officeDocument/2006/relationships" xmlns:mc="http://schemas.openxmlformats.org/markup-compatibility/2006" xmlns:mv="urn:schemas-microsoft-com:mac:vml" xmlns:p="http://schemas.openxmlformats.org/presentationml/2006/main" xmlns:c="http://schemas.openxmlformats.org/drawingml/2006/chart" xmlns:dgm="http://schemas.openxmlformats.org/drawingml/2006/diagram" xmlns:o="urn:schemas-microsoft-com:office:office" xmlns:v="urn:schemas-microsoft-com:vml" xmlns:pvml="urn:schemas-microsoft-com:office:powerpoint" xmlns:com="http://schemas.openxmlformats.org/drawingml/2006/compatibility" xmlns:p14="http://schemas.microsoft.com/office/powerpoint/2010/main" xmlns:p15="http://schemas.microsoft.com/office/powerpoint/2012/main" xmlns:ahyp="http://schemas.microsoft.com/office/drawing/2018/hyperlinkcolor" showMasterPhAnim="0" showMasterSp="0">
   <p:cSld>
     <p:spTree>
       <p:nvGrpSpPr>
-        <p:cNvPr id="254" name="Shape 254"/>
+        <p:cNvPr id="256" name="Shape 256"/>
         <p:cNvGrpSpPr/>
         <p:nvPr/>
       </p:nvGrpSpPr>
@@ -1623,7 +1524,7 @@
       </p:grpSpPr>
       <p:sp>
         <p:nvSpPr>
-          <p:cNvPr id="255" name="Google Shape;255;g1c91220a6b6_0_126:notes"/>
+          <p:cNvPr id="257" name="Google Shape;257;g1c91220a6b6_0_126:notes"/>
           <p:cNvSpPr/>
           <p:nvPr>
             <p:ph idx="2" type="sldImg"/>
@@ -1658,7 +1559,7 @@
       </p:sp>
       <p:sp>
         <p:nvSpPr>
-          <p:cNvPr id="256" name="Google Shape;256;g1c91220a6b6_0_126:notes"/>
+          <p:cNvPr id="258" name="Google Shape;258;g1c91220a6b6_0_126:notes"/>
           <p:cNvSpPr txBox="1"/>
           <p:nvPr>
             <p:ph idx="1" type="body"/>
@@ -1703,12 +1604,12 @@
 </p:notes>
 </file>
 
-<file path=ppt/notesSlides/notesSlide19.xml><?xml version="1.0" encoding="utf-8"?>
+<file path=ppt/notesSlides/notesSlide18.xml><?xml version="1.0" encoding="utf-8"?>
 <p:notes xmlns:a="http://schemas.openxmlformats.org/drawingml/2006/main" xmlns:r="http://schemas.openxmlformats.org/officeDocument/2006/relationships" xmlns:mc="http://schemas.openxmlformats.org/markup-compatibility/2006" xmlns:mv="urn:schemas-microsoft-com:mac:vml" xmlns:p="http://schemas.openxmlformats.org/presentationml/2006/main" xmlns:c="http://schemas.openxmlformats.org/drawingml/2006/chart" xmlns:dgm="http://schemas.openxmlformats.org/drawingml/2006/diagram" xmlns:o="urn:schemas-microsoft-com:office:office" xmlns:v="urn:schemas-microsoft-com:vml" xmlns:pvml="urn:schemas-microsoft-com:office:powerpoint" xmlns:com="http://schemas.openxmlformats.org/drawingml/2006/compatibility" xmlns:p14="http://schemas.microsoft.com/office/powerpoint/2010/main" xmlns:p15="http://schemas.microsoft.com/office/powerpoint/2012/main" xmlns:ahyp="http://schemas.microsoft.com/office/drawing/2018/hyperlinkcolor" showMasterPhAnim="0" showMasterSp="0">
   <p:cSld>
     <p:spTree>
       <p:nvGrpSpPr>
-        <p:cNvPr id="261" name="Shape 261"/>
+        <p:cNvPr id="264" name="Shape 264"/>
         <p:cNvGrpSpPr/>
         <p:nvPr/>
       </p:nvGrpSpPr>
@@ -1722,7 +1623,7 @@
       </p:grpSpPr>
       <p:sp>
         <p:nvSpPr>
-          <p:cNvPr id="262" name="Google Shape;262;g1c8c53d3f44_2_20:notes"/>
+          <p:cNvPr id="265" name="Google Shape;265;g1c8c53d3f44_2_20:notes"/>
           <p:cNvSpPr/>
           <p:nvPr>
             <p:ph idx="2" type="sldImg"/>
@@ -1757,7 +1658,7 @@
       </p:sp>
       <p:sp>
         <p:nvSpPr>
-          <p:cNvPr id="263" name="Google Shape;263;g1c8c53d3f44_2_20:notes"/>
+          <p:cNvPr id="266" name="Google Shape;266;g1c8c53d3f44_2_20:notes"/>
           <p:cNvSpPr txBox="1"/>
           <p:nvPr>
             <p:ph idx="1" type="body"/>
@@ -1802,12 +1703,12 @@
 </p:notes>
 </file>
 
-<file path=ppt/notesSlides/notesSlide2.xml><?xml version="1.0" encoding="utf-8"?>
+<file path=ppt/notesSlides/notesSlide19.xml><?xml version="1.0" encoding="utf-8"?>
 <p:notes xmlns:a="http://schemas.openxmlformats.org/drawingml/2006/main" xmlns:r="http://schemas.openxmlformats.org/officeDocument/2006/relationships" xmlns:mc="http://schemas.openxmlformats.org/markup-compatibility/2006" xmlns:mv="urn:schemas-microsoft-com:mac:vml" xmlns:p="http://schemas.openxmlformats.org/presentationml/2006/main" xmlns:c="http://schemas.openxmlformats.org/drawingml/2006/chart" xmlns:dgm="http://schemas.openxmlformats.org/drawingml/2006/diagram" xmlns:o="urn:schemas-microsoft-com:office:office" xmlns:v="urn:schemas-microsoft-com:vml" xmlns:pvml="urn:schemas-microsoft-com:office:powerpoint" xmlns:com="http://schemas.openxmlformats.org/drawingml/2006/compatibility" xmlns:p14="http://schemas.microsoft.com/office/powerpoint/2010/main" xmlns:p15="http://schemas.microsoft.com/office/powerpoint/2012/main" xmlns:ahyp="http://schemas.microsoft.com/office/drawing/2018/hyperlinkcolor" showMasterPhAnim="0" showMasterSp="0">
   <p:cSld>
     <p:spTree>
       <p:nvGrpSpPr>
-        <p:cNvPr id="130" name="Shape 130"/>
+        <p:cNvPr id="272" name="Shape 272"/>
         <p:cNvGrpSpPr/>
         <p:nvPr/>
       </p:nvGrpSpPr>
@@ -1821,7 +1722,7 @@
       </p:grpSpPr>
       <p:sp>
         <p:nvSpPr>
-          <p:cNvPr id="131" name="Google Shape;131;g1c91220a6b6_0_179:notes"/>
+          <p:cNvPr id="273" name="Google Shape;273;g1c95dbb6aef_0_0:notes"/>
           <p:cNvSpPr/>
           <p:nvPr>
             <p:ph idx="2" type="sldImg"/>
@@ -1856,7 +1757,7 @@
       </p:sp>
       <p:sp>
         <p:nvSpPr>
-          <p:cNvPr id="132" name="Google Shape;132;g1c91220a6b6_0_179:notes"/>
+          <p:cNvPr id="274" name="Google Shape;274;g1c95dbb6aef_0_0:notes"/>
           <p:cNvSpPr txBox="1"/>
           <p:nvPr>
             <p:ph idx="1" type="body"/>
@@ -1901,12 +1802,12 @@
 </p:notes>
 </file>
 
-<file path=ppt/notesSlides/notesSlide3.xml><?xml version="1.0" encoding="utf-8"?>
+<file path=ppt/notesSlides/notesSlide2.xml><?xml version="1.0" encoding="utf-8"?>
 <p:notes xmlns:a="http://schemas.openxmlformats.org/drawingml/2006/main" xmlns:r="http://schemas.openxmlformats.org/officeDocument/2006/relationships" xmlns:mc="http://schemas.openxmlformats.org/markup-compatibility/2006" xmlns:mv="urn:schemas-microsoft-com:mac:vml" xmlns:p="http://schemas.openxmlformats.org/presentationml/2006/main" xmlns:c="http://schemas.openxmlformats.org/drawingml/2006/chart" xmlns:dgm="http://schemas.openxmlformats.org/drawingml/2006/diagram" xmlns:o="urn:schemas-microsoft-com:office:office" xmlns:v="urn:schemas-microsoft-com:vml" xmlns:pvml="urn:schemas-microsoft-com:office:powerpoint" xmlns:com="http://schemas.openxmlformats.org/drawingml/2006/compatibility" xmlns:p14="http://schemas.microsoft.com/office/powerpoint/2010/main" xmlns:p15="http://schemas.microsoft.com/office/powerpoint/2012/main" xmlns:ahyp="http://schemas.microsoft.com/office/drawing/2018/hyperlinkcolor" showMasterPhAnim="0" showMasterSp="0">
   <p:cSld>
     <p:spTree>
       <p:nvGrpSpPr>
-        <p:cNvPr id="137" name="Shape 137"/>
+        <p:cNvPr id="131" name="Shape 131"/>
         <p:cNvGrpSpPr/>
         <p:nvPr/>
       </p:nvGrpSpPr>
@@ -1920,7 +1821,7 @@
       </p:grpSpPr>
       <p:sp>
         <p:nvSpPr>
-          <p:cNvPr id="138" name="Google Shape;138;g1c91220a6b6_0_120:notes"/>
+          <p:cNvPr id="132" name="Google Shape;132;g1c91220a6b6_0_179:notes"/>
           <p:cNvSpPr/>
           <p:nvPr>
             <p:ph idx="2" type="sldImg"/>
@@ -1955,7 +1856,7 @@
       </p:sp>
       <p:sp>
         <p:nvSpPr>
-          <p:cNvPr id="139" name="Google Shape;139;g1c91220a6b6_0_120:notes"/>
+          <p:cNvPr id="133" name="Google Shape;133;g1c91220a6b6_0_179:notes"/>
           <p:cNvSpPr txBox="1"/>
           <p:nvPr>
             <p:ph idx="1" type="body"/>
@@ -2000,12 +1901,12 @@
 </p:notes>
 </file>
 
-<file path=ppt/notesSlides/notesSlide4.xml><?xml version="1.0" encoding="utf-8"?>
+<file path=ppt/notesSlides/notesSlide3.xml><?xml version="1.0" encoding="utf-8"?>
 <p:notes xmlns:a="http://schemas.openxmlformats.org/drawingml/2006/main" xmlns:r="http://schemas.openxmlformats.org/officeDocument/2006/relationships" xmlns:mc="http://schemas.openxmlformats.org/markup-compatibility/2006" xmlns:mv="urn:schemas-microsoft-com:mac:vml" xmlns:p="http://schemas.openxmlformats.org/presentationml/2006/main" xmlns:c="http://schemas.openxmlformats.org/drawingml/2006/chart" xmlns:dgm="http://schemas.openxmlformats.org/drawingml/2006/diagram" xmlns:o="urn:schemas-microsoft-com:office:office" xmlns:v="urn:schemas-microsoft-com:vml" xmlns:pvml="urn:schemas-microsoft-com:office:powerpoint" xmlns:com="http://schemas.openxmlformats.org/drawingml/2006/compatibility" xmlns:p14="http://schemas.microsoft.com/office/powerpoint/2010/main" xmlns:p15="http://schemas.microsoft.com/office/powerpoint/2012/main" xmlns:ahyp="http://schemas.microsoft.com/office/drawing/2018/hyperlinkcolor" showMasterPhAnim="0" showMasterSp="0">
   <p:cSld>
     <p:spTree>
       <p:nvGrpSpPr>
-        <p:cNvPr id="144" name="Shape 144"/>
+        <p:cNvPr id="139" name="Shape 139"/>
         <p:cNvGrpSpPr/>
         <p:nvPr/>
       </p:nvGrpSpPr>
@@ -2019,7 +1920,7 @@
       </p:grpSpPr>
       <p:sp>
         <p:nvSpPr>
-          <p:cNvPr id="145" name="Google Shape;145;g1c91220a6b6_0_136:notes"/>
+          <p:cNvPr id="140" name="Google Shape;140;g1c91220a6b6_0_120:notes"/>
           <p:cNvSpPr/>
           <p:nvPr>
             <p:ph idx="2" type="sldImg"/>
@@ -2054,7 +1955,7 @@
       </p:sp>
       <p:sp>
         <p:nvSpPr>
-          <p:cNvPr id="146" name="Google Shape;146;g1c91220a6b6_0_136:notes"/>
+          <p:cNvPr id="141" name="Google Shape;141;g1c91220a6b6_0_120:notes"/>
           <p:cNvSpPr txBox="1"/>
           <p:nvPr>
             <p:ph idx="1" type="body"/>
@@ -2099,12 +2000,12 @@
 </p:notes>
 </file>
 
-<file path=ppt/notesSlides/notesSlide5.xml><?xml version="1.0" encoding="utf-8"?>
+<file path=ppt/notesSlides/notesSlide4.xml><?xml version="1.0" encoding="utf-8"?>
 <p:notes xmlns:a="http://schemas.openxmlformats.org/drawingml/2006/main" xmlns:r="http://schemas.openxmlformats.org/officeDocument/2006/relationships" xmlns:mc="http://schemas.openxmlformats.org/markup-compatibility/2006" xmlns:mv="urn:schemas-microsoft-com:mac:vml" xmlns:p="http://schemas.openxmlformats.org/presentationml/2006/main" xmlns:c="http://schemas.openxmlformats.org/drawingml/2006/chart" xmlns:dgm="http://schemas.openxmlformats.org/drawingml/2006/diagram" xmlns:o="urn:schemas-microsoft-com:office:office" xmlns:v="urn:schemas-microsoft-com:vml" xmlns:pvml="urn:schemas-microsoft-com:office:powerpoint" xmlns:com="http://schemas.openxmlformats.org/drawingml/2006/compatibility" xmlns:p14="http://schemas.microsoft.com/office/powerpoint/2010/main" xmlns:p15="http://schemas.microsoft.com/office/powerpoint/2012/main" xmlns:ahyp="http://schemas.microsoft.com/office/drawing/2018/hyperlinkcolor" showMasterPhAnim="0" showMasterSp="0">
   <p:cSld>
     <p:spTree>
       <p:nvGrpSpPr>
-        <p:cNvPr id="151" name="Shape 151"/>
+        <p:cNvPr id="147" name="Shape 147"/>
         <p:cNvGrpSpPr/>
         <p:nvPr/>
       </p:nvGrpSpPr>
@@ -2118,7 +2019,7 @@
       </p:grpSpPr>
       <p:sp>
         <p:nvSpPr>
-          <p:cNvPr id="152" name="Google Shape;152;g1c90286a4af_4_5:notes"/>
+          <p:cNvPr id="148" name="Google Shape;148;g1c91220a6b6_0_136:notes"/>
           <p:cNvSpPr/>
           <p:nvPr>
             <p:ph idx="2" type="sldImg"/>
@@ -2153,7 +2054,7 @@
       </p:sp>
       <p:sp>
         <p:nvSpPr>
-          <p:cNvPr id="153" name="Google Shape;153;g1c90286a4af_4_5:notes"/>
+          <p:cNvPr id="149" name="Google Shape;149;g1c91220a6b6_0_136:notes"/>
           <p:cNvSpPr txBox="1"/>
           <p:nvPr>
             <p:ph idx="1" type="body"/>
@@ -2198,12 +2099,12 @@
 </p:notes>
 </file>
 
-<file path=ppt/notesSlides/notesSlide6.xml><?xml version="1.0" encoding="utf-8"?>
+<file path=ppt/notesSlides/notesSlide5.xml><?xml version="1.0" encoding="utf-8"?>
 <p:notes xmlns:a="http://schemas.openxmlformats.org/drawingml/2006/main" xmlns:r="http://schemas.openxmlformats.org/officeDocument/2006/relationships" xmlns:mc="http://schemas.openxmlformats.org/markup-compatibility/2006" xmlns:mv="urn:schemas-microsoft-com:mac:vml" xmlns:p="http://schemas.openxmlformats.org/presentationml/2006/main" xmlns:c="http://schemas.openxmlformats.org/drawingml/2006/chart" xmlns:dgm="http://schemas.openxmlformats.org/drawingml/2006/diagram" xmlns:o="urn:schemas-microsoft-com:office:office" xmlns:v="urn:schemas-microsoft-com:vml" xmlns:pvml="urn:schemas-microsoft-com:office:powerpoint" xmlns:com="http://schemas.openxmlformats.org/drawingml/2006/compatibility" xmlns:p14="http://schemas.microsoft.com/office/powerpoint/2010/main" xmlns:p15="http://schemas.microsoft.com/office/powerpoint/2012/main" xmlns:ahyp="http://schemas.microsoft.com/office/drawing/2018/hyperlinkcolor" showMasterPhAnim="0" showMasterSp="0">
   <p:cSld>
     <p:spTree>
       <p:nvGrpSpPr>
-        <p:cNvPr id="158" name="Shape 158"/>
+        <p:cNvPr id="155" name="Shape 155"/>
         <p:cNvGrpSpPr/>
         <p:nvPr/>
       </p:nvGrpSpPr>
@@ -2217,7 +2118,7 @@
       </p:grpSpPr>
       <p:sp>
         <p:nvSpPr>
-          <p:cNvPr id="159" name="Google Shape;159;g1c90286a4af_4_0:notes"/>
+          <p:cNvPr id="156" name="Google Shape;156;g1c90286a4af_4_5:notes"/>
           <p:cNvSpPr/>
           <p:nvPr>
             <p:ph idx="2" type="sldImg"/>
@@ -2252,7 +2153,7 @@
       </p:sp>
       <p:sp>
         <p:nvSpPr>
-          <p:cNvPr id="160" name="Google Shape;160;g1c90286a4af_4_0:notes"/>
+          <p:cNvPr id="157" name="Google Shape;157;g1c90286a4af_4_5:notes"/>
           <p:cNvSpPr txBox="1"/>
           <p:nvPr>
             <p:ph idx="1" type="body"/>
@@ -2297,12 +2198,12 @@
 </p:notes>
 </file>
 
-<file path=ppt/notesSlides/notesSlide7.xml><?xml version="1.0" encoding="utf-8"?>
+<file path=ppt/notesSlides/notesSlide6.xml><?xml version="1.0" encoding="utf-8"?>
 <p:notes xmlns:a="http://schemas.openxmlformats.org/drawingml/2006/main" xmlns:r="http://schemas.openxmlformats.org/officeDocument/2006/relationships" xmlns:mc="http://schemas.openxmlformats.org/markup-compatibility/2006" xmlns:mv="urn:schemas-microsoft-com:mac:vml" xmlns:p="http://schemas.openxmlformats.org/presentationml/2006/main" xmlns:c="http://schemas.openxmlformats.org/drawingml/2006/chart" xmlns:dgm="http://schemas.openxmlformats.org/drawingml/2006/diagram" xmlns:o="urn:schemas-microsoft-com:office:office" xmlns:v="urn:schemas-microsoft-com:vml" xmlns:pvml="urn:schemas-microsoft-com:office:powerpoint" xmlns:com="http://schemas.openxmlformats.org/drawingml/2006/compatibility" xmlns:p14="http://schemas.microsoft.com/office/powerpoint/2010/main" xmlns:p15="http://schemas.microsoft.com/office/powerpoint/2012/main" xmlns:ahyp="http://schemas.microsoft.com/office/drawing/2018/hyperlinkcolor" showMasterPhAnim="0" showMasterSp="0">
   <p:cSld>
     <p:spTree>
       <p:nvGrpSpPr>
-        <p:cNvPr id="165" name="Shape 165"/>
+        <p:cNvPr id="163" name="Shape 163"/>
         <p:cNvGrpSpPr/>
         <p:nvPr/>
       </p:nvGrpSpPr>
@@ -2316,7 +2217,7 @@
       </p:grpSpPr>
       <p:sp>
         <p:nvSpPr>
-          <p:cNvPr id="166" name="Google Shape;166;g1c91220a6b6_0_145:notes"/>
+          <p:cNvPr id="164" name="Google Shape;164;g1c90286a4af_4_0:notes"/>
           <p:cNvSpPr/>
           <p:nvPr>
             <p:ph idx="2" type="sldImg"/>
@@ -2351,7 +2252,7 @@
       </p:sp>
       <p:sp>
         <p:nvSpPr>
-          <p:cNvPr id="167" name="Google Shape;167;g1c91220a6b6_0_145:notes"/>
+          <p:cNvPr id="165" name="Google Shape;165;g1c90286a4af_4_0:notes"/>
           <p:cNvSpPr txBox="1"/>
           <p:nvPr>
             <p:ph idx="1" type="body"/>
@@ -2396,12 +2297,12 @@
 </p:notes>
 </file>
 
-<file path=ppt/notesSlides/notesSlide8.xml><?xml version="1.0" encoding="utf-8"?>
+<file path=ppt/notesSlides/notesSlide7.xml><?xml version="1.0" encoding="utf-8"?>
 <p:notes xmlns:a="http://schemas.openxmlformats.org/drawingml/2006/main" xmlns:r="http://schemas.openxmlformats.org/officeDocument/2006/relationships" xmlns:mc="http://schemas.openxmlformats.org/markup-compatibility/2006" xmlns:mv="urn:schemas-microsoft-com:mac:vml" xmlns:p="http://schemas.openxmlformats.org/presentationml/2006/main" xmlns:c="http://schemas.openxmlformats.org/drawingml/2006/chart" xmlns:dgm="http://schemas.openxmlformats.org/drawingml/2006/diagram" xmlns:o="urn:schemas-microsoft-com:office:office" xmlns:v="urn:schemas-microsoft-com:vml" xmlns:pvml="urn:schemas-microsoft-com:office:powerpoint" xmlns:com="http://schemas.openxmlformats.org/drawingml/2006/compatibility" xmlns:p14="http://schemas.microsoft.com/office/powerpoint/2010/main" xmlns:p15="http://schemas.microsoft.com/office/powerpoint/2012/main" xmlns:ahyp="http://schemas.microsoft.com/office/drawing/2018/hyperlinkcolor" showMasterPhAnim="0" showMasterSp="0">
   <p:cSld>
     <p:spTree>
       <p:nvGrpSpPr>
-        <p:cNvPr id="172" name="Shape 172"/>
+        <p:cNvPr id="171" name="Shape 171"/>
         <p:cNvGrpSpPr/>
         <p:nvPr/>
       </p:nvGrpSpPr>
@@ -2415,7 +2316,7 @@
       </p:grpSpPr>
       <p:sp>
         <p:nvSpPr>
-          <p:cNvPr id="173" name="Google Shape;173;g1c91220a6b6_0_173:notes"/>
+          <p:cNvPr id="172" name="Google Shape;172;g1c91220a6b6_0_145:notes"/>
           <p:cNvSpPr/>
           <p:nvPr>
             <p:ph idx="2" type="sldImg"/>
@@ -2450,7 +2351,7 @@
       </p:sp>
       <p:sp>
         <p:nvSpPr>
-          <p:cNvPr id="174" name="Google Shape;174;g1c91220a6b6_0_173:notes"/>
+          <p:cNvPr id="173" name="Google Shape;173;g1c91220a6b6_0_145:notes"/>
           <p:cNvSpPr txBox="1"/>
           <p:nvPr>
             <p:ph idx="1" type="body"/>
@@ -2495,7 +2396,7 @@
 </p:notes>
 </file>
 
-<file path=ppt/notesSlides/notesSlide9.xml><?xml version="1.0" encoding="utf-8"?>
+<file path=ppt/notesSlides/notesSlide8.xml><?xml version="1.0" encoding="utf-8"?>
 <p:notes xmlns:a="http://schemas.openxmlformats.org/drawingml/2006/main" xmlns:r="http://schemas.openxmlformats.org/officeDocument/2006/relationships" xmlns:mc="http://schemas.openxmlformats.org/markup-compatibility/2006" xmlns:mv="urn:schemas-microsoft-com:mac:vml" xmlns:p="http://schemas.openxmlformats.org/presentationml/2006/main" xmlns:c="http://schemas.openxmlformats.org/drawingml/2006/chart" xmlns:dgm="http://schemas.openxmlformats.org/drawingml/2006/diagram" xmlns:o="urn:schemas-microsoft-com:office:office" xmlns:v="urn:schemas-microsoft-com:vml" xmlns:pvml="urn:schemas-microsoft-com:office:powerpoint" xmlns:com="http://schemas.openxmlformats.org/drawingml/2006/compatibility" xmlns:p14="http://schemas.microsoft.com/office/powerpoint/2010/main" xmlns:p15="http://schemas.microsoft.com/office/powerpoint/2012/main" xmlns:ahyp="http://schemas.microsoft.com/office/drawing/2018/hyperlinkcolor" showMasterPhAnim="0" showMasterSp="0">
   <p:cSld>
     <p:spTree>
@@ -2514,7 +2415,7 @@
       </p:grpSpPr>
       <p:sp>
         <p:nvSpPr>
-          <p:cNvPr id="180" name="Google Shape;180;g1c91220a6b6_0_186:notes"/>
+          <p:cNvPr id="180" name="Google Shape;180;g1c91220a6b6_0_173:notes"/>
           <p:cNvSpPr/>
           <p:nvPr>
             <p:ph idx="2" type="sldImg"/>
@@ -2549,7 +2450,106 @@
       </p:sp>
       <p:sp>
         <p:nvSpPr>
-          <p:cNvPr id="181" name="Google Shape;181;g1c91220a6b6_0_186:notes"/>
+          <p:cNvPr id="181" name="Google Shape;181;g1c91220a6b6_0_173:notes"/>
+          <p:cNvSpPr txBox="1"/>
+          <p:nvPr>
+            <p:ph idx="1" type="body"/>
+          </p:nvPr>
+        </p:nvSpPr>
+        <p:spPr>
+          <a:xfrm>
+            <a:off x="685800" y="4343400"/>
+            <a:ext cx="5486400" cy="4114800"/>
+          </a:xfrm>
+          <a:prstGeom prst="rect">
+            <a:avLst/>
+          </a:prstGeom>
+        </p:spPr>
+        <p:txBody>
+          <a:bodyPr anchorCtr="0" anchor="t" bIns="91425" lIns="91425" spcFirstLastPara="1" rIns="91425" wrap="square" tIns="91425">
+            <a:noAutofit/>
+          </a:bodyPr>
+          <a:lstStyle/>
+          <a:p>
+            <a:pPr indent="0" lvl="0" marL="0" rtl="0" algn="l">
+              <a:spcBef>
+                <a:spcPts val="0"/>
+              </a:spcBef>
+              <a:spcAft>
+                <a:spcPts val="0"/>
+              </a:spcAft>
+              <a:buNone/>
+            </a:pPr>
+            <a:r>
+              <a:t/>
+            </a:r>
+            <a:endParaRPr/>
+          </a:p>
+        </p:txBody>
+      </p:sp>
+    </p:spTree>
+  </p:cSld>
+  <p:clrMapOvr>
+    <a:masterClrMapping/>
+  </p:clrMapOvr>
+</p:notes>
+</file>
+
+<file path=ppt/notesSlides/notesSlide9.xml><?xml version="1.0" encoding="utf-8"?>
+<p:notes xmlns:a="http://schemas.openxmlformats.org/drawingml/2006/main" xmlns:r="http://schemas.openxmlformats.org/officeDocument/2006/relationships" xmlns:mc="http://schemas.openxmlformats.org/markup-compatibility/2006" xmlns:mv="urn:schemas-microsoft-com:mac:vml" xmlns:p="http://schemas.openxmlformats.org/presentationml/2006/main" xmlns:c="http://schemas.openxmlformats.org/drawingml/2006/chart" xmlns:dgm="http://schemas.openxmlformats.org/drawingml/2006/diagram" xmlns:o="urn:schemas-microsoft-com:office:office" xmlns:v="urn:schemas-microsoft-com:vml" xmlns:pvml="urn:schemas-microsoft-com:office:powerpoint" xmlns:com="http://schemas.openxmlformats.org/drawingml/2006/compatibility" xmlns:p14="http://schemas.microsoft.com/office/powerpoint/2010/main" xmlns:p15="http://schemas.microsoft.com/office/powerpoint/2012/main" xmlns:ahyp="http://schemas.microsoft.com/office/drawing/2018/hyperlinkcolor" showMasterPhAnim="0" showMasterSp="0">
+  <p:cSld>
+    <p:spTree>
+      <p:nvGrpSpPr>
+        <p:cNvPr id="187" name="Shape 187"/>
+        <p:cNvGrpSpPr/>
+        <p:nvPr/>
+      </p:nvGrpSpPr>
+      <p:grpSpPr>
+        <a:xfrm>
+          <a:off x="0" y="0"/>
+          <a:ext cx="0" cy="0"/>
+          <a:chOff x="0" y="0"/>
+          <a:chExt cx="0" cy="0"/>
+        </a:xfrm>
+      </p:grpSpPr>
+      <p:sp>
+        <p:nvSpPr>
+          <p:cNvPr id="188" name="Google Shape;188;g1c91220a6b6_0_186:notes"/>
+          <p:cNvSpPr/>
+          <p:nvPr>
+            <p:ph idx="2" type="sldImg"/>
+          </p:nvPr>
+        </p:nvSpPr>
+        <p:spPr>
+          <a:xfrm>
+            <a:off x="381300" y="685800"/>
+            <a:ext cx="6096000" cy="3429000"/>
+          </a:xfrm>
+          <a:custGeom>
+            <a:rect b="b" l="l" r="r" t="t"/>
+            <a:pathLst>
+              <a:path extrusionOk="0" h="120000" w="120000">
+                <a:moveTo>
+                  <a:pt x="0" y="0"/>
+                </a:moveTo>
+                <a:lnTo>
+                  <a:pt x="120000" y="0"/>
+                </a:lnTo>
+                <a:lnTo>
+                  <a:pt x="120000" y="120000"/>
+                </a:lnTo>
+                <a:lnTo>
+                  <a:pt x="0" y="120000"/>
+                </a:lnTo>
+                <a:close/>
+              </a:path>
+            </a:pathLst>
+          </a:custGeom>
+        </p:spPr>
+      </p:sp>
+      <p:sp>
+        <p:nvSpPr>
+          <p:cNvPr id="189" name="Google Shape;189;g1c91220a6b6_0_186:notes"/>
           <p:cNvSpPr txBox="1"/>
           <p:nvPr>
             <p:ph idx="1" type="body"/>
@@ -9972,7 +9972,7 @@
     <p:sldLayoutId id="2147483657" r:id="rId10"/>
     <p:sldLayoutId id="2147483658" r:id="rId11"/>
   </p:sldLayoutIdLst>
-  <p:hf dt="0" ftr="0" hdr="0" sldNum="0"/>
+  <p:hf dt="0" ftr="0" hdr="0"/>
   <p:txStyles>
     <p:titleStyle>
       <a:defPPr lvl="0" marR="0" rtl="0" algn="l">
@@ -10701,7 +10701,7 @@
         </p:spPr>
         <p:txBody>
           <a:bodyPr anchorCtr="0" anchor="ctr" bIns="91425" lIns="91425" spcFirstLastPara="1" rIns="91425" wrap="square" tIns="91425">
-            <a:normAutofit/>
+            <a:normAutofit fontScale="90000"/>
           </a:bodyPr>
           <a:lstStyle/>
           <a:p>
@@ -10715,16 +10715,32 @@
               <a:buNone/>
             </a:pPr>
             <a:r>
+              <a:rPr lang="nl" sz="5300"/>
+              <a:t>3D printer</a:t>
+            </a:r>
+            <a:endParaRPr sz="5300"/>
+          </a:p>
+          <a:p>
+            <a:pPr indent="0" lvl="0" marL="0" rtl="0" algn="ctr">
+              <a:spcBef>
+                <a:spcPts val="0"/>
+              </a:spcBef>
+              <a:spcAft>
+                <a:spcPts val="0"/>
+              </a:spcAft>
+              <a:buNone/>
+            </a:pPr>
+            <a:r>
+              <a:rPr lang="nl" sz="1550"/>
+              <a:t>Project embedded</a:t>
+            </a:r>
+            <a:r>
               <a:rPr lang="nl"/>
-              <a:t>Project embedded </a:t>
+              <a:t> </a:t>
             </a:r>
             <a:br>
               <a:rPr lang="nl"/>
             </a:br>
-            <a:r>
-              <a:rPr lang="nl"/>
-              <a:t>3D printer</a:t>
-            </a:r>
             <a:endParaRPr/>
           </a:p>
         </p:txBody>
@@ -10847,6 +10863,46 @@
           </a:p>
         </p:txBody>
       </p:sp>
+      <p:sp>
+        <p:nvSpPr>
+          <p:cNvPr id="130" name="Google Shape;130;p13"/>
+          <p:cNvSpPr txBox="1"/>
+          <p:nvPr>
+            <p:ph idx="12" type="sldNum"/>
+          </p:nvPr>
+        </p:nvSpPr>
+        <p:spPr>
+          <a:xfrm>
+            <a:off x="8390734" y="4543668"/>
+            <a:ext cx="548700" cy="393600"/>
+          </a:xfrm>
+          <a:prstGeom prst="rect">
+            <a:avLst/>
+          </a:prstGeom>
+        </p:spPr>
+        <p:txBody>
+          <a:bodyPr anchorCtr="0" anchor="ctr" bIns="91425" lIns="91425" spcFirstLastPara="1" rIns="91425" wrap="square" tIns="91425">
+            <a:normAutofit/>
+          </a:bodyPr>
+          <a:lstStyle/>
+          <a:p>
+            <a:pPr indent="0" lvl="0" marL="0" rtl="0" algn="r">
+              <a:spcBef>
+                <a:spcPts val="0"/>
+              </a:spcBef>
+              <a:spcAft>
+                <a:spcPts val="0"/>
+              </a:spcAft>
+              <a:buNone/>
+            </a:pPr>
+            <a:fld id="{00000000-1234-1234-1234-123412341234}" type="slidenum">
+              <a:rPr lang="nl"/>
+              <a:t>‹#›</a:t>
+            </a:fld>
+            <a:endParaRPr/>
+          </a:p>
+        </p:txBody>
+      </p:sp>
     </p:spTree>
   </p:cSld>
   <p:clrMapOvr>
@@ -10860,7 +10916,7 @@
   <p:cSld>
     <p:spTree>
       <p:nvGrpSpPr>
-        <p:cNvPr id="189" name="Shape 189"/>
+        <p:cNvPr id="198" name="Shape 198"/>
         <p:cNvGrpSpPr/>
         <p:nvPr/>
       </p:nvGrpSpPr>
@@ -10874,7 +10930,7 @@
       </p:grpSpPr>
       <p:sp>
         <p:nvSpPr>
-          <p:cNvPr id="190" name="Google Shape;190;p22"/>
+          <p:cNvPr id="199" name="Google Shape;199;p22"/>
           <p:cNvSpPr txBox="1"/>
           <p:nvPr>
             <p:ph type="title"/>
@@ -10914,7 +10970,7 @@
       </p:sp>
       <p:sp>
         <p:nvSpPr>
-          <p:cNvPr id="191" name="Google Shape;191;p22"/>
+          <p:cNvPr id="200" name="Google Shape;200;p22"/>
           <p:cNvSpPr txBox="1"/>
           <p:nvPr>
             <p:ph idx="1" type="body"/>
@@ -11064,7 +11120,7 @@
       </p:sp>
       <p:pic>
         <p:nvPicPr>
-          <p:cNvPr id="192" name="Google Shape;192;p22"/>
+          <p:cNvPr id="201" name="Google Shape;201;p22"/>
           <p:cNvPicPr preferRelativeResize="0"/>
           <p:nvPr/>
         </p:nvPicPr>
@@ -11092,7 +11148,7 @@
       </p:pic>
       <p:pic>
         <p:nvPicPr>
-          <p:cNvPr id="193" name="Google Shape;193;p22"/>
+          <p:cNvPr id="202" name="Google Shape;202;p22"/>
           <p:cNvPicPr preferRelativeResize="0"/>
           <p:nvPr/>
         </p:nvPicPr>
@@ -11118,6 +11174,46 @@
           </a:ln>
         </p:spPr>
       </p:pic>
+      <p:sp>
+        <p:nvSpPr>
+          <p:cNvPr id="203" name="Google Shape;203;p22"/>
+          <p:cNvSpPr txBox="1"/>
+          <p:nvPr>
+            <p:ph idx="12" type="sldNum"/>
+          </p:nvPr>
+        </p:nvSpPr>
+        <p:spPr>
+          <a:xfrm>
+            <a:off x="8390734" y="4543668"/>
+            <a:ext cx="548700" cy="393600"/>
+          </a:xfrm>
+          <a:prstGeom prst="rect">
+            <a:avLst/>
+          </a:prstGeom>
+        </p:spPr>
+        <p:txBody>
+          <a:bodyPr anchorCtr="0" anchor="ctr" bIns="91425" lIns="91425" spcFirstLastPara="1" rIns="91425" wrap="square" tIns="91425">
+            <a:normAutofit/>
+          </a:bodyPr>
+          <a:lstStyle/>
+          <a:p>
+            <a:pPr indent="0" lvl="0" marL="0" rtl="0" algn="r">
+              <a:spcBef>
+                <a:spcPts val="0"/>
+              </a:spcBef>
+              <a:spcAft>
+                <a:spcPts val="0"/>
+              </a:spcAft>
+              <a:buNone/>
+            </a:pPr>
+            <a:fld id="{00000000-1234-1234-1234-123412341234}" type="slidenum">
+              <a:rPr lang="nl"/>
+              <a:t>‹#›</a:t>
+            </a:fld>
+            <a:endParaRPr/>
+          </a:p>
+        </p:txBody>
+      </p:sp>
     </p:spTree>
   </p:cSld>
   <p:clrMapOvr>
@@ -11131,7 +11227,7 @@
   <p:cSld>
     <p:spTree>
       <p:nvGrpSpPr>
-        <p:cNvPr id="197" name="Shape 197"/>
+        <p:cNvPr id="207" name="Shape 207"/>
         <p:cNvGrpSpPr/>
         <p:nvPr/>
       </p:nvGrpSpPr>
@@ -11145,7 +11241,7 @@
       </p:grpSpPr>
       <p:sp>
         <p:nvSpPr>
-          <p:cNvPr id="198" name="Google Shape;198;p23"/>
+          <p:cNvPr id="208" name="Google Shape;208;p23"/>
           <p:cNvSpPr txBox="1"/>
           <p:nvPr>
             <p:ph type="title"/>
@@ -11153,7 +11249,7 @@
         </p:nvSpPr>
         <p:spPr>
           <a:xfrm>
-            <a:off x="819150" y="414050"/>
+            <a:off x="819150" y="845600"/>
             <a:ext cx="7505700" cy="954600"/>
           </a:xfrm>
           <a:prstGeom prst="rect">
@@ -11177,7 +11273,68 @@
             </a:pPr>
             <a:r>
               <a:rPr lang="nl"/>
-              <a:t>Alle bumpers langs elkaar</a:t>
+              <a:t>Raspberry Pi via SSD</a:t>
+            </a:r>
+            <a:endParaRPr/>
+          </a:p>
+        </p:txBody>
+      </p:sp>
+      <p:sp>
+        <p:nvSpPr>
+          <p:cNvPr id="209" name="Google Shape;209;p23"/>
+          <p:cNvSpPr txBox="1"/>
+          <p:nvPr>
+            <p:ph idx="1" type="body"/>
+          </p:nvPr>
+        </p:nvSpPr>
+        <p:spPr>
+          <a:xfrm>
+            <a:off x="819150" y="1990725"/>
+            <a:ext cx="7505700" cy="2448000"/>
+          </a:xfrm>
+          <a:prstGeom prst="rect">
+            <a:avLst/>
+          </a:prstGeom>
+        </p:spPr>
+        <p:txBody>
+          <a:bodyPr anchorCtr="0" anchor="t" bIns="91425" lIns="91425" spcFirstLastPara="1" rIns="91425" wrap="square" tIns="91425">
+            <a:normAutofit/>
+          </a:bodyPr>
+          <a:lstStyle/>
+          <a:p>
+            <a:pPr indent="-311150" lvl="0" marL="457200" rtl="0" algn="l">
+              <a:spcBef>
+                <a:spcPts val="0"/>
+              </a:spcBef>
+              <a:spcAft>
+                <a:spcPts val="0"/>
+              </a:spcAft>
+              <a:buSzPts val="1300"/>
+              <a:buChar char="●"/>
+            </a:pPr>
+            <a:r>
+              <a:rPr lang="nl"/>
+              <a:t>Stabieler</a:t>
+            </a:r>
+            <a:br>
+              <a:rPr lang="nl"/>
+            </a:br>
+            <a:endParaRPr/>
+          </a:p>
+          <a:p>
+            <a:pPr indent="-311150" lvl="0" marL="457200" rtl="0" algn="l">
+              <a:spcBef>
+                <a:spcPts val="0"/>
+              </a:spcBef>
+              <a:spcAft>
+                <a:spcPts val="0"/>
+              </a:spcAft>
+              <a:buSzPts val="1300"/>
+              <a:buChar char="●"/>
+            </a:pPr>
+            <a:r>
+              <a:rPr lang="nl"/>
+              <a:t>Sneller</a:t>
             </a:r>
             <a:endParaRPr/>
           </a:p>
@@ -11185,22 +11342,21 @@
       </p:sp>
       <p:pic>
         <p:nvPicPr>
-          <p:cNvPr id="199" name="Google Shape;199;p23"/>
+          <p:cNvPr id="210" name="Google Shape;210;p23"/>
           <p:cNvPicPr preferRelativeResize="0"/>
           <p:nvPr/>
         </p:nvPicPr>
-        <p:blipFill>
+        <p:blipFill rotWithShape="1">
           <a:blip r:embed="rId3">
             <a:alphaModFix/>
           </a:blip>
-          <a:stretch>
-            <a:fillRect/>
-          </a:stretch>
+          <a:srcRect b="18048" l="27356" r="29944" t="28822"/>
+          <a:stretch/>
         </p:blipFill>
         <p:spPr>
           <a:xfrm>
-            <a:off x="1141000" y="1232060"/>
-            <a:ext cx="2488975" cy="1676439"/>
+            <a:off x="5892200" y="748700"/>
+            <a:ext cx="2138400" cy="3547776"/>
           </a:xfrm>
           <a:prstGeom prst="rect">
             <a:avLst/>
@@ -11211,332 +11367,43 @@
           </a:ln>
         </p:spPr>
       </p:pic>
-      <p:pic>
-        <p:nvPicPr>
-          <p:cNvPr id="200" name="Google Shape;200;p23"/>
-          <p:cNvPicPr preferRelativeResize="0"/>
-          <p:nvPr/>
-        </p:nvPicPr>
-        <p:blipFill>
-          <a:blip r:embed="rId4">
-            <a:alphaModFix/>
-          </a:blip>
-          <a:stretch>
-            <a:fillRect/>
-          </a:stretch>
-        </p:blipFill>
-        <p:spPr>
-          <a:xfrm>
-            <a:off x="1141010" y="3154400"/>
-            <a:ext cx="2488965" cy="1772700"/>
+      <p:sp>
+        <p:nvSpPr>
+          <p:cNvPr id="211" name="Google Shape;211;p23"/>
+          <p:cNvSpPr txBox="1"/>
+          <p:nvPr>
+            <p:ph idx="12" type="sldNum"/>
+          </p:nvPr>
+        </p:nvSpPr>
+        <p:spPr>
+          <a:xfrm>
+            <a:off x="8390734" y="4543668"/>
+            <a:ext cx="548700" cy="393600"/>
           </a:xfrm>
           <a:prstGeom prst="rect">
             <a:avLst/>
           </a:prstGeom>
-          <a:noFill/>
-          <a:ln>
-            <a:noFill/>
-          </a:ln>
-        </p:spPr>
-      </p:pic>
-      <p:pic>
-        <p:nvPicPr>
-          <p:cNvPr id="201" name="Google Shape;201;p23"/>
-          <p:cNvPicPr preferRelativeResize="0"/>
-          <p:nvPr/>
-        </p:nvPicPr>
-        <p:blipFill>
-          <a:blip r:embed="rId5">
-            <a:alphaModFix/>
-          </a:blip>
-          <a:stretch>
-            <a:fillRect/>
-          </a:stretch>
-        </p:blipFill>
-        <p:spPr>
-          <a:xfrm>
-            <a:off x="6044211" y="926525"/>
-            <a:ext cx="2291539" cy="1772700"/>
-          </a:xfrm>
-          <a:prstGeom prst="rect">
-            <a:avLst/>
-          </a:prstGeom>
-          <a:noFill/>
-          <a:ln>
-            <a:noFill/>
-          </a:ln>
-        </p:spPr>
-      </p:pic>
-      <p:pic>
-        <p:nvPicPr>
-          <p:cNvPr id="202" name="Google Shape;202;p23"/>
-          <p:cNvPicPr preferRelativeResize="0"/>
-          <p:nvPr/>
-        </p:nvPicPr>
-        <p:blipFill>
-          <a:blip r:embed="rId6">
-            <a:alphaModFix/>
-          </a:blip>
-          <a:stretch>
-            <a:fillRect/>
-          </a:stretch>
-        </p:blipFill>
-        <p:spPr>
-          <a:xfrm>
-            <a:off x="4770374" y="2855949"/>
-            <a:ext cx="1735100" cy="1882225"/>
-          </a:xfrm>
-          <a:prstGeom prst="rect">
-            <a:avLst/>
-          </a:prstGeom>
-          <a:noFill/>
-          <a:ln>
-            <a:noFill/>
-          </a:ln>
-        </p:spPr>
-      </p:pic>
-      <p:pic>
-        <p:nvPicPr>
-          <p:cNvPr id="203" name="Google Shape;203;p23"/>
-          <p:cNvPicPr preferRelativeResize="0"/>
-          <p:nvPr/>
-        </p:nvPicPr>
-        <p:blipFill>
-          <a:blip r:embed="rId7">
-            <a:alphaModFix/>
-          </a:blip>
-          <a:stretch>
-            <a:fillRect/>
-          </a:stretch>
-        </p:blipFill>
-        <p:spPr>
-          <a:xfrm>
-            <a:off x="6712286" y="2855950"/>
-            <a:ext cx="1965390" cy="1882225"/>
-          </a:xfrm>
-          <a:prstGeom prst="rect">
-            <a:avLst/>
-          </a:prstGeom>
-          <a:noFill/>
-          <a:ln>
-            <a:noFill/>
-          </a:ln>
-        </p:spPr>
-      </p:pic>
-      <p:sp>
-        <p:nvSpPr>
-          <p:cNvPr id="204" name="Google Shape;204;p23"/>
-          <p:cNvSpPr txBox="1"/>
-          <p:nvPr/>
-        </p:nvSpPr>
-        <p:spPr>
-          <a:xfrm>
-            <a:off x="708450" y="1143000"/>
-            <a:ext cx="378000" cy="446400"/>
-          </a:xfrm>
-          <a:prstGeom prst="rect">
-            <a:avLst/>
-          </a:prstGeom>
-          <a:noFill/>
-          <a:ln>
-            <a:noFill/>
-          </a:ln>
         </p:spPr>
         <p:txBody>
-          <a:bodyPr anchorCtr="0" anchor="t" bIns="91425" lIns="91425" spcFirstLastPara="1" rIns="91425" wrap="square" tIns="91425">
-            <a:spAutoFit/>
+          <a:bodyPr anchorCtr="0" anchor="ctr" bIns="91425" lIns="91425" spcFirstLastPara="1" rIns="91425" wrap="square" tIns="91425">
+            <a:normAutofit/>
           </a:bodyPr>
           <a:lstStyle/>
           <a:p>
-            <a:pPr indent="0" lvl="0" marL="0" rtl="0" algn="l">
-              <a:spcBef>
-                <a:spcPts val="0"/>
-              </a:spcBef>
-              <a:spcAft>
-                <a:spcPts val="0"/>
-              </a:spcAft>
-              <a:buNone/>
-            </a:pPr>
-            <a:r>
-              <a:rPr b="1" lang="nl" sz="1700">
-                <a:latin typeface="Calibri"/>
-                <a:ea typeface="Calibri"/>
-                <a:cs typeface="Calibri"/>
-                <a:sym typeface="Calibri"/>
-              </a:rPr>
-              <a:t>1.</a:t>
-            </a:r>
-            <a:endParaRPr b="1" sz="1700">
-              <a:latin typeface="Calibri"/>
-              <a:ea typeface="Calibri"/>
-              <a:cs typeface="Calibri"/>
-              <a:sym typeface="Calibri"/>
-            </a:endParaRPr>
-          </a:p>
-        </p:txBody>
-      </p:sp>
-      <p:sp>
-        <p:nvSpPr>
-          <p:cNvPr id="205" name="Google Shape;205;p23"/>
-          <p:cNvSpPr txBox="1"/>
-          <p:nvPr/>
-        </p:nvSpPr>
-        <p:spPr>
-          <a:xfrm>
-            <a:off x="708450" y="3154400"/>
-            <a:ext cx="453600" cy="446400"/>
-          </a:xfrm>
-          <a:prstGeom prst="rect">
-            <a:avLst/>
-          </a:prstGeom>
-          <a:noFill/>
-          <a:ln>
-            <a:noFill/>
-          </a:ln>
-        </p:spPr>
-        <p:txBody>
-          <a:bodyPr anchorCtr="0" anchor="t" bIns="91425" lIns="91425" spcFirstLastPara="1" rIns="91425" wrap="square" tIns="91425">
-            <a:spAutoFit/>
-          </a:bodyPr>
-          <a:lstStyle/>
-          <a:p>
-            <a:pPr indent="0" lvl="0" marL="0" rtl="0" algn="l">
-              <a:spcBef>
-                <a:spcPts val="0"/>
-              </a:spcBef>
-              <a:spcAft>
-                <a:spcPts val="0"/>
-              </a:spcAft>
-              <a:buNone/>
-            </a:pPr>
-            <a:r>
-              <a:rPr b="1" lang="nl" sz="1700">
-                <a:latin typeface="Calibri"/>
-                <a:ea typeface="Calibri"/>
-                <a:cs typeface="Calibri"/>
-                <a:sym typeface="Calibri"/>
-              </a:rPr>
-              <a:t>2</a:t>
-            </a:r>
-            <a:r>
-              <a:rPr b="1" lang="nl" sz="1700">
-                <a:latin typeface="Calibri"/>
-                <a:ea typeface="Calibri"/>
-                <a:cs typeface="Calibri"/>
-                <a:sym typeface="Calibri"/>
-              </a:rPr>
-              <a:t>.</a:t>
-            </a:r>
-            <a:endParaRPr>
-              <a:latin typeface="Calibri"/>
-              <a:ea typeface="Calibri"/>
-              <a:cs typeface="Calibri"/>
-              <a:sym typeface="Calibri"/>
-            </a:endParaRPr>
-          </a:p>
-        </p:txBody>
-      </p:sp>
-      <p:sp>
-        <p:nvSpPr>
-          <p:cNvPr id="206" name="Google Shape;206;p23"/>
-          <p:cNvSpPr txBox="1"/>
-          <p:nvPr/>
-        </p:nvSpPr>
-        <p:spPr>
-          <a:xfrm>
-            <a:off x="5590600" y="1143000"/>
-            <a:ext cx="453600" cy="446400"/>
-          </a:xfrm>
-          <a:prstGeom prst="rect">
-            <a:avLst/>
-          </a:prstGeom>
-          <a:noFill/>
-          <a:ln>
-            <a:noFill/>
-          </a:ln>
-        </p:spPr>
-        <p:txBody>
-          <a:bodyPr anchorCtr="0" anchor="t" bIns="91425" lIns="91425" spcFirstLastPara="1" rIns="91425" wrap="square" tIns="91425">
-            <a:spAutoFit/>
-          </a:bodyPr>
-          <a:lstStyle/>
-          <a:p>
-            <a:pPr indent="0" lvl="0" marL="0" rtl="0" algn="l">
-              <a:spcBef>
-                <a:spcPts val="0"/>
-              </a:spcBef>
-              <a:spcAft>
-                <a:spcPts val="0"/>
-              </a:spcAft>
-              <a:buNone/>
-            </a:pPr>
-            <a:r>
-              <a:rPr b="1" lang="nl" sz="1700">
-                <a:latin typeface="Calibri"/>
-                <a:ea typeface="Calibri"/>
-                <a:cs typeface="Calibri"/>
-                <a:sym typeface="Calibri"/>
-              </a:rPr>
-              <a:t>3.</a:t>
-            </a:r>
-            <a:endParaRPr>
-              <a:latin typeface="Calibri"/>
-              <a:ea typeface="Calibri"/>
-              <a:cs typeface="Calibri"/>
-              <a:sym typeface="Calibri"/>
-            </a:endParaRPr>
-          </a:p>
-        </p:txBody>
-      </p:sp>
-      <p:sp>
-        <p:nvSpPr>
-          <p:cNvPr id="207" name="Google Shape;207;p23"/>
-          <p:cNvSpPr txBox="1"/>
-          <p:nvPr/>
-        </p:nvSpPr>
-        <p:spPr>
-          <a:xfrm>
-            <a:off x="4694800" y="2793025"/>
-            <a:ext cx="453600" cy="446400"/>
-          </a:xfrm>
-          <a:prstGeom prst="rect">
-            <a:avLst/>
-          </a:prstGeom>
-          <a:noFill/>
-          <a:ln>
-            <a:noFill/>
-          </a:ln>
-        </p:spPr>
-        <p:txBody>
-          <a:bodyPr anchorCtr="0" anchor="t" bIns="91425" lIns="91425" spcFirstLastPara="1" rIns="91425" wrap="square" tIns="91425">
-            <a:spAutoFit/>
-          </a:bodyPr>
-          <a:lstStyle/>
-          <a:p>
-            <a:pPr indent="0" lvl="0" marL="0" rtl="0" algn="l">
-              <a:spcBef>
-                <a:spcPts val="0"/>
-              </a:spcBef>
-              <a:spcAft>
-                <a:spcPts val="0"/>
-              </a:spcAft>
-              <a:buNone/>
-            </a:pPr>
-            <a:r>
-              <a:rPr b="1" lang="nl" sz="1700">
-                <a:latin typeface="Calibri"/>
-                <a:ea typeface="Calibri"/>
-                <a:cs typeface="Calibri"/>
-                <a:sym typeface="Calibri"/>
-              </a:rPr>
-              <a:t>4.</a:t>
-            </a:r>
-            <a:endParaRPr>
-              <a:latin typeface="Calibri"/>
-              <a:ea typeface="Calibri"/>
-              <a:cs typeface="Calibri"/>
-              <a:sym typeface="Calibri"/>
-            </a:endParaRPr>
+            <a:pPr indent="0" lvl="0" marL="0" rtl="0" algn="r">
+              <a:spcBef>
+                <a:spcPts val="0"/>
+              </a:spcBef>
+              <a:spcAft>
+                <a:spcPts val="0"/>
+              </a:spcAft>
+              <a:buNone/>
+            </a:pPr>
+            <a:fld id="{00000000-1234-1234-1234-123412341234}" type="slidenum">
+              <a:rPr lang="nl"/>
+              <a:t>‹#›</a:t>
+            </a:fld>
+            <a:endParaRPr/>
           </a:p>
         </p:txBody>
       </p:sp>
@@ -11553,7 +11420,7 @@
   <p:cSld>
     <p:spTree>
       <p:nvGrpSpPr>
-        <p:cNvPr id="211" name="Shape 211"/>
+        <p:cNvPr id="215" name="Shape 215"/>
         <p:cNvGrpSpPr/>
         <p:nvPr/>
       </p:nvGrpSpPr>
@@ -11567,7 +11434,7 @@
       </p:grpSpPr>
       <p:sp>
         <p:nvSpPr>
-          <p:cNvPr id="212" name="Google Shape;212;p24"/>
+          <p:cNvPr id="216" name="Google Shape;216;p24"/>
           <p:cNvSpPr txBox="1"/>
           <p:nvPr>
             <p:ph type="title"/>
@@ -11599,7 +11466,7 @@
             </a:pPr>
             <a:r>
               <a:rPr lang="nl"/>
-              <a:t>Raspberry Pi via SSD</a:t>
+              <a:t>CSI Camera </a:t>
             </a:r>
             <a:endParaRPr/>
           </a:p>
@@ -11607,7 +11474,7 @@
       </p:sp>
       <p:sp>
         <p:nvSpPr>
-          <p:cNvPr id="213" name="Google Shape;213;p24"/>
+          <p:cNvPr id="217" name="Google Shape;217;p24"/>
           <p:cNvSpPr txBox="1"/>
           <p:nvPr>
             <p:ph idx="1" type="body"/>
@@ -11628,9 +11495,56 @@
           </a:bodyPr>
           <a:lstStyle/>
           <a:p>
+            <a:pPr indent="0" lvl="0" marL="0" rtl="0" algn="l">
+              <a:spcBef>
+                <a:spcPts val="0"/>
+              </a:spcBef>
+              <a:spcAft>
+                <a:spcPts val="0"/>
+              </a:spcAft>
+              <a:buNone/>
+            </a:pPr>
+            <a:r>
+              <a:rPr lang="nl"/>
+              <a:t>Csi camera &lt;-&gt; Raspberry Pi </a:t>
+            </a:r>
+            <a:endParaRPr/>
+          </a:p>
+          <a:p>
+            <a:pPr indent="0" lvl="0" marL="0" rtl="0" algn="l">
+              <a:spcBef>
+                <a:spcPts val="1200"/>
+              </a:spcBef>
+              <a:spcAft>
+                <a:spcPts val="0"/>
+              </a:spcAft>
+              <a:buNone/>
+            </a:pPr>
+            <a:r>
+              <a:t/>
+            </a:r>
+            <a:endParaRPr/>
+          </a:p>
+          <a:p>
+            <a:pPr indent="0" lvl="0" marL="0" rtl="0" algn="l">
+              <a:spcBef>
+                <a:spcPts val="1200"/>
+              </a:spcBef>
+              <a:spcAft>
+                <a:spcPts val="0"/>
+              </a:spcAft>
+              <a:buNone/>
+            </a:pPr>
+            <a:r>
+              <a:rPr lang="nl"/>
+              <a:t>Benodigdheden </a:t>
+            </a:r>
+            <a:endParaRPr/>
+          </a:p>
+          <a:p>
             <a:pPr indent="-311150" lvl="0" marL="457200" rtl="0" algn="l">
               <a:spcBef>
-                <a:spcPts val="0"/>
+                <a:spcPts val="1200"/>
               </a:spcBef>
               <a:spcAft>
                 <a:spcPts val="0"/>
@@ -11640,11 +11554,8 @@
             </a:pPr>
             <a:r>
               <a:rPr lang="nl"/>
-              <a:t>Stabieler</a:t>
+              <a:t>Langere camera kabel (75cm)</a:t>
             </a:r>
-            <a:br>
-              <a:rPr lang="nl"/>
-            </a:br>
             <a:endParaRPr/>
           </a:p>
           <a:p>
@@ -11660,7 +11571,7 @@
             </a:pPr>
             <a:r>
               <a:rPr lang="nl"/>
-              <a:t>sneller</a:t>
+              <a:t>Staander voor camera</a:t>
             </a:r>
             <a:endParaRPr/>
           </a:p>
@@ -11668,7 +11579,7 @@
       </p:sp>
       <p:pic>
         <p:nvPicPr>
-          <p:cNvPr id="214" name="Google Shape;214;p24"/>
+          <p:cNvPr id="218" name="Google Shape;218;p24"/>
           <p:cNvPicPr preferRelativeResize="0"/>
           <p:nvPr/>
         </p:nvPicPr>
@@ -11676,13 +11587,13 @@
           <a:blip r:embed="rId3">
             <a:alphaModFix/>
           </a:blip>
-          <a:srcRect b="18048" l="27356" r="29944" t="28822"/>
+          <a:srcRect b="0" l="23879" r="25626" t="0"/>
           <a:stretch/>
         </p:blipFill>
         <p:spPr>
           <a:xfrm>
-            <a:off x="5892200" y="748700"/>
-            <a:ext cx="2138400" cy="3547776"/>
+            <a:off x="6773000" y="1211475"/>
+            <a:ext cx="1738102" cy="3442075"/>
           </a:xfrm>
           <a:prstGeom prst="rect">
             <a:avLst/>
@@ -11693,6 +11604,74 @@
           </a:ln>
         </p:spPr>
       </p:pic>
+      <p:pic>
+        <p:nvPicPr>
+          <p:cNvPr id="219" name="Google Shape;219;p24"/>
+          <p:cNvPicPr preferRelativeResize="0"/>
+          <p:nvPr/>
+        </p:nvPicPr>
+        <p:blipFill>
+          <a:blip r:embed="rId4">
+            <a:alphaModFix/>
+          </a:blip>
+          <a:stretch>
+            <a:fillRect/>
+          </a:stretch>
+        </p:blipFill>
+        <p:spPr>
+          <a:xfrm>
+            <a:off x="4446551" y="526550"/>
+            <a:ext cx="2326451" cy="2113199"/>
+          </a:xfrm>
+          <a:prstGeom prst="rect">
+            <a:avLst/>
+          </a:prstGeom>
+          <a:noFill/>
+          <a:ln>
+            <a:noFill/>
+          </a:ln>
+        </p:spPr>
+      </p:pic>
+      <p:sp>
+        <p:nvSpPr>
+          <p:cNvPr id="220" name="Google Shape;220;p24"/>
+          <p:cNvSpPr txBox="1"/>
+          <p:nvPr>
+            <p:ph idx="12" type="sldNum"/>
+          </p:nvPr>
+        </p:nvSpPr>
+        <p:spPr>
+          <a:xfrm>
+            <a:off x="8390734" y="4543668"/>
+            <a:ext cx="548700" cy="393600"/>
+          </a:xfrm>
+          <a:prstGeom prst="rect">
+            <a:avLst/>
+          </a:prstGeom>
+        </p:spPr>
+        <p:txBody>
+          <a:bodyPr anchorCtr="0" anchor="ctr" bIns="91425" lIns="91425" spcFirstLastPara="1" rIns="91425" wrap="square" tIns="91425">
+            <a:normAutofit/>
+          </a:bodyPr>
+          <a:lstStyle/>
+          <a:p>
+            <a:pPr indent="0" lvl="0" marL="0" rtl="0" algn="r">
+              <a:spcBef>
+                <a:spcPts val="0"/>
+              </a:spcBef>
+              <a:spcAft>
+                <a:spcPts val="0"/>
+              </a:spcAft>
+              <a:buNone/>
+            </a:pPr>
+            <a:fld id="{00000000-1234-1234-1234-123412341234}" type="slidenum">
+              <a:rPr lang="nl"/>
+              <a:t>‹#›</a:t>
+            </a:fld>
+            <a:endParaRPr/>
+          </a:p>
+        </p:txBody>
+      </p:sp>
     </p:spTree>
   </p:cSld>
   <p:clrMapOvr>
@@ -11706,7 +11685,7 @@
   <p:cSld>
     <p:spTree>
       <p:nvGrpSpPr>
-        <p:cNvPr id="218" name="Shape 218"/>
+        <p:cNvPr id="224" name="Shape 224"/>
         <p:cNvGrpSpPr/>
         <p:nvPr/>
       </p:nvGrpSpPr>
@@ -11720,7 +11699,7 @@
       </p:grpSpPr>
       <p:sp>
         <p:nvSpPr>
-          <p:cNvPr id="219" name="Google Shape;219;p25"/>
+          <p:cNvPr id="225" name="Google Shape;225;p25"/>
           <p:cNvSpPr txBox="1"/>
           <p:nvPr>
             <p:ph type="title"/>
@@ -11752,7 +11731,7 @@
             </a:pPr>
             <a:r>
               <a:rPr lang="nl"/>
-              <a:t>CSI Camera </a:t>
+              <a:t>Camera staander</a:t>
             </a:r>
             <a:endParaRPr/>
           </a:p>
@@ -11760,7 +11739,7 @@
       </p:sp>
       <p:sp>
         <p:nvSpPr>
-          <p:cNvPr id="220" name="Google Shape;220;p25"/>
+          <p:cNvPr id="226" name="Google Shape;226;p25"/>
           <p:cNvSpPr txBox="1"/>
           <p:nvPr>
             <p:ph idx="1" type="body"/>
@@ -11792,231 +11771,6 @@
             </a:pPr>
             <a:r>
               <a:rPr lang="nl"/>
-              <a:t>Csi camera &lt;-&gt; Raspberry Pi </a:t>
-            </a:r>
-            <a:endParaRPr/>
-          </a:p>
-          <a:p>
-            <a:pPr indent="0" lvl="0" marL="0" rtl="0" algn="l">
-              <a:spcBef>
-                <a:spcPts val="1200"/>
-              </a:spcBef>
-              <a:spcAft>
-                <a:spcPts val="0"/>
-              </a:spcAft>
-              <a:buNone/>
-            </a:pPr>
-            <a:r>
-              <a:t/>
-            </a:r>
-            <a:endParaRPr/>
-          </a:p>
-          <a:p>
-            <a:pPr indent="0" lvl="0" marL="0" rtl="0" algn="l">
-              <a:spcBef>
-                <a:spcPts val="1200"/>
-              </a:spcBef>
-              <a:spcAft>
-                <a:spcPts val="0"/>
-              </a:spcAft>
-              <a:buNone/>
-            </a:pPr>
-            <a:r>
-              <a:rPr lang="nl"/>
-              <a:t>Benodigdheden </a:t>
-            </a:r>
-            <a:endParaRPr/>
-          </a:p>
-          <a:p>
-            <a:pPr indent="-311150" lvl="0" marL="457200" rtl="0" algn="l">
-              <a:spcBef>
-                <a:spcPts val="1200"/>
-              </a:spcBef>
-              <a:spcAft>
-                <a:spcPts val="0"/>
-              </a:spcAft>
-              <a:buSzPts val="1300"/>
-              <a:buChar char="●"/>
-            </a:pPr>
-            <a:r>
-              <a:rPr lang="nl"/>
-              <a:t>Langere camera kabel (75cm)</a:t>
-            </a:r>
-            <a:endParaRPr/>
-          </a:p>
-          <a:p>
-            <a:pPr indent="-311150" lvl="0" marL="457200" rtl="0" algn="l">
-              <a:spcBef>
-                <a:spcPts val="0"/>
-              </a:spcBef>
-              <a:spcAft>
-                <a:spcPts val="0"/>
-              </a:spcAft>
-              <a:buSzPts val="1300"/>
-              <a:buChar char="●"/>
-            </a:pPr>
-            <a:r>
-              <a:rPr lang="nl"/>
-              <a:t>Staander voor camera</a:t>
-            </a:r>
-            <a:endParaRPr/>
-          </a:p>
-        </p:txBody>
-      </p:sp>
-      <p:pic>
-        <p:nvPicPr>
-          <p:cNvPr id="221" name="Google Shape;221;p25"/>
-          <p:cNvPicPr preferRelativeResize="0"/>
-          <p:nvPr/>
-        </p:nvPicPr>
-        <p:blipFill rotWithShape="1">
-          <a:blip r:embed="rId3">
-            <a:alphaModFix/>
-          </a:blip>
-          <a:srcRect b="0" l="23879" r="25626" t="0"/>
-          <a:stretch/>
-        </p:blipFill>
-        <p:spPr>
-          <a:xfrm>
-            <a:off x="6773000" y="1211475"/>
-            <a:ext cx="1738102" cy="3442075"/>
-          </a:xfrm>
-          <a:prstGeom prst="rect">
-            <a:avLst/>
-          </a:prstGeom>
-          <a:noFill/>
-          <a:ln>
-            <a:noFill/>
-          </a:ln>
-        </p:spPr>
-      </p:pic>
-      <p:pic>
-        <p:nvPicPr>
-          <p:cNvPr id="222" name="Google Shape;222;p25"/>
-          <p:cNvPicPr preferRelativeResize="0"/>
-          <p:nvPr/>
-        </p:nvPicPr>
-        <p:blipFill>
-          <a:blip r:embed="rId4">
-            <a:alphaModFix/>
-          </a:blip>
-          <a:stretch>
-            <a:fillRect/>
-          </a:stretch>
-        </p:blipFill>
-        <p:spPr>
-          <a:xfrm>
-            <a:off x="4446551" y="526550"/>
-            <a:ext cx="2326451" cy="2113199"/>
-          </a:xfrm>
-          <a:prstGeom prst="rect">
-            <a:avLst/>
-          </a:prstGeom>
-          <a:noFill/>
-          <a:ln>
-            <a:noFill/>
-          </a:ln>
-        </p:spPr>
-      </p:pic>
-    </p:spTree>
-  </p:cSld>
-  <p:clrMapOvr>
-    <a:masterClrMapping/>
-  </p:clrMapOvr>
-</p:sld>
-</file>
-
-<file path=ppt/slides/slide14.xml><?xml version="1.0" encoding="utf-8"?>
-<p:sld xmlns:a="http://schemas.openxmlformats.org/drawingml/2006/main" xmlns:r="http://schemas.openxmlformats.org/officeDocument/2006/relationships" xmlns:mc="http://schemas.openxmlformats.org/markup-compatibility/2006" xmlns:mv="urn:schemas-microsoft-com:mac:vml" xmlns:p="http://schemas.openxmlformats.org/presentationml/2006/main" xmlns:c="http://schemas.openxmlformats.org/drawingml/2006/chart" xmlns:dgm="http://schemas.openxmlformats.org/drawingml/2006/diagram" xmlns:o="urn:schemas-microsoft-com:office:office" xmlns:v="urn:schemas-microsoft-com:vml" xmlns:pvml="urn:schemas-microsoft-com:office:powerpoint" xmlns:com="http://schemas.openxmlformats.org/drawingml/2006/compatibility" xmlns:p14="http://schemas.microsoft.com/office/powerpoint/2010/main" xmlns:p15="http://schemas.microsoft.com/office/powerpoint/2012/main" xmlns:ahyp="http://schemas.microsoft.com/office/drawing/2018/hyperlinkcolor">
-  <p:cSld>
-    <p:spTree>
-      <p:nvGrpSpPr>
-        <p:cNvPr id="226" name="Shape 226"/>
-        <p:cNvGrpSpPr/>
-        <p:nvPr/>
-      </p:nvGrpSpPr>
-      <p:grpSpPr>
-        <a:xfrm>
-          <a:off x="0" y="0"/>
-          <a:ext cx="0" cy="0"/>
-          <a:chOff x="0" y="0"/>
-          <a:chExt cx="0" cy="0"/>
-        </a:xfrm>
-      </p:grpSpPr>
-      <p:sp>
-        <p:nvSpPr>
-          <p:cNvPr id="227" name="Google Shape;227;p26"/>
-          <p:cNvSpPr txBox="1"/>
-          <p:nvPr>
-            <p:ph type="title"/>
-          </p:nvPr>
-        </p:nvSpPr>
-        <p:spPr>
-          <a:xfrm>
-            <a:off x="819150" y="845600"/>
-            <a:ext cx="7505700" cy="954600"/>
-          </a:xfrm>
-          <a:prstGeom prst="rect">
-            <a:avLst/>
-          </a:prstGeom>
-        </p:spPr>
-        <p:txBody>
-          <a:bodyPr anchorCtr="0" anchor="t" bIns="91425" lIns="91425" spcFirstLastPara="1" rIns="91425" wrap="square" tIns="91425">
-            <a:normAutofit/>
-          </a:bodyPr>
-          <a:lstStyle/>
-          <a:p>
-            <a:pPr indent="0" lvl="0" marL="0" rtl="0" algn="l">
-              <a:spcBef>
-                <a:spcPts val="0"/>
-              </a:spcBef>
-              <a:spcAft>
-                <a:spcPts val="0"/>
-              </a:spcAft>
-              <a:buNone/>
-            </a:pPr>
-            <a:r>
-              <a:rPr lang="nl"/>
-              <a:t>Camera staander</a:t>
-            </a:r>
-            <a:endParaRPr/>
-          </a:p>
-        </p:txBody>
-      </p:sp>
-      <p:sp>
-        <p:nvSpPr>
-          <p:cNvPr id="228" name="Google Shape;228;p26"/>
-          <p:cNvSpPr txBox="1"/>
-          <p:nvPr>
-            <p:ph idx="1" type="body"/>
-          </p:nvPr>
-        </p:nvSpPr>
-        <p:spPr>
-          <a:xfrm>
-            <a:off x="819150" y="1990725"/>
-            <a:ext cx="7505700" cy="2448000"/>
-          </a:xfrm>
-          <a:prstGeom prst="rect">
-            <a:avLst/>
-          </a:prstGeom>
-        </p:spPr>
-        <p:txBody>
-          <a:bodyPr anchorCtr="0" anchor="t" bIns="91425" lIns="91425" spcFirstLastPara="1" rIns="91425" wrap="square" tIns="91425">
-            <a:normAutofit/>
-          </a:bodyPr>
-          <a:lstStyle/>
-          <a:p>
-            <a:pPr indent="0" lvl="0" marL="0" rtl="0" algn="l">
-              <a:spcBef>
-                <a:spcPts val="0"/>
-              </a:spcBef>
-              <a:spcAft>
-                <a:spcPts val="0"/>
-              </a:spcAft>
-              <a:buNone/>
-            </a:pPr>
-            <a:r>
-              <a:rPr lang="nl"/>
               <a:t>Staander bestaat uit </a:t>
             </a:r>
             <a:endParaRPr/>
@@ -12093,7 +11847,7 @@
       </p:sp>
       <p:pic>
         <p:nvPicPr>
-          <p:cNvPr id="229" name="Google Shape;229;p26"/>
+          <p:cNvPr id="227" name="Google Shape;227;p25"/>
           <p:cNvPicPr preferRelativeResize="0"/>
           <p:nvPr/>
         </p:nvPicPr>
@@ -12121,7 +11875,7 @@
       </p:pic>
       <p:sp>
         <p:nvSpPr>
-          <p:cNvPr id="230" name="Google Shape;230;p26"/>
+          <p:cNvPr id="228" name="Google Shape;228;p25"/>
           <p:cNvSpPr txBox="1"/>
           <p:nvPr/>
         </p:nvSpPr>
@@ -12179,7 +11933,7 @@
       </p:sp>
       <p:sp>
         <p:nvSpPr>
-          <p:cNvPr id="231" name="Google Shape;231;p26"/>
+          <p:cNvPr id="229" name="Google Shape;229;p25"/>
           <p:cNvSpPr txBox="1"/>
           <p:nvPr/>
         </p:nvSpPr>
@@ -12237,7 +11991,7 @@
       </p:sp>
       <p:sp>
         <p:nvSpPr>
-          <p:cNvPr id="232" name="Google Shape;232;p26"/>
+          <p:cNvPr id="230" name="Google Shape;230;p25"/>
           <p:cNvSpPr txBox="1"/>
           <p:nvPr/>
         </p:nvSpPr>
@@ -12295,7 +12049,7 @@
       </p:sp>
       <p:sp>
         <p:nvSpPr>
-          <p:cNvPr id="233" name="Google Shape;233;p26"/>
+          <p:cNvPr id="231" name="Google Shape;231;p25"/>
           <p:cNvSpPr txBox="1"/>
           <p:nvPr/>
         </p:nvSpPr>
@@ -12351,6 +12105,46 @@
           </a:p>
         </p:txBody>
       </p:sp>
+      <p:sp>
+        <p:nvSpPr>
+          <p:cNvPr id="232" name="Google Shape;232;p25"/>
+          <p:cNvSpPr txBox="1"/>
+          <p:nvPr>
+            <p:ph idx="12" type="sldNum"/>
+          </p:nvPr>
+        </p:nvSpPr>
+        <p:spPr>
+          <a:xfrm>
+            <a:off x="8390734" y="4543668"/>
+            <a:ext cx="548700" cy="393600"/>
+          </a:xfrm>
+          <a:prstGeom prst="rect">
+            <a:avLst/>
+          </a:prstGeom>
+        </p:spPr>
+        <p:txBody>
+          <a:bodyPr anchorCtr="0" anchor="ctr" bIns="91425" lIns="91425" spcFirstLastPara="1" rIns="91425" wrap="square" tIns="91425">
+            <a:normAutofit/>
+          </a:bodyPr>
+          <a:lstStyle/>
+          <a:p>
+            <a:pPr indent="0" lvl="0" marL="0" rtl="0" algn="r">
+              <a:spcBef>
+                <a:spcPts val="0"/>
+              </a:spcBef>
+              <a:spcAft>
+                <a:spcPts val="0"/>
+              </a:spcAft>
+              <a:buNone/>
+            </a:pPr>
+            <a:fld id="{00000000-1234-1234-1234-123412341234}" type="slidenum">
+              <a:rPr lang="nl"/>
+              <a:t>‹#›</a:t>
+            </a:fld>
+            <a:endParaRPr/>
+          </a:p>
+        </p:txBody>
+      </p:sp>
     </p:spTree>
   </p:cSld>
   <p:clrMapOvr>
@@ -12359,12 +12153,12 @@
 </p:sld>
 </file>
 
-<file path=ppt/slides/slide15.xml><?xml version="1.0" encoding="utf-8"?>
+<file path=ppt/slides/slide14.xml><?xml version="1.0" encoding="utf-8"?>
 <p:sld xmlns:a="http://schemas.openxmlformats.org/drawingml/2006/main" xmlns:r="http://schemas.openxmlformats.org/officeDocument/2006/relationships" xmlns:mc="http://schemas.openxmlformats.org/markup-compatibility/2006" xmlns:mv="urn:schemas-microsoft-com:mac:vml" xmlns:p="http://schemas.openxmlformats.org/presentationml/2006/main" xmlns:c="http://schemas.openxmlformats.org/drawingml/2006/chart" xmlns:dgm="http://schemas.openxmlformats.org/drawingml/2006/diagram" xmlns:o="urn:schemas-microsoft-com:office:office" xmlns:v="urn:schemas-microsoft-com:vml" xmlns:pvml="urn:schemas-microsoft-com:office:powerpoint" xmlns:com="http://schemas.openxmlformats.org/drawingml/2006/compatibility" xmlns:p14="http://schemas.microsoft.com/office/powerpoint/2010/main" xmlns:p15="http://schemas.microsoft.com/office/powerpoint/2012/main" xmlns:ahyp="http://schemas.microsoft.com/office/drawing/2018/hyperlinkcolor">
   <p:cSld>
     <p:spTree>
       <p:nvGrpSpPr>
-        <p:cNvPr id="237" name="Shape 237"/>
+        <p:cNvPr id="236" name="Shape 236"/>
         <p:cNvGrpSpPr/>
         <p:nvPr/>
       </p:nvGrpSpPr>
@@ -12378,7 +12172,7 @@
       </p:grpSpPr>
       <p:sp>
         <p:nvSpPr>
-          <p:cNvPr id="238" name="Google Shape;238;p27"/>
+          <p:cNvPr id="237" name="Google Shape;237;p26"/>
           <p:cNvSpPr txBox="1"/>
           <p:nvPr>
             <p:ph type="title"/>
@@ -12418,7 +12212,7 @@
       </p:sp>
       <p:sp>
         <p:nvSpPr>
-          <p:cNvPr id="239" name="Google Shape;239;p27"/>
+          <p:cNvPr id="238" name="Google Shape;238;p26"/>
           <p:cNvSpPr txBox="1"/>
           <p:nvPr>
             <p:ph idx="1" type="body"/>
@@ -12468,7 +12262,7 @@
             </a:pPr>
             <a:r>
               <a:rPr lang="nl"/>
-              <a:t>Info / vooruitgang print naar server sturen</a:t>
+              <a:t>Info / vooruitgang van print naar server sturen</a:t>
             </a:r>
             <a:endParaRPr/>
           </a:p>
@@ -12576,7 +12370,7 @@
             </a:pPr>
             <a:r>
               <a:rPr lang="nl"/>
-              <a:t>Melding geven bij: Start/stop/pauze/einde print</a:t>
+              <a:t>Melding geven bij: start/stop/pauze/einde print</a:t>
             </a:r>
             <a:endParaRPr/>
           </a:p>
@@ -12612,6 +12406,46 @@
               <a:rPr lang="nl"/>
               <a:t>Benodigdheden: mailadres + ww</a:t>
             </a:r>
+            <a:endParaRPr/>
+          </a:p>
+        </p:txBody>
+      </p:sp>
+      <p:sp>
+        <p:nvSpPr>
+          <p:cNvPr id="239" name="Google Shape;239;p26"/>
+          <p:cNvSpPr txBox="1"/>
+          <p:nvPr>
+            <p:ph idx="12" type="sldNum"/>
+          </p:nvPr>
+        </p:nvSpPr>
+        <p:spPr>
+          <a:xfrm>
+            <a:off x="8390734" y="4543668"/>
+            <a:ext cx="548700" cy="393600"/>
+          </a:xfrm>
+          <a:prstGeom prst="rect">
+            <a:avLst/>
+          </a:prstGeom>
+        </p:spPr>
+        <p:txBody>
+          <a:bodyPr anchorCtr="0" anchor="ctr" bIns="91425" lIns="91425" spcFirstLastPara="1" rIns="91425" wrap="square" tIns="91425">
+            <a:normAutofit/>
+          </a:bodyPr>
+          <a:lstStyle/>
+          <a:p>
+            <a:pPr indent="0" lvl="0" marL="0" rtl="0" algn="r">
+              <a:spcBef>
+                <a:spcPts val="0"/>
+              </a:spcBef>
+              <a:spcAft>
+                <a:spcPts val="0"/>
+              </a:spcAft>
+              <a:buNone/>
+            </a:pPr>
+            <a:fld id="{00000000-1234-1234-1234-123412341234}" type="slidenum">
+              <a:rPr lang="nl"/>
+              <a:t>‹#›</a:t>
+            </a:fld>
             <a:endParaRPr/>
           </a:p>
         </p:txBody>
@@ -12624,7 +12458,7 @@
 </p:sld>
 </file>
 
-<file path=ppt/slides/slide16.xml><?xml version="1.0" encoding="utf-8"?>
+<file path=ppt/slides/slide15.xml><?xml version="1.0" encoding="utf-8"?>
 <p:sld xmlns:a="http://schemas.openxmlformats.org/drawingml/2006/main" xmlns:r="http://schemas.openxmlformats.org/officeDocument/2006/relationships" xmlns:mc="http://schemas.openxmlformats.org/markup-compatibility/2006" xmlns:mv="urn:schemas-microsoft-com:mac:vml" xmlns:p="http://schemas.openxmlformats.org/presentationml/2006/main" xmlns:c="http://schemas.openxmlformats.org/drawingml/2006/chart" xmlns:dgm="http://schemas.openxmlformats.org/drawingml/2006/diagram" xmlns:o="urn:schemas-microsoft-com:office:office" xmlns:v="urn:schemas-microsoft-com:vml" xmlns:pvml="urn:schemas-microsoft-com:office:powerpoint" xmlns:com="http://schemas.openxmlformats.org/drawingml/2006/compatibility" xmlns:p14="http://schemas.microsoft.com/office/powerpoint/2010/main" xmlns:p15="http://schemas.microsoft.com/office/powerpoint/2012/main" xmlns:ahyp="http://schemas.microsoft.com/office/drawing/2018/hyperlinkcolor">
   <p:cSld>
     <p:spTree>
@@ -12643,7 +12477,7 @@
       </p:grpSpPr>
       <p:sp>
         <p:nvSpPr>
-          <p:cNvPr id="244" name="Google Shape;244;p28"/>
+          <p:cNvPr id="244" name="Google Shape;244;p27"/>
           <p:cNvSpPr txBox="1"/>
           <p:nvPr>
             <p:ph type="title"/>
@@ -12683,7 +12517,7 @@
       </p:sp>
       <p:sp>
         <p:nvSpPr>
-          <p:cNvPr id="245" name="Google Shape;245;p28"/>
+          <p:cNvPr id="245" name="Google Shape;245;p27"/>
           <p:cNvSpPr txBox="1"/>
           <p:nvPr>
             <p:ph idx="1" type="body"/>
@@ -12770,7 +12604,7 @@
             </a:pPr>
             <a:r>
               <a:rPr lang="nl"/>
-              <a:t>eindtijd</a:t>
+              <a:t>Eindtijd</a:t>
             </a:r>
             <a:endParaRPr/>
           </a:p>
@@ -12787,7 +12621,7 @@
             </a:pPr>
             <a:r>
               <a:rPr lang="nl"/>
-              <a:t>duratie</a:t>
+              <a:t>Duratie</a:t>
             </a:r>
             <a:endParaRPr/>
           </a:p>
@@ -12804,15 +12638,55 @@
             </a:pPr>
             <a:r>
               <a:rPr lang="nl"/>
-              <a:t>succesvol of niet</a:t>
+              <a:t>Succesvol of niet</a:t>
             </a:r>
+            <a:endParaRPr/>
+          </a:p>
+        </p:txBody>
+      </p:sp>
+      <p:sp>
+        <p:nvSpPr>
+          <p:cNvPr id="246" name="Google Shape;246;p27"/>
+          <p:cNvSpPr txBox="1"/>
+          <p:nvPr>
+            <p:ph idx="12" type="sldNum"/>
+          </p:nvPr>
+        </p:nvSpPr>
+        <p:spPr>
+          <a:xfrm>
+            <a:off x="8390734" y="4543668"/>
+            <a:ext cx="548700" cy="393600"/>
+          </a:xfrm>
+          <a:prstGeom prst="rect">
+            <a:avLst/>
+          </a:prstGeom>
+        </p:spPr>
+        <p:txBody>
+          <a:bodyPr anchorCtr="0" anchor="ctr" bIns="91425" lIns="91425" spcFirstLastPara="1" rIns="91425" wrap="square" tIns="91425">
+            <a:normAutofit/>
+          </a:bodyPr>
+          <a:lstStyle/>
+          <a:p>
+            <a:pPr indent="0" lvl="0" marL="0" rtl="0" algn="r">
+              <a:spcBef>
+                <a:spcPts val="0"/>
+              </a:spcBef>
+              <a:spcAft>
+                <a:spcPts val="0"/>
+              </a:spcAft>
+              <a:buNone/>
+            </a:pPr>
+            <a:fld id="{00000000-1234-1234-1234-123412341234}" type="slidenum">
+              <a:rPr lang="nl"/>
+              <a:t>‹#›</a:t>
+            </a:fld>
             <a:endParaRPr/>
           </a:p>
         </p:txBody>
       </p:sp>
       <p:pic>
         <p:nvPicPr>
-          <p:cNvPr id="246" name="Google Shape;246;p28"/>
+          <p:cNvPr id="247" name="Google Shape;247;p27"/>
           <p:cNvPicPr preferRelativeResize="0"/>
           <p:nvPr/>
         </p:nvPicPr>
@@ -12826,8 +12700,8 @@
         </p:blipFill>
         <p:spPr>
           <a:xfrm>
-            <a:off x="3481400" y="1085600"/>
-            <a:ext cx="4477600" cy="2949250"/>
+            <a:off x="2855000" y="1192700"/>
+            <a:ext cx="6026274" cy="3005076"/>
           </a:xfrm>
           <a:prstGeom prst="rect">
             <a:avLst/>
@@ -12838,6 +12712,280 @@
           </a:ln>
         </p:spPr>
       </p:pic>
+    </p:spTree>
+  </p:cSld>
+  <p:clrMapOvr>
+    <a:masterClrMapping/>
+  </p:clrMapOvr>
+</p:sld>
+</file>
+
+<file path=ppt/slides/slide16.xml><?xml version="1.0" encoding="utf-8"?>
+<p:sld xmlns:a="http://schemas.openxmlformats.org/drawingml/2006/main" xmlns:r="http://schemas.openxmlformats.org/officeDocument/2006/relationships" xmlns:mc="http://schemas.openxmlformats.org/markup-compatibility/2006" xmlns:mv="urn:schemas-microsoft-com:mac:vml" xmlns:p="http://schemas.openxmlformats.org/presentationml/2006/main" xmlns:c="http://schemas.openxmlformats.org/drawingml/2006/chart" xmlns:dgm="http://schemas.openxmlformats.org/drawingml/2006/diagram" xmlns:o="urn:schemas-microsoft-com:office:office" xmlns:v="urn:schemas-microsoft-com:vml" xmlns:pvml="urn:schemas-microsoft-com:office:powerpoint" xmlns:com="http://schemas.openxmlformats.org/drawingml/2006/compatibility" xmlns:p14="http://schemas.microsoft.com/office/powerpoint/2010/main" xmlns:p15="http://schemas.microsoft.com/office/powerpoint/2012/main" xmlns:ahyp="http://schemas.microsoft.com/office/drawing/2018/hyperlinkcolor">
+  <p:cSld>
+    <p:spTree>
+      <p:nvGrpSpPr>
+        <p:cNvPr id="251" name="Shape 251"/>
+        <p:cNvGrpSpPr/>
+        <p:nvPr/>
+      </p:nvGrpSpPr>
+      <p:grpSpPr>
+        <a:xfrm>
+          <a:off x="0" y="0"/>
+          <a:ext cx="0" cy="0"/>
+          <a:chOff x="0" y="0"/>
+          <a:chExt cx="0" cy="0"/>
+        </a:xfrm>
+      </p:grpSpPr>
+      <p:sp>
+        <p:nvSpPr>
+          <p:cNvPr id="252" name="Google Shape;252;p28"/>
+          <p:cNvSpPr txBox="1"/>
+          <p:nvPr>
+            <p:ph type="title"/>
+          </p:nvPr>
+        </p:nvSpPr>
+        <p:spPr>
+          <a:xfrm>
+            <a:off x="819150" y="845600"/>
+            <a:ext cx="7505700" cy="954600"/>
+          </a:xfrm>
+          <a:prstGeom prst="rect">
+            <a:avLst/>
+          </a:prstGeom>
+        </p:spPr>
+        <p:txBody>
+          <a:bodyPr anchorCtr="0" anchor="t" bIns="91425" lIns="91425" spcFirstLastPara="1" rIns="91425" wrap="square" tIns="91425">
+            <a:normAutofit/>
+          </a:bodyPr>
+          <a:lstStyle/>
+          <a:p>
+            <a:pPr indent="0" lvl="0" marL="0" rtl="0" algn="l">
+              <a:spcBef>
+                <a:spcPts val="0"/>
+              </a:spcBef>
+              <a:spcAft>
+                <a:spcPts val="0"/>
+              </a:spcAft>
+              <a:buNone/>
+            </a:pPr>
+            <a:r>
+              <a:rPr lang="nl"/>
+              <a:t>Script gebruikers</a:t>
+            </a:r>
+            <a:endParaRPr/>
+          </a:p>
+        </p:txBody>
+      </p:sp>
+      <p:sp>
+        <p:nvSpPr>
+          <p:cNvPr id="253" name="Google Shape;253;p28"/>
+          <p:cNvSpPr txBox="1"/>
+          <p:nvPr>
+            <p:ph idx="1" type="body"/>
+          </p:nvPr>
+        </p:nvSpPr>
+        <p:spPr>
+          <a:xfrm>
+            <a:off x="819150" y="1990725"/>
+            <a:ext cx="7505700" cy="2815800"/>
+          </a:xfrm>
+          <a:prstGeom prst="rect">
+            <a:avLst/>
+          </a:prstGeom>
+        </p:spPr>
+        <p:txBody>
+          <a:bodyPr anchorCtr="0" anchor="t" bIns="91425" lIns="91425" spcFirstLastPara="1" rIns="91425" wrap="square" tIns="91425">
+            <a:normAutofit/>
+          </a:bodyPr>
+          <a:lstStyle/>
+          <a:p>
+            <a:pPr indent="-311150" lvl="0" marL="457200" rtl="0" algn="l">
+              <a:spcBef>
+                <a:spcPts val="0"/>
+              </a:spcBef>
+              <a:spcAft>
+                <a:spcPts val="0"/>
+              </a:spcAft>
+              <a:buSzPts val="1300"/>
+              <a:buChar char="●"/>
+            </a:pPr>
+            <a:r>
+              <a:rPr lang="nl"/>
+              <a:t>API Key</a:t>
+            </a:r>
+            <a:br>
+              <a:rPr lang="nl"/>
+            </a:br>
+            <a:endParaRPr/>
+          </a:p>
+          <a:p>
+            <a:pPr indent="-311150" lvl="0" marL="457200" rtl="0" algn="l">
+              <a:spcBef>
+                <a:spcPts val="0"/>
+              </a:spcBef>
+              <a:spcAft>
+                <a:spcPts val="0"/>
+              </a:spcAft>
+              <a:buSzPts val="1300"/>
+              <a:buChar char="●"/>
+            </a:pPr>
+            <a:r>
+              <a:rPr lang="nl"/>
+              <a:t>CSV uitlezen</a:t>
+            </a:r>
+            <a:br>
+              <a:rPr lang="nl"/>
+            </a:br>
+            <a:endParaRPr/>
+          </a:p>
+          <a:p>
+            <a:pPr indent="-311150" lvl="0" marL="457200" rtl="0" algn="l">
+              <a:spcBef>
+                <a:spcPts val="0"/>
+              </a:spcBef>
+              <a:spcAft>
+                <a:spcPts val="0"/>
+              </a:spcAft>
+              <a:buSzPts val="1300"/>
+              <a:buChar char="●"/>
+            </a:pPr>
+            <a:r>
+              <a:rPr lang="nl"/>
+              <a:t>Wachtwoord genereren</a:t>
+            </a:r>
+            <a:br>
+              <a:rPr lang="nl"/>
+            </a:br>
+            <a:endParaRPr/>
+          </a:p>
+          <a:p>
+            <a:pPr indent="-311150" lvl="0" marL="457200" rtl="0" algn="l">
+              <a:spcBef>
+                <a:spcPts val="0"/>
+              </a:spcBef>
+              <a:spcAft>
+                <a:spcPts val="0"/>
+              </a:spcAft>
+              <a:buSzPts val="1300"/>
+              <a:buChar char="●"/>
+            </a:pPr>
+            <a:r>
+              <a:rPr lang="nl"/>
+              <a:t>Gebruikers aanmaken</a:t>
+            </a:r>
+            <a:br>
+              <a:rPr lang="nl"/>
+            </a:br>
+            <a:endParaRPr/>
+          </a:p>
+          <a:p>
+            <a:pPr indent="-311150" lvl="0" marL="457200" rtl="0" algn="l">
+              <a:spcBef>
+                <a:spcPts val="0"/>
+              </a:spcBef>
+              <a:spcAft>
+                <a:spcPts val="0"/>
+              </a:spcAft>
+              <a:buSzPts val="1300"/>
+              <a:buChar char="●"/>
+            </a:pPr>
+            <a:r>
+              <a:rPr lang="nl"/>
+              <a:t>Mail sturen</a:t>
+            </a:r>
+            <a:br>
+              <a:rPr lang="nl"/>
+            </a:br>
+            <a:endParaRPr/>
+          </a:p>
+          <a:p>
+            <a:pPr indent="-311150" lvl="0" marL="457200" rtl="0" algn="l">
+              <a:spcBef>
+                <a:spcPts val="0"/>
+              </a:spcBef>
+              <a:spcAft>
+                <a:spcPts val="0"/>
+              </a:spcAft>
+              <a:buSzPts val="1300"/>
+              <a:buChar char="●"/>
+            </a:pPr>
+            <a:r>
+              <a:rPr lang="nl"/>
+              <a:t>Gebruikers verwijderen</a:t>
+            </a:r>
+            <a:endParaRPr/>
+          </a:p>
+        </p:txBody>
+      </p:sp>
+      <p:pic>
+        <p:nvPicPr>
+          <p:cNvPr id="254" name="Google Shape;254;p28"/>
+          <p:cNvPicPr preferRelativeResize="0"/>
+          <p:nvPr/>
+        </p:nvPicPr>
+        <p:blipFill>
+          <a:blip r:embed="rId3">
+            <a:alphaModFix/>
+          </a:blip>
+          <a:stretch>
+            <a:fillRect/>
+          </a:stretch>
+        </p:blipFill>
+        <p:spPr>
+          <a:xfrm>
+            <a:off x="3635583" y="1990722"/>
+            <a:ext cx="5039217" cy="2414625"/>
+          </a:xfrm>
+          <a:prstGeom prst="rect">
+            <a:avLst/>
+          </a:prstGeom>
+          <a:noFill/>
+          <a:ln>
+            <a:noFill/>
+          </a:ln>
+        </p:spPr>
+      </p:pic>
+      <p:sp>
+        <p:nvSpPr>
+          <p:cNvPr id="255" name="Google Shape;255;p28"/>
+          <p:cNvSpPr txBox="1"/>
+          <p:nvPr>
+            <p:ph idx="12" type="sldNum"/>
+          </p:nvPr>
+        </p:nvSpPr>
+        <p:spPr>
+          <a:xfrm>
+            <a:off x="8390734" y="4543668"/>
+            <a:ext cx="548700" cy="393600"/>
+          </a:xfrm>
+          <a:prstGeom prst="rect">
+            <a:avLst/>
+          </a:prstGeom>
+        </p:spPr>
+        <p:txBody>
+          <a:bodyPr anchorCtr="0" anchor="ctr" bIns="91425" lIns="91425" spcFirstLastPara="1" rIns="91425" wrap="square" tIns="91425">
+            <a:normAutofit/>
+          </a:bodyPr>
+          <a:lstStyle/>
+          <a:p>
+            <a:pPr indent="0" lvl="0" marL="0" rtl="0" algn="r">
+              <a:spcBef>
+                <a:spcPts val="0"/>
+              </a:spcBef>
+              <a:spcAft>
+                <a:spcPts val="0"/>
+              </a:spcAft>
+              <a:buNone/>
+            </a:pPr>
+            <a:fld id="{00000000-1234-1234-1234-123412341234}" type="slidenum">
+              <a:rPr lang="nl"/>
+              <a:t>‹#›</a:t>
+            </a:fld>
+            <a:endParaRPr/>
+          </a:p>
+        </p:txBody>
+      </p:sp>
     </p:spTree>
   </p:cSld>
   <p:clrMapOvr>
@@ -12851,7 +12999,7 @@
   <p:cSld>
     <p:spTree>
       <p:nvGrpSpPr>
-        <p:cNvPr id="250" name="Shape 250"/>
+        <p:cNvPr id="259" name="Shape 259"/>
         <p:cNvGrpSpPr/>
         <p:nvPr/>
       </p:nvGrpSpPr>
@@ -12865,7 +13013,7 @@
       </p:grpSpPr>
       <p:sp>
         <p:nvSpPr>
-          <p:cNvPr id="251" name="Google Shape;251;p29"/>
+          <p:cNvPr id="260" name="Google Shape;260;p29"/>
           <p:cNvSpPr txBox="1"/>
           <p:nvPr>
             <p:ph type="title"/>
@@ -12897,7 +13045,7 @@
             </a:pPr>
             <a:r>
               <a:rPr lang="nl"/>
-              <a:t>Script gebruikers</a:t>
+              <a:t>Tutorial voor studenten</a:t>
             </a:r>
             <a:endParaRPr/>
           </a:p>
@@ -12905,7 +13053,7 @@
       </p:sp>
       <p:sp>
         <p:nvSpPr>
-          <p:cNvPr id="252" name="Google Shape;252;p29"/>
+          <p:cNvPr id="261" name="Google Shape;261;p29"/>
           <p:cNvSpPr txBox="1"/>
           <p:nvPr>
             <p:ph idx="1" type="body"/>
@@ -12914,7 +13062,7 @@
         <p:spPr>
           <a:xfrm>
             <a:off x="819150" y="1990725"/>
-            <a:ext cx="7505700" cy="2815800"/>
+            <a:ext cx="7505700" cy="2448000"/>
           </a:xfrm>
           <a:prstGeom prst="rect">
             <a:avLst/>
@@ -12938,7 +13086,7 @@
             </a:pPr>
             <a:r>
               <a:rPr lang="nl"/>
-              <a:t>API Key</a:t>
+              <a:t>PrusaSlicer</a:t>
             </a:r>
             <a:br>
               <a:rPr lang="nl"/>
@@ -12958,7 +13106,7 @@
             </a:pPr>
             <a:r>
               <a:rPr lang="nl"/>
-              <a:t>CSV uitlezen</a:t>
+              <a:t>Instelling voor 3d-printer</a:t>
             </a:r>
             <a:br>
               <a:rPr lang="nl"/>
@@ -12978,67 +13126,7 @@
             </a:pPr>
             <a:r>
               <a:rPr lang="nl"/>
-              <a:t>Wachtwoord genereren</a:t>
-            </a:r>
-            <a:br>
-              <a:rPr lang="nl"/>
-            </a:br>
-            <a:endParaRPr/>
-          </a:p>
-          <a:p>
-            <a:pPr indent="-311150" lvl="0" marL="457200" rtl="0" algn="l">
-              <a:spcBef>
-                <a:spcPts val="0"/>
-              </a:spcBef>
-              <a:spcAft>
-                <a:spcPts val="0"/>
-              </a:spcAft>
-              <a:buSzPts val="1300"/>
-              <a:buChar char="●"/>
-            </a:pPr>
-            <a:r>
-              <a:rPr lang="nl"/>
-              <a:t>Gebruikers aanmaken</a:t>
-            </a:r>
-            <a:br>
-              <a:rPr lang="nl"/>
-            </a:br>
-            <a:endParaRPr/>
-          </a:p>
-          <a:p>
-            <a:pPr indent="-311150" lvl="0" marL="457200" rtl="0" algn="l">
-              <a:spcBef>
-                <a:spcPts val="0"/>
-              </a:spcBef>
-              <a:spcAft>
-                <a:spcPts val="0"/>
-              </a:spcAft>
-              <a:buSzPts val="1300"/>
-              <a:buChar char="●"/>
-            </a:pPr>
-            <a:r>
-              <a:rPr lang="nl"/>
-              <a:t>Mail sturen</a:t>
-            </a:r>
-            <a:br>
-              <a:rPr lang="nl"/>
-            </a:br>
-            <a:endParaRPr/>
-          </a:p>
-          <a:p>
-            <a:pPr indent="-311150" lvl="0" marL="457200" rtl="0" algn="l">
-              <a:spcBef>
-                <a:spcPts val="0"/>
-              </a:spcBef>
-              <a:spcAft>
-                <a:spcPts val="0"/>
-              </a:spcAft>
-              <a:buSzPts val="1300"/>
-              <a:buChar char="●"/>
-            </a:pPr>
-            <a:r>
-              <a:rPr lang="nl"/>
-              <a:t>Gebruikers verwijderen</a:t>
+              <a:t>Eigen account</a:t>
             </a:r>
             <a:endParaRPr/>
           </a:p>
@@ -13046,22 +13134,21 @@
       </p:sp>
       <p:pic>
         <p:nvPicPr>
-          <p:cNvPr id="253" name="Google Shape;253;p29"/>
+          <p:cNvPr id="262" name="Google Shape;262;p29"/>
           <p:cNvPicPr preferRelativeResize="0"/>
           <p:nvPr/>
         </p:nvPicPr>
-        <p:blipFill>
+        <p:blipFill rotWithShape="1">
           <a:blip r:embed="rId3">
             <a:alphaModFix/>
           </a:blip>
-          <a:stretch>
-            <a:fillRect/>
-          </a:stretch>
+          <a:srcRect b="9779" l="4688" r="4633" t="7691"/>
+          <a:stretch/>
         </p:blipFill>
         <p:spPr>
           <a:xfrm>
-            <a:off x="3635583" y="1990722"/>
-            <a:ext cx="5039217" cy="2414625"/>
+            <a:off x="3533825" y="1543675"/>
+            <a:ext cx="4791026" cy="2895050"/>
           </a:xfrm>
           <a:prstGeom prst="rect">
             <a:avLst/>
@@ -13072,6 +13159,46 @@
           </a:ln>
         </p:spPr>
       </p:pic>
+      <p:sp>
+        <p:nvSpPr>
+          <p:cNvPr id="263" name="Google Shape;263;p29"/>
+          <p:cNvSpPr txBox="1"/>
+          <p:nvPr>
+            <p:ph idx="12" type="sldNum"/>
+          </p:nvPr>
+        </p:nvSpPr>
+        <p:spPr>
+          <a:xfrm>
+            <a:off x="8390734" y="4543668"/>
+            <a:ext cx="548700" cy="393600"/>
+          </a:xfrm>
+          <a:prstGeom prst="rect">
+            <a:avLst/>
+          </a:prstGeom>
+        </p:spPr>
+        <p:txBody>
+          <a:bodyPr anchorCtr="0" anchor="ctr" bIns="91425" lIns="91425" spcFirstLastPara="1" rIns="91425" wrap="square" tIns="91425">
+            <a:normAutofit/>
+          </a:bodyPr>
+          <a:lstStyle/>
+          <a:p>
+            <a:pPr indent="0" lvl="0" marL="0" rtl="0" algn="r">
+              <a:spcBef>
+                <a:spcPts val="0"/>
+              </a:spcBef>
+              <a:spcAft>
+                <a:spcPts val="0"/>
+              </a:spcAft>
+              <a:buNone/>
+            </a:pPr>
+            <a:fld id="{00000000-1234-1234-1234-123412341234}" type="slidenum">
+              <a:rPr lang="nl"/>
+              <a:t>‹#›</a:t>
+            </a:fld>
+            <a:endParaRPr/>
+          </a:p>
+        </p:txBody>
+      </p:sp>
     </p:spTree>
   </p:cSld>
   <p:clrMapOvr>
@@ -13085,7 +13212,7 @@
   <p:cSld>
     <p:spTree>
       <p:nvGrpSpPr>
-        <p:cNvPr id="257" name="Shape 257"/>
+        <p:cNvPr id="267" name="Shape 267"/>
         <p:cNvGrpSpPr/>
         <p:nvPr/>
       </p:nvGrpSpPr>
@@ -13099,7 +13226,7 @@
       </p:grpSpPr>
       <p:sp>
         <p:nvSpPr>
-          <p:cNvPr id="258" name="Google Shape;258;p30"/>
+          <p:cNvPr id="268" name="Google Shape;268;p30"/>
           <p:cNvSpPr txBox="1"/>
           <p:nvPr>
             <p:ph type="title"/>
@@ -13131,7 +13258,7 @@
             </a:pPr>
             <a:r>
               <a:rPr lang="nl"/>
-              <a:t>Tutorial voor studenten</a:t>
+              <a:t>Wan verbinding</a:t>
             </a:r>
             <a:endParaRPr/>
           </a:p>
@@ -13139,7 +13266,7 @@
       </p:sp>
       <p:sp>
         <p:nvSpPr>
-          <p:cNvPr id="259" name="Google Shape;259;p30"/>
+          <p:cNvPr id="269" name="Google Shape;269;p30"/>
           <p:cNvSpPr txBox="1"/>
           <p:nvPr>
             <p:ph idx="1" type="body"/>
@@ -13147,7 +13274,7 @@
         </p:nvSpPr>
         <p:spPr>
           <a:xfrm>
-            <a:off x="819150" y="1990725"/>
+            <a:off x="789200" y="2005700"/>
             <a:ext cx="7505700" cy="2448000"/>
           </a:xfrm>
           <a:prstGeom prst="rect">
@@ -13172,7 +13299,7 @@
             </a:pPr>
             <a:r>
               <a:rPr lang="nl"/>
-              <a:t>PrusaSlicer</a:t>
+              <a:t>Toegankelijk voor iedereen</a:t>
             </a:r>
             <a:br>
               <a:rPr lang="nl"/>
@@ -13192,7 +13319,7 @@
             </a:pPr>
             <a:r>
               <a:rPr lang="nl"/>
-              <a:t>Instelling voor 3d-printer</a:t>
+              <a:t>Poort 24081</a:t>
             </a:r>
             <a:br>
               <a:rPr lang="nl"/>
@@ -13211,8 +13338,13 @@
               <a:buChar char="●"/>
             </a:pPr>
             <a:r>
-              <a:rPr lang="nl"/>
-              <a:t>Eigen account</a:t>
+              <a:rPr lang="nl" u="sng">
+                <a:solidFill>
+                  <a:schemeClr val="hlink"/>
+                </a:solidFill>
+                <a:hlinkClick r:id="rId3"/>
+              </a:rPr>
+              <a:t>http://octopi.pxl-ea-ict.be:24081/</a:t>
             </a:r>
             <a:endParaRPr/>
           </a:p>
@@ -13220,21 +13352,22 @@
       </p:sp>
       <p:pic>
         <p:nvPicPr>
-          <p:cNvPr id="260" name="Google Shape;260;p30"/>
+          <p:cNvPr id="270" name="Google Shape;270;p30"/>
           <p:cNvPicPr preferRelativeResize="0"/>
           <p:nvPr/>
         </p:nvPicPr>
-        <p:blipFill rotWithShape="1">
-          <a:blip r:embed="rId3">
+        <p:blipFill>
+          <a:blip r:embed="rId4">
             <a:alphaModFix/>
           </a:blip>
-          <a:srcRect b="9779" l="4688" r="4633" t="7691"/>
-          <a:stretch/>
+          <a:stretch>
+            <a:fillRect/>
+          </a:stretch>
         </p:blipFill>
         <p:spPr>
           <a:xfrm>
-            <a:off x="3533825" y="1543675"/>
-            <a:ext cx="4791026" cy="2895050"/>
+            <a:off x="5404300" y="914963"/>
+            <a:ext cx="2857500" cy="2714625"/>
           </a:xfrm>
           <a:prstGeom prst="rect">
             <a:avLst/>
@@ -13245,6 +13378,46 @@
           </a:ln>
         </p:spPr>
       </p:pic>
+      <p:sp>
+        <p:nvSpPr>
+          <p:cNvPr id="271" name="Google Shape;271;p30"/>
+          <p:cNvSpPr txBox="1"/>
+          <p:nvPr>
+            <p:ph idx="12" type="sldNum"/>
+          </p:nvPr>
+        </p:nvSpPr>
+        <p:spPr>
+          <a:xfrm>
+            <a:off x="8390734" y="4543668"/>
+            <a:ext cx="548700" cy="393600"/>
+          </a:xfrm>
+          <a:prstGeom prst="rect">
+            <a:avLst/>
+          </a:prstGeom>
+        </p:spPr>
+        <p:txBody>
+          <a:bodyPr anchorCtr="0" anchor="ctr" bIns="91425" lIns="91425" spcFirstLastPara="1" rIns="91425" wrap="square" tIns="91425">
+            <a:normAutofit/>
+          </a:bodyPr>
+          <a:lstStyle/>
+          <a:p>
+            <a:pPr indent="0" lvl="0" marL="0" rtl="0" algn="r">
+              <a:spcBef>
+                <a:spcPts val="0"/>
+              </a:spcBef>
+              <a:spcAft>
+                <a:spcPts val="0"/>
+              </a:spcAft>
+              <a:buNone/>
+            </a:pPr>
+            <a:fld id="{00000000-1234-1234-1234-123412341234}" type="slidenum">
+              <a:rPr lang="nl"/>
+              <a:t>‹#›</a:t>
+            </a:fld>
+            <a:endParaRPr/>
+          </a:p>
+        </p:txBody>
+      </p:sp>
     </p:spTree>
   </p:cSld>
   <p:clrMapOvr>
@@ -13258,7 +13431,7 @@
   <p:cSld>
     <p:spTree>
       <p:nvGrpSpPr>
-        <p:cNvPr id="264" name="Shape 264"/>
+        <p:cNvPr id="275" name="Shape 275"/>
         <p:cNvGrpSpPr/>
         <p:nvPr/>
       </p:nvGrpSpPr>
@@ -13272,7 +13445,7 @@
       </p:grpSpPr>
       <p:sp>
         <p:nvSpPr>
-          <p:cNvPr id="265" name="Google Shape;265;p31"/>
+          <p:cNvPr id="276" name="Google Shape;276;p31"/>
           <p:cNvSpPr txBox="1"/>
           <p:nvPr>
             <p:ph type="title"/>
@@ -13280,7 +13453,7 @@
         </p:nvSpPr>
         <p:spPr>
           <a:xfrm>
-            <a:off x="819150" y="845600"/>
+            <a:off x="819150" y="411075"/>
             <a:ext cx="7505700" cy="954600"/>
           </a:xfrm>
           <a:prstGeom prst="rect">
@@ -13304,68 +13477,7 @@
             </a:pPr>
             <a:r>
               <a:rPr lang="nl"/>
-              <a:t>Wan verbinding</a:t>
-            </a:r>
-            <a:endParaRPr/>
-          </a:p>
-        </p:txBody>
-      </p:sp>
-      <p:sp>
-        <p:nvSpPr>
-          <p:cNvPr id="266" name="Google Shape;266;p31"/>
-          <p:cNvSpPr txBox="1"/>
-          <p:nvPr>
-            <p:ph idx="1" type="body"/>
-          </p:nvPr>
-        </p:nvSpPr>
-        <p:spPr>
-          <a:xfrm>
-            <a:off x="789200" y="2005700"/>
-            <a:ext cx="7505700" cy="2448000"/>
-          </a:xfrm>
-          <a:prstGeom prst="rect">
-            <a:avLst/>
-          </a:prstGeom>
-        </p:spPr>
-        <p:txBody>
-          <a:bodyPr anchorCtr="0" anchor="t" bIns="91425" lIns="91425" spcFirstLastPara="1" rIns="91425" wrap="square" tIns="91425">
-            <a:normAutofit/>
-          </a:bodyPr>
-          <a:lstStyle/>
-          <a:p>
-            <a:pPr indent="-311150" lvl="0" marL="457200" rtl="0" algn="l">
-              <a:spcBef>
-                <a:spcPts val="0"/>
-              </a:spcBef>
-              <a:spcAft>
-                <a:spcPts val="0"/>
-              </a:spcAft>
-              <a:buSzPts val="1300"/>
-              <a:buChar char="●"/>
-            </a:pPr>
-            <a:r>
-              <a:rPr lang="nl"/>
-              <a:t>Toegankelijk voor iedereen</a:t>
-            </a:r>
-            <a:br>
-              <a:rPr lang="nl"/>
-            </a:br>
-            <a:endParaRPr/>
-          </a:p>
-          <a:p>
-            <a:pPr indent="-311150" lvl="0" marL="457200" rtl="0" algn="l">
-              <a:spcBef>
-                <a:spcPts val="0"/>
-              </a:spcBef>
-              <a:spcAft>
-                <a:spcPts val="0"/>
-              </a:spcAft>
-              <a:buSzPts val="1300"/>
-              <a:buChar char="●"/>
-            </a:pPr>
-            <a:r>
-              <a:rPr lang="nl"/>
-              <a:t>Poort 24081</a:t>
+              <a:t>Video</a:t>
             </a:r>
             <a:endParaRPr/>
           </a:p>
@@ -13373,12 +13485,14 @@
       </p:sp>
       <p:pic>
         <p:nvPicPr>
-          <p:cNvPr id="267" name="Google Shape;267;p31"/>
+          <p:cNvPr id="277" name="Google Shape;277;p31" title="VID20221212115201.mp4">
+            <a:hlinkClick r:id="rId3"/>
+          </p:cNvPr>
           <p:cNvPicPr preferRelativeResize="0"/>
           <p:nvPr/>
         </p:nvPicPr>
         <p:blipFill>
-          <a:blip r:embed="rId3">
+          <a:blip r:embed="rId4">
             <a:alphaModFix/>
           </a:blip>
           <a:stretch>
@@ -13387,8 +13501,8 @@
         </p:blipFill>
         <p:spPr>
           <a:xfrm>
-            <a:off x="5404300" y="914963"/>
-            <a:ext cx="2857500" cy="2714625"/>
+            <a:off x="1511400" y="1133550"/>
+            <a:ext cx="6121200" cy="3443175"/>
           </a:xfrm>
           <a:prstGeom prst="rect">
             <a:avLst/>
@@ -13399,11 +13513,134 @@
           </a:ln>
         </p:spPr>
       </p:pic>
+      <p:sp>
+        <p:nvSpPr>
+          <p:cNvPr id="278" name="Google Shape;278;p31"/>
+          <p:cNvSpPr txBox="1"/>
+          <p:nvPr>
+            <p:ph idx="12" type="sldNum"/>
+          </p:nvPr>
+        </p:nvSpPr>
+        <p:spPr>
+          <a:xfrm>
+            <a:off x="8390734" y="4543668"/>
+            <a:ext cx="548700" cy="393600"/>
+          </a:xfrm>
+          <a:prstGeom prst="rect">
+            <a:avLst/>
+          </a:prstGeom>
+        </p:spPr>
+        <p:txBody>
+          <a:bodyPr anchorCtr="0" anchor="ctr" bIns="91425" lIns="91425" spcFirstLastPara="1" rIns="91425" wrap="square" tIns="91425">
+            <a:normAutofit/>
+          </a:bodyPr>
+          <a:lstStyle/>
+          <a:p>
+            <a:pPr indent="0" lvl="0" marL="0" rtl="0" algn="r">
+              <a:spcBef>
+                <a:spcPts val="0"/>
+              </a:spcBef>
+              <a:spcAft>
+                <a:spcPts val="0"/>
+              </a:spcAft>
+              <a:buNone/>
+            </a:pPr>
+            <a:fld id="{00000000-1234-1234-1234-123412341234}" type="slidenum">
+              <a:rPr lang="nl"/>
+              <a:t>‹#›</a:t>
+            </a:fld>
+            <a:endParaRPr/>
+          </a:p>
+        </p:txBody>
+      </p:sp>
     </p:spTree>
   </p:cSld>
   <p:clrMapOvr>
     <a:masterClrMapping/>
   </p:clrMapOvr>
+  <p:timing>
+    <p:tnLst>
+      <p:par>
+        <p:cTn dur="indefinite" nodeType="tmRoot" restart="never">
+          <p:childTnLst>
+            <p:seq concurrent="1" nextAc="seek">
+              <p:cTn dur="indefinite" id="2" nodeType="mainSeq">
+                <p:childTnLst>
+                  <p:par>
+                    <p:cTn fill="hold">
+                      <p:stCondLst>
+                        <p:cond delay="indefinite"/>
+                      </p:stCondLst>
+                      <p:childTnLst>
+                        <p:par>
+                          <p:cTn fill="hold">
+                            <p:stCondLst>
+                              <p:cond delay="0"/>
+                            </p:stCondLst>
+                            <p:childTnLst>
+                              <p:par>
+                                <p:cTn fill="hold" nodeType="clickEffect" presetClass="entr" presetID="10" presetSubtype="0">
+                                  <p:stCondLst>
+                                    <p:cond delay="0"/>
+                                  </p:stCondLst>
+                                  <p:childTnLst>
+                                    <p:set>
+                                      <p:cBhvr>
+                                        <p:cTn dur="1" fill="hold">
+                                          <p:stCondLst>
+                                            <p:cond delay="0"/>
+                                          </p:stCondLst>
+                                        </p:cTn>
+                                        <p:tgtEl>
+                                          <p:spTgt spid="277"/>
+                                        </p:tgtEl>
+                                        <p:attrNameLst>
+                                          <p:attrName>style.visibility</p:attrName>
+                                        </p:attrNameLst>
+                                      </p:cBhvr>
+                                      <p:to>
+                                        <p:strVal val="visible"/>
+                                      </p:to>
+                                    </p:set>
+                                    <p:animEffect filter="fade" transition="in">
+                                      <p:cBhvr>
+                                        <p:cTn dur="1000"/>
+                                        <p:tgtEl>
+                                          <p:spTgt spid="277"/>
+                                        </p:tgtEl>
+                                      </p:cBhvr>
+                                    </p:animEffect>
+                                  </p:childTnLst>
+                                </p:cTn>
+                              </p:par>
+                            </p:childTnLst>
+                          </p:cTn>
+                        </p:par>
+                      </p:childTnLst>
+                    </p:cTn>
+                  </p:par>
+                </p:childTnLst>
+              </p:cTn>
+              <p:prevCondLst>
+                <p:cond evt="onPrev">
+                  <p:tgtEl>
+                    <p:sldTgt/>
+                  </p:tgtEl>
+                </p:cond>
+              </p:prevCondLst>
+              <p:nextCondLst>
+                <p:cond evt="onNext">
+                  <p:tgtEl>
+                    <p:sldTgt/>
+                  </p:tgtEl>
+                </p:cond>
+              </p:nextCondLst>
+            </p:seq>
+          </p:childTnLst>
+        </p:cTn>
+      </p:par>
+    </p:tnLst>
+  </p:timing>
 </p:sld>
 </file>
 
@@ -13412,7 +13649,7 @@
   <p:cSld>
     <p:spTree>
       <p:nvGrpSpPr>
-        <p:cNvPr id="133" name="Shape 133"/>
+        <p:cNvPr id="134" name="Shape 134"/>
         <p:cNvGrpSpPr/>
         <p:nvPr/>
       </p:nvGrpSpPr>
@@ -13426,7 +13663,7 @@
       </p:grpSpPr>
       <p:sp>
         <p:nvSpPr>
-          <p:cNvPr id="134" name="Google Shape;134;p14"/>
+          <p:cNvPr id="135" name="Google Shape;135;p14"/>
           <p:cNvSpPr txBox="1"/>
           <p:nvPr>
             <p:ph type="title"/>
@@ -13466,7 +13703,7 @@
       </p:sp>
       <p:sp>
         <p:nvSpPr>
-          <p:cNvPr id="135" name="Google Shape;135;p14"/>
+          <p:cNvPr id="136" name="Google Shape;136;p14"/>
           <p:cNvSpPr txBox="1"/>
           <p:nvPr>
             <p:ph idx="1" type="body"/>
@@ -13582,7 +13819,7 @@
       </p:sp>
       <p:pic>
         <p:nvPicPr>
-          <p:cNvPr id="136" name="Google Shape;136;p14"/>
+          <p:cNvPr id="137" name="Google Shape;137;p14"/>
           <p:cNvPicPr preferRelativeResize="0"/>
           <p:nvPr/>
         </p:nvPicPr>
@@ -13608,6 +13845,46 @@
           </a:ln>
         </p:spPr>
       </p:pic>
+      <p:sp>
+        <p:nvSpPr>
+          <p:cNvPr id="138" name="Google Shape;138;p14"/>
+          <p:cNvSpPr txBox="1"/>
+          <p:nvPr>
+            <p:ph idx="12" type="sldNum"/>
+          </p:nvPr>
+        </p:nvSpPr>
+        <p:spPr>
+          <a:xfrm>
+            <a:off x="8390734" y="4543668"/>
+            <a:ext cx="548700" cy="393600"/>
+          </a:xfrm>
+          <a:prstGeom prst="rect">
+            <a:avLst/>
+          </a:prstGeom>
+        </p:spPr>
+        <p:txBody>
+          <a:bodyPr anchorCtr="0" anchor="ctr" bIns="91425" lIns="91425" spcFirstLastPara="1" rIns="91425" wrap="square" tIns="91425">
+            <a:normAutofit/>
+          </a:bodyPr>
+          <a:lstStyle/>
+          <a:p>
+            <a:pPr indent="0" lvl="0" marL="0" rtl="0" algn="r">
+              <a:spcBef>
+                <a:spcPts val="0"/>
+              </a:spcBef>
+              <a:spcAft>
+                <a:spcPts val="0"/>
+              </a:spcAft>
+              <a:buNone/>
+            </a:pPr>
+            <a:fld id="{00000000-1234-1234-1234-123412341234}" type="slidenum">
+              <a:rPr lang="nl"/>
+              <a:t>‹#›</a:t>
+            </a:fld>
+            <a:endParaRPr/>
+          </a:p>
+        </p:txBody>
+      </p:sp>
     </p:spTree>
   </p:cSld>
   <p:clrMapOvr>
@@ -13621,7 +13898,7 @@
   <p:cSld>
     <p:spTree>
       <p:nvGrpSpPr>
-        <p:cNvPr id="140" name="Shape 140"/>
+        <p:cNvPr id="142" name="Shape 142"/>
         <p:cNvGrpSpPr/>
         <p:nvPr/>
       </p:nvGrpSpPr>
@@ -13635,7 +13912,7 @@
       </p:grpSpPr>
       <p:sp>
         <p:nvSpPr>
-          <p:cNvPr id="141" name="Google Shape;141;p15"/>
+          <p:cNvPr id="143" name="Google Shape;143;p15"/>
           <p:cNvSpPr txBox="1"/>
           <p:nvPr>
             <p:ph type="title"/>
@@ -13675,7 +13952,7 @@
       </p:sp>
       <p:sp>
         <p:nvSpPr>
-          <p:cNvPr id="142" name="Google Shape;142;p15"/>
+          <p:cNvPr id="144" name="Google Shape;144;p15"/>
           <p:cNvSpPr txBox="1"/>
           <p:nvPr>
             <p:ph idx="1" type="body"/>
@@ -13739,7 +14016,7 @@
       </p:sp>
       <p:pic>
         <p:nvPicPr>
-          <p:cNvPr id="143" name="Google Shape;143;p15"/>
+          <p:cNvPr id="145" name="Google Shape;145;p15"/>
           <p:cNvPicPr preferRelativeResize="0"/>
           <p:nvPr/>
         </p:nvPicPr>
@@ -13765,6 +14042,46 @@
           </a:ln>
         </p:spPr>
       </p:pic>
+      <p:sp>
+        <p:nvSpPr>
+          <p:cNvPr id="146" name="Google Shape;146;p15"/>
+          <p:cNvSpPr txBox="1"/>
+          <p:nvPr>
+            <p:ph idx="12" type="sldNum"/>
+          </p:nvPr>
+        </p:nvSpPr>
+        <p:spPr>
+          <a:xfrm>
+            <a:off x="8390734" y="4543668"/>
+            <a:ext cx="548700" cy="393600"/>
+          </a:xfrm>
+          <a:prstGeom prst="rect">
+            <a:avLst/>
+          </a:prstGeom>
+        </p:spPr>
+        <p:txBody>
+          <a:bodyPr anchorCtr="0" anchor="ctr" bIns="91425" lIns="91425" spcFirstLastPara="1" rIns="91425" wrap="square" tIns="91425">
+            <a:normAutofit/>
+          </a:bodyPr>
+          <a:lstStyle/>
+          <a:p>
+            <a:pPr indent="0" lvl="0" marL="0" rtl="0" algn="r">
+              <a:spcBef>
+                <a:spcPts val="0"/>
+              </a:spcBef>
+              <a:spcAft>
+                <a:spcPts val="0"/>
+              </a:spcAft>
+              <a:buNone/>
+            </a:pPr>
+            <a:fld id="{00000000-1234-1234-1234-123412341234}" type="slidenum">
+              <a:rPr lang="nl"/>
+              <a:t>‹#›</a:t>
+            </a:fld>
+            <a:endParaRPr/>
+          </a:p>
+        </p:txBody>
+      </p:sp>
     </p:spTree>
   </p:cSld>
   <p:clrMapOvr>
@@ -13778,7 +14095,7 @@
   <p:cSld>
     <p:spTree>
       <p:nvGrpSpPr>
-        <p:cNvPr id="147" name="Shape 147"/>
+        <p:cNvPr id="150" name="Shape 150"/>
         <p:cNvGrpSpPr/>
         <p:nvPr/>
       </p:nvGrpSpPr>
@@ -13792,7 +14109,7 @@
       </p:grpSpPr>
       <p:sp>
         <p:nvSpPr>
-          <p:cNvPr id="148" name="Google Shape;148;p16"/>
+          <p:cNvPr id="151" name="Google Shape;151;p16"/>
           <p:cNvSpPr txBox="1"/>
           <p:nvPr>
             <p:ph type="title"/>
@@ -13832,7 +14149,7 @@
       </p:sp>
       <p:sp>
         <p:nvSpPr>
-          <p:cNvPr id="149" name="Google Shape;149;p16"/>
+          <p:cNvPr id="152" name="Google Shape;152;p16"/>
           <p:cNvSpPr txBox="1"/>
           <p:nvPr>
             <p:ph idx="1" type="body"/>
@@ -13863,10 +14180,6 @@
               <a:buSzPts val="1300"/>
               <a:buChar char="●"/>
             </a:pPr>
-            <a:r>
-              <a:rPr lang="nl"/>
-              <a:t>plugin: </a:t>
-            </a:r>
             <a:r>
               <a:rPr lang="nl"/>
               <a:t>FirmwareUpdater</a:t>
@@ -13889,7 +14202,7 @@
             </a:pPr>
             <a:r>
               <a:rPr lang="nl"/>
-              <a:t>specifieke instellingen voor Prusa printer</a:t>
+              <a:t>Specifieke instellingen voor Prusa printer</a:t>
             </a:r>
             <a:br>
               <a:rPr lang="nl"/>
@@ -13909,7 +14222,7 @@
             </a:pPr>
             <a:r>
               <a:rPr lang="nl"/>
-              <a:t>firmware downloaden</a:t>
+              <a:t>Firmware downloaden</a:t>
             </a:r>
             <a:br>
               <a:rPr lang="nl"/>
@@ -13937,7 +14250,7 @@
       </p:sp>
       <p:pic>
         <p:nvPicPr>
-          <p:cNvPr id="150" name="Google Shape;150;p16"/>
+          <p:cNvPr id="153" name="Google Shape;153;p16"/>
           <p:cNvPicPr preferRelativeResize="0"/>
           <p:nvPr/>
         </p:nvPicPr>
@@ -13963,6 +14276,46 @@
           </a:ln>
         </p:spPr>
       </p:pic>
+      <p:sp>
+        <p:nvSpPr>
+          <p:cNvPr id="154" name="Google Shape;154;p16"/>
+          <p:cNvSpPr txBox="1"/>
+          <p:nvPr>
+            <p:ph idx="12" type="sldNum"/>
+          </p:nvPr>
+        </p:nvSpPr>
+        <p:spPr>
+          <a:xfrm>
+            <a:off x="8390734" y="4543668"/>
+            <a:ext cx="548700" cy="393600"/>
+          </a:xfrm>
+          <a:prstGeom prst="rect">
+            <a:avLst/>
+          </a:prstGeom>
+        </p:spPr>
+        <p:txBody>
+          <a:bodyPr anchorCtr="0" anchor="ctr" bIns="91425" lIns="91425" spcFirstLastPara="1" rIns="91425" wrap="square" tIns="91425">
+            <a:normAutofit/>
+          </a:bodyPr>
+          <a:lstStyle/>
+          <a:p>
+            <a:pPr indent="0" lvl="0" marL="0" rtl="0" algn="r">
+              <a:spcBef>
+                <a:spcPts val="0"/>
+              </a:spcBef>
+              <a:spcAft>
+                <a:spcPts val="0"/>
+              </a:spcAft>
+              <a:buNone/>
+            </a:pPr>
+            <a:fld id="{00000000-1234-1234-1234-123412341234}" type="slidenum">
+              <a:rPr lang="nl"/>
+              <a:t>‹#›</a:t>
+            </a:fld>
+            <a:endParaRPr/>
+          </a:p>
+        </p:txBody>
+      </p:sp>
     </p:spTree>
   </p:cSld>
   <p:clrMapOvr>
@@ -13976,7 +14329,7 @@
   <p:cSld>
     <p:spTree>
       <p:nvGrpSpPr>
-        <p:cNvPr id="154" name="Shape 154"/>
+        <p:cNvPr id="158" name="Shape 158"/>
         <p:cNvGrpSpPr/>
         <p:nvPr/>
       </p:nvGrpSpPr>
@@ -13990,7 +14343,7 @@
       </p:grpSpPr>
       <p:sp>
         <p:nvSpPr>
-          <p:cNvPr id="155" name="Google Shape;155;p17"/>
+          <p:cNvPr id="159" name="Google Shape;159;p17"/>
           <p:cNvSpPr txBox="1"/>
           <p:nvPr>
             <p:ph type="title"/>
@@ -14030,7 +14383,7 @@
       </p:sp>
       <p:sp>
         <p:nvSpPr>
-          <p:cNvPr id="156" name="Google Shape;156;p17"/>
+          <p:cNvPr id="160" name="Google Shape;160;p17"/>
           <p:cNvSpPr txBox="1"/>
           <p:nvPr>
             <p:ph idx="1" type="body"/>
@@ -14083,15 +14436,55 @@
             </a:pPr>
             <a:r>
               <a:rPr lang="nl"/>
-              <a:t>bedclearing </a:t>
+              <a:t>Bedclearing </a:t>
             </a:r>
+            <a:endParaRPr/>
+          </a:p>
+        </p:txBody>
+      </p:sp>
+      <p:sp>
+        <p:nvSpPr>
+          <p:cNvPr id="161" name="Google Shape;161;p17"/>
+          <p:cNvSpPr txBox="1"/>
+          <p:nvPr>
+            <p:ph idx="12" type="sldNum"/>
+          </p:nvPr>
+        </p:nvSpPr>
+        <p:spPr>
+          <a:xfrm>
+            <a:off x="8390734" y="4543668"/>
+            <a:ext cx="548700" cy="393600"/>
+          </a:xfrm>
+          <a:prstGeom prst="rect">
+            <a:avLst/>
+          </a:prstGeom>
+        </p:spPr>
+        <p:txBody>
+          <a:bodyPr anchorCtr="0" anchor="ctr" bIns="91425" lIns="91425" spcFirstLastPara="1" rIns="91425" wrap="square" tIns="91425">
+            <a:normAutofit/>
+          </a:bodyPr>
+          <a:lstStyle/>
+          <a:p>
+            <a:pPr indent="0" lvl="0" marL="0" rtl="0" algn="r">
+              <a:spcBef>
+                <a:spcPts val="0"/>
+              </a:spcBef>
+              <a:spcAft>
+                <a:spcPts val="0"/>
+              </a:spcAft>
+              <a:buNone/>
+            </a:pPr>
+            <a:fld id="{00000000-1234-1234-1234-123412341234}" type="slidenum">
+              <a:rPr lang="nl"/>
+              <a:t>‹#›</a:t>
+            </a:fld>
             <a:endParaRPr/>
           </a:p>
         </p:txBody>
       </p:sp>
       <p:pic>
         <p:nvPicPr>
-          <p:cNvPr id="157" name="Google Shape;157;p17"/>
+          <p:cNvPr id="162" name="Google Shape;162;p17"/>
           <p:cNvPicPr preferRelativeResize="0"/>
           <p:nvPr/>
         </p:nvPicPr>
@@ -14105,8 +14498,8 @@
         </p:blipFill>
         <p:spPr>
           <a:xfrm>
-            <a:off x="4659372" y="980675"/>
-            <a:ext cx="3633550" cy="3182151"/>
+            <a:off x="3880872" y="871751"/>
+            <a:ext cx="4804228" cy="3671925"/>
           </a:xfrm>
           <a:prstGeom prst="rect">
             <a:avLst/>
@@ -14130,7 +14523,7 @@
   <p:cSld>
     <p:spTree>
       <p:nvGrpSpPr>
-        <p:cNvPr id="161" name="Shape 161"/>
+        <p:cNvPr id="166" name="Shape 166"/>
         <p:cNvGrpSpPr/>
         <p:nvPr/>
       </p:nvGrpSpPr>
@@ -14144,7 +14537,7 @@
       </p:grpSpPr>
       <p:sp>
         <p:nvSpPr>
-          <p:cNvPr id="162" name="Google Shape;162;p18"/>
+          <p:cNvPr id="167" name="Google Shape;167;p18"/>
           <p:cNvSpPr txBox="1"/>
           <p:nvPr>
             <p:ph type="title"/>
@@ -14184,7 +14577,7 @@
       </p:sp>
       <p:sp>
         <p:nvSpPr>
-          <p:cNvPr id="163" name="Google Shape;163;p18"/>
+          <p:cNvPr id="168" name="Google Shape;168;p18"/>
           <p:cNvSpPr txBox="1"/>
           <p:nvPr>
             <p:ph idx="1" type="body"/>
@@ -14237,15 +14630,55 @@
             </a:pPr>
             <a:r>
               <a:rPr lang="nl"/>
-              <a:t>meerdere sweeps</a:t>
+              <a:t>Meerdere sweeps</a:t>
             </a:r>
+            <a:endParaRPr/>
+          </a:p>
+        </p:txBody>
+      </p:sp>
+      <p:sp>
+        <p:nvSpPr>
+          <p:cNvPr id="169" name="Google Shape;169;p18"/>
+          <p:cNvSpPr txBox="1"/>
+          <p:nvPr>
+            <p:ph idx="12" type="sldNum"/>
+          </p:nvPr>
+        </p:nvSpPr>
+        <p:spPr>
+          <a:xfrm>
+            <a:off x="8390734" y="4543668"/>
+            <a:ext cx="548700" cy="393600"/>
+          </a:xfrm>
+          <a:prstGeom prst="rect">
+            <a:avLst/>
+          </a:prstGeom>
+        </p:spPr>
+        <p:txBody>
+          <a:bodyPr anchorCtr="0" anchor="ctr" bIns="91425" lIns="91425" spcFirstLastPara="1" rIns="91425" wrap="square" tIns="91425">
+            <a:normAutofit/>
+          </a:bodyPr>
+          <a:lstStyle/>
+          <a:p>
+            <a:pPr indent="0" lvl="0" marL="0" rtl="0" algn="r">
+              <a:spcBef>
+                <a:spcPts val="0"/>
+              </a:spcBef>
+              <a:spcAft>
+                <a:spcPts val="0"/>
+              </a:spcAft>
+              <a:buNone/>
+            </a:pPr>
+            <a:fld id="{00000000-1234-1234-1234-123412341234}" type="slidenum">
+              <a:rPr lang="nl"/>
+              <a:t>‹#›</a:t>
+            </a:fld>
             <a:endParaRPr/>
           </a:p>
         </p:txBody>
       </p:sp>
       <p:pic>
         <p:nvPicPr>
-          <p:cNvPr id="164" name="Google Shape;164;p18"/>
+          <p:cNvPr id="170" name="Google Shape;170;p18"/>
           <p:cNvPicPr preferRelativeResize="0"/>
           <p:nvPr/>
         </p:nvPicPr>
@@ -14259,8 +14692,8 @@
         </p:blipFill>
         <p:spPr>
           <a:xfrm>
-            <a:off x="4773525" y="741213"/>
-            <a:ext cx="2921200" cy="3661075"/>
+            <a:off x="4451100" y="275950"/>
+            <a:ext cx="3700025" cy="4591600"/>
           </a:xfrm>
           <a:prstGeom prst="rect">
             <a:avLst/>
@@ -14284,7 +14717,7 @@
   <p:cSld>
     <p:spTree>
       <p:nvGrpSpPr>
-        <p:cNvPr id="168" name="Shape 168"/>
+        <p:cNvPr id="174" name="Shape 174"/>
         <p:cNvGrpSpPr/>
         <p:nvPr/>
       </p:nvGrpSpPr>
@@ -14298,7 +14731,7 @@
       </p:grpSpPr>
       <p:sp>
         <p:nvSpPr>
-          <p:cNvPr id="169" name="Google Shape;169;p19"/>
+          <p:cNvPr id="175" name="Google Shape;175;p19"/>
           <p:cNvSpPr txBox="1"/>
           <p:nvPr>
             <p:ph type="title"/>
@@ -14342,7 +14775,7 @@
       </p:sp>
       <p:sp>
         <p:nvSpPr>
-          <p:cNvPr id="170" name="Google Shape;170;p19"/>
+          <p:cNvPr id="176" name="Google Shape;176;p19"/>
           <p:cNvSpPr txBox="1"/>
           <p:nvPr>
             <p:ph idx="1" type="body"/>
@@ -14431,7 +14864,7 @@
       </p:sp>
       <p:pic>
         <p:nvPicPr>
-          <p:cNvPr id="171" name="Google Shape;171;p19"/>
+          <p:cNvPr id="177" name="Google Shape;177;p19"/>
           <p:cNvPicPr preferRelativeResize="0"/>
           <p:nvPr/>
         </p:nvPicPr>
@@ -14457,6 +14890,46 @@
           </a:ln>
         </p:spPr>
       </p:pic>
+      <p:sp>
+        <p:nvSpPr>
+          <p:cNvPr id="178" name="Google Shape;178;p19"/>
+          <p:cNvSpPr txBox="1"/>
+          <p:nvPr>
+            <p:ph idx="12" type="sldNum"/>
+          </p:nvPr>
+        </p:nvSpPr>
+        <p:spPr>
+          <a:xfrm>
+            <a:off x="8390734" y="4543668"/>
+            <a:ext cx="548700" cy="393600"/>
+          </a:xfrm>
+          <a:prstGeom prst="rect">
+            <a:avLst/>
+          </a:prstGeom>
+        </p:spPr>
+        <p:txBody>
+          <a:bodyPr anchorCtr="0" anchor="ctr" bIns="91425" lIns="91425" spcFirstLastPara="1" rIns="91425" wrap="square" tIns="91425">
+            <a:normAutofit/>
+          </a:bodyPr>
+          <a:lstStyle/>
+          <a:p>
+            <a:pPr indent="0" lvl="0" marL="0" rtl="0" algn="r">
+              <a:spcBef>
+                <a:spcPts val="0"/>
+              </a:spcBef>
+              <a:spcAft>
+                <a:spcPts val="0"/>
+              </a:spcAft>
+              <a:buNone/>
+            </a:pPr>
+            <a:fld id="{00000000-1234-1234-1234-123412341234}" type="slidenum">
+              <a:rPr lang="nl"/>
+              <a:t>‹#›</a:t>
+            </a:fld>
+            <a:endParaRPr/>
+          </a:p>
+        </p:txBody>
+      </p:sp>
     </p:spTree>
   </p:cSld>
   <p:clrMapOvr>
@@ -14470,7 +14943,7 @@
   <p:cSld>
     <p:spTree>
       <p:nvGrpSpPr>
-        <p:cNvPr id="175" name="Shape 175"/>
+        <p:cNvPr id="182" name="Shape 182"/>
         <p:cNvGrpSpPr/>
         <p:nvPr/>
       </p:nvGrpSpPr>
@@ -14484,7 +14957,7 @@
       </p:grpSpPr>
       <p:sp>
         <p:nvSpPr>
-          <p:cNvPr id="176" name="Google Shape;176;p20"/>
+          <p:cNvPr id="183" name="Google Shape;183;p20"/>
           <p:cNvSpPr txBox="1"/>
           <p:nvPr>
             <p:ph type="title"/>
@@ -14524,7 +14997,7 @@
       </p:sp>
       <p:sp>
         <p:nvSpPr>
-          <p:cNvPr id="177" name="Google Shape;177;p20"/>
+          <p:cNvPr id="184" name="Google Shape;184;p20"/>
           <p:cNvSpPr txBox="1"/>
           <p:nvPr>
             <p:ph idx="1" type="body"/>
@@ -14809,7 +15282,7 @@
       </p:sp>
       <p:pic>
         <p:nvPicPr>
-          <p:cNvPr id="178" name="Google Shape;178;p20"/>
+          <p:cNvPr id="185" name="Google Shape;185;p20"/>
           <p:cNvPicPr preferRelativeResize="0"/>
           <p:nvPr/>
         </p:nvPicPr>
@@ -14823,7 +15296,7 @@
         </p:blipFill>
         <p:spPr>
           <a:xfrm>
-            <a:off x="4279150" y="1496725"/>
+            <a:off x="4355350" y="1496725"/>
             <a:ext cx="4130701" cy="2942000"/>
           </a:xfrm>
           <a:prstGeom prst="rect">
@@ -14835,6 +15308,46 @@
           </a:ln>
         </p:spPr>
       </p:pic>
+      <p:sp>
+        <p:nvSpPr>
+          <p:cNvPr id="186" name="Google Shape;186;p20"/>
+          <p:cNvSpPr txBox="1"/>
+          <p:nvPr>
+            <p:ph idx="12" type="sldNum"/>
+          </p:nvPr>
+        </p:nvSpPr>
+        <p:spPr>
+          <a:xfrm>
+            <a:off x="8390734" y="4543668"/>
+            <a:ext cx="548700" cy="393600"/>
+          </a:xfrm>
+          <a:prstGeom prst="rect">
+            <a:avLst/>
+          </a:prstGeom>
+        </p:spPr>
+        <p:txBody>
+          <a:bodyPr anchorCtr="0" anchor="ctr" bIns="91425" lIns="91425" spcFirstLastPara="1" rIns="91425" wrap="square" tIns="91425">
+            <a:normAutofit/>
+          </a:bodyPr>
+          <a:lstStyle/>
+          <a:p>
+            <a:pPr indent="0" lvl="0" marL="0" rtl="0" algn="r">
+              <a:spcBef>
+                <a:spcPts val="0"/>
+              </a:spcBef>
+              <a:spcAft>
+                <a:spcPts val="0"/>
+              </a:spcAft>
+              <a:buNone/>
+            </a:pPr>
+            <a:fld id="{00000000-1234-1234-1234-123412341234}" type="slidenum">
+              <a:rPr lang="nl"/>
+              <a:t>‹#›</a:t>
+            </a:fld>
+            <a:endParaRPr/>
+          </a:p>
+        </p:txBody>
+      </p:sp>
     </p:spTree>
   </p:cSld>
   <p:clrMapOvr>
@@ -14848,7 +15361,7 @@
   <p:cSld>
     <p:spTree>
       <p:nvGrpSpPr>
-        <p:cNvPr id="182" name="Shape 182"/>
+        <p:cNvPr id="190" name="Shape 190"/>
         <p:cNvGrpSpPr/>
         <p:nvPr/>
       </p:nvGrpSpPr>
@@ -14862,7 +15375,7 @@
       </p:grpSpPr>
       <p:sp>
         <p:nvSpPr>
-          <p:cNvPr id="183" name="Google Shape;183;p21"/>
+          <p:cNvPr id="191" name="Google Shape;191;p21"/>
           <p:cNvSpPr txBox="1"/>
           <p:nvPr>
             <p:ph type="title"/>
@@ -14902,7 +15415,7 @@
       </p:sp>
       <p:sp>
         <p:nvSpPr>
-          <p:cNvPr id="184" name="Google Shape;184;p21"/>
+          <p:cNvPr id="192" name="Google Shape;192;p21"/>
           <p:cNvSpPr txBox="1"/>
           <p:nvPr>
             <p:ph idx="1" type="body"/>
@@ -15133,7 +15646,7 @@
       </p:sp>
       <p:pic>
         <p:nvPicPr>
-          <p:cNvPr id="185" name="Google Shape;185;p21"/>
+          <p:cNvPr id="193" name="Google Shape;193;p21"/>
           <p:cNvPicPr preferRelativeResize="0"/>
           <p:nvPr/>
         </p:nvPicPr>
@@ -15159,6 +15672,46 @@
           </a:ln>
         </p:spPr>
       </p:pic>
+      <p:sp>
+        <p:nvSpPr>
+          <p:cNvPr id="194" name="Google Shape;194;p21"/>
+          <p:cNvSpPr txBox="1"/>
+          <p:nvPr>
+            <p:ph idx="12" type="sldNum"/>
+          </p:nvPr>
+        </p:nvSpPr>
+        <p:spPr>
+          <a:xfrm>
+            <a:off x="8390734" y="4543668"/>
+            <a:ext cx="548700" cy="393600"/>
+          </a:xfrm>
+          <a:prstGeom prst="rect">
+            <a:avLst/>
+          </a:prstGeom>
+        </p:spPr>
+        <p:txBody>
+          <a:bodyPr anchorCtr="0" anchor="ctr" bIns="91425" lIns="91425" spcFirstLastPara="1" rIns="91425" wrap="square" tIns="91425">
+            <a:normAutofit/>
+          </a:bodyPr>
+          <a:lstStyle/>
+          <a:p>
+            <a:pPr indent="0" lvl="0" marL="0" rtl="0" algn="r">
+              <a:spcBef>
+                <a:spcPts val="0"/>
+              </a:spcBef>
+              <a:spcAft>
+                <a:spcPts val="0"/>
+              </a:spcAft>
+              <a:buNone/>
+            </a:pPr>
+            <a:fld id="{00000000-1234-1234-1234-123412341234}" type="slidenum">
+              <a:rPr lang="nl"/>
+              <a:t>‹#›</a:t>
+            </a:fld>
+            <a:endParaRPr/>
+          </a:p>
+        </p:txBody>
+      </p:sp>
     </p:spTree>
   </p:cSld>
   <p:clrMapOvr>
@@ -15168,6 +15721,285 @@
 </file>
 
 <file path=ppt/theme/theme1.xml><?xml version="1.0" encoding="utf-8"?>
+<a:theme xmlns:a="http://schemas.openxmlformats.org/drawingml/2006/main" xmlns:r="http://schemas.openxmlformats.org/officeDocument/2006/relationships">
+  <a:themeElements>
+    <a:clrScheme name="Default">
+      <a:dk1>
+        <a:srgbClr val="000000"/>
+      </a:dk1>
+      <a:lt1>
+        <a:srgbClr val="FFFFFF"/>
+      </a:lt1>
+      <a:dk2>
+        <a:srgbClr val="158158"/>
+      </a:dk2>
+      <a:lt2>
+        <a:srgbClr val="F3F3F3"/>
+      </a:lt2>
+      <a:accent1>
+        <a:srgbClr val="058DC7"/>
+      </a:accent1>
+      <a:accent2>
+        <a:srgbClr val="50B432"/>
+      </a:accent2>
+      <a:accent3>
+        <a:srgbClr val="ED561B"/>
+      </a:accent3>
+      <a:accent4>
+        <a:srgbClr val="EDEF00"/>
+      </a:accent4>
+      <a:accent5>
+        <a:srgbClr val="24CBE5"/>
+      </a:accent5>
+      <a:accent6>
+        <a:srgbClr val="64E572"/>
+      </a:accent6>
+      <a:hlink>
+        <a:srgbClr val="2200CC"/>
+      </a:hlink>
+      <a:folHlink>
+        <a:srgbClr val="551A8B"/>
+      </a:folHlink>
+    </a:clrScheme>
+    <a:fontScheme name="Office">
+      <a:majorFont>
+        <a:latin typeface="Arial"/>
+        <a:ea typeface=""/>
+        <a:cs typeface=""/>
+        <a:font script="Jpan" typeface="ＭＳ Ｐゴシック"/>
+        <a:font script="Hang" typeface="맑은 고딕"/>
+        <a:font script="Hans" typeface="宋体"/>
+        <a:font script="Hant" typeface="新細明體"/>
+        <a:font script="Arab" typeface="Times New Roman"/>
+        <a:font script="Hebr" typeface="Times New Roman"/>
+        <a:font script="Thai" typeface="Angsana New"/>
+        <a:font script="Ethi" typeface="Nyala"/>
+        <a:font script="Beng" typeface="Vrinda"/>
+        <a:font script="Gujr" typeface="Shruti"/>
+        <a:font script="Khmr" typeface="MoolBoran"/>
+        <a:font script="Knda" typeface="Tunga"/>
+        <a:font script="Guru" typeface="Raavi"/>
+        <a:font script="Cans" typeface="Euphemia"/>
+        <a:font script="Cher" typeface="Plantagenet Cherokee"/>
+        <a:font script="Yiii" typeface="Microsoft Yi Baiti"/>
+        <a:font script="Tibt" typeface="Microsoft Himalaya"/>
+        <a:font script="Thaa" typeface="MV Boli"/>
+        <a:font script="Deva" typeface="Mangal"/>
+        <a:font script="Telu" typeface="Gautami"/>
+        <a:font script="Taml" typeface="Latha"/>
+        <a:font script="Syrc" typeface="Estrangelo Edessa"/>
+        <a:font script="Orya" typeface="Kalinga"/>
+        <a:font script="Mlym" typeface="Kartika"/>
+        <a:font script="Laoo" typeface="DokChampa"/>
+        <a:font script="Sinh" typeface="Iskoola Pota"/>
+        <a:font script="Mong" typeface="Mongolian Baiti"/>
+        <a:font script="Viet" typeface="Times New Roman"/>
+        <a:font script="Uigh" typeface="Microsoft Uighur"/>
+        <a:font script="Geor" typeface="Sylfaen"/>
+      </a:majorFont>
+      <a:minorFont>
+        <a:latin typeface="Arial"/>
+        <a:ea typeface=""/>
+        <a:cs typeface=""/>
+        <a:font script="Jpan" typeface="ＭＳ Ｐゴシック"/>
+        <a:font script="Hang" typeface="맑은 고딕"/>
+        <a:font script="Hans" typeface="宋体"/>
+        <a:font script="Hant" typeface="新細明體"/>
+        <a:font script="Arab" typeface="Arial"/>
+        <a:font script="Hebr" typeface="Arial"/>
+        <a:font script="Thai" typeface="Cordia New"/>
+        <a:font script="Ethi" typeface="Nyala"/>
+        <a:font script="Beng" typeface="Vrinda"/>
+        <a:font script="Gujr" typeface="Shruti"/>
+        <a:font script="Khmr" typeface="DaunPenh"/>
+        <a:font script="Knda" typeface="Tunga"/>
+        <a:font script="Guru" typeface="Raavi"/>
+        <a:font script="Cans" typeface="Euphemia"/>
+        <a:font script="Cher" typeface="Plantagenet Cherokee"/>
+        <a:font script="Yiii" typeface="Microsoft Yi Baiti"/>
+        <a:font script="Tibt" typeface="Microsoft Himalaya"/>
+        <a:font script="Thaa" typeface="MV Boli"/>
+        <a:font script="Deva" typeface="Mangal"/>
+        <a:font script="Telu" typeface="Gautami"/>
+        <a:font script="Taml" typeface="Latha"/>
+        <a:font script="Syrc" typeface="Estrangelo Edessa"/>
+        <a:font script="Orya" typeface="Kalinga"/>
+        <a:font script="Mlym" typeface="Kartika"/>
+        <a:font script="Laoo" typeface="DokChampa"/>
+        <a:font script="Sinh" typeface="Iskoola Pota"/>
+        <a:font script="Mong" typeface="Mongolian Baiti"/>
+        <a:font script="Viet" typeface="Arial"/>
+        <a:font script="Uigh" typeface="Microsoft Uighur"/>
+        <a:font script="Geor" typeface="Sylfaen"/>
+      </a:minorFont>
+    </a:fontScheme>
+    <a:fmtScheme name="Office">
+      <a:fillStyleLst>
+        <a:solidFill>
+          <a:schemeClr val="phClr"/>
+        </a:solidFill>
+        <a:gradFill rotWithShape="1">
+          <a:gsLst>
+            <a:gs pos="0">
+              <a:schemeClr val="phClr">
+                <a:tint val="50000"/>
+                <a:satMod val="300000"/>
+              </a:schemeClr>
+            </a:gs>
+            <a:gs pos="35000">
+              <a:schemeClr val="phClr">
+                <a:tint val="37000"/>
+                <a:satMod val="300000"/>
+              </a:schemeClr>
+            </a:gs>
+            <a:gs pos="100000">
+              <a:schemeClr val="phClr">
+                <a:tint val="15000"/>
+                <a:satMod val="350000"/>
+              </a:schemeClr>
+            </a:gs>
+          </a:gsLst>
+          <a:lin ang="16200000" scaled="1"/>
+        </a:gradFill>
+        <a:gradFill rotWithShape="1">
+          <a:gsLst>
+            <a:gs pos="0">
+              <a:schemeClr val="phClr">
+                <a:tint val="100000"/>
+                <a:shade val="100000"/>
+                <a:satMod val="130000"/>
+              </a:schemeClr>
+            </a:gs>
+            <a:gs pos="100000">
+              <a:schemeClr val="phClr">
+                <a:tint val="50000"/>
+                <a:shade val="100000"/>
+                <a:satMod val="350000"/>
+              </a:schemeClr>
+            </a:gs>
+          </a:gsLst>
+          <a:lin ang="16200000" scaled="0"/>
+        </a:gradFill>
+      </a:fillStyleLst>
+      <a:lnStyleLst>
+        <a:ln w="9525" cap="flat" cmpd="sng" algn="ctr">
+          <a:solidFill>
+            <a:schemeClr val="phClr">
+              <a:shade val="95000"/>
+              <a:satMod val="105000"/>
+            </a:schemeClr>
+          </a:solidFill>
+          <a:prstDash val="solid"/>
+        </a:ln>
+        <a:ln w="25400" cap="flat" cmpd="sng" algn="ctr">
+          <a:solidFill>
+            <a:schemeClr val="phClr"/>
+          </a:solidFill>
+          <a:prstDash val="solid"/>
+        </a:ln>
+        <a:ln w="38100" cap="flat" cmpd="sng" algn="ctr">
+          <a:solidFill>
+            <a:schemeClr val="phClr"/>
+          </a:solidFill>
+          <a:prstDash val="solid"/>
+        </a:ln>
+      </a:lnStyleLst>
+      <a:effectStyleLst>
+        <a:effectStyle>
+          <a:effectLst>
+            <a:outerShdw blurRad="40000" dist="20000" dir="5400000" rotWithShape="0">
+              <a:srgbClr val="000000">
+                <a:alpha val="38000"/>
+              </a:srgbClr>
+            </a:outerShdw>
+          </a:effectLst>
+        </a:effectStyle>
+        <a:effectStyle>
+          <a:effectLst>
+            <a:outerShdw blurRad="40000" dist="23000" dir="5400000" rotWithShape="0">
+              <a:srgbClr val="000000">
+                <a:alpha val="35000"/>
+              </a:srgbClr>
+            </a:outerShdw>
+          </a:effectLst>
+        </a:effectStyle>
+        <a:effectStyle>
+          <a:effectLst>
+            <a:outerShdw blurRad="40000" dist="23000" dir="5400000" rotWithShape="0">
+              <a:srgbClr val="000000">
+                <a:alpha val="35000"/>
+              </a:srgbClr>
+            </a:outerShdw>
+          </a:effectLst>
+          <a:scene3d>
+            <a:camera prst="orthographicFront">
+              <a:rot lat="0" lon="0" rev="0"/>
+            </a:camera>
+            <a:lightRig rig="threePt" dir="t">
+              <a:rot lat="0" lon="0" rev="1200000"/>
+            </a:lightRig>
+          </a:scene3d>
+          <a:sp3d>
+            <a:bevelT w="63500" h="25400"/>
+          </a:sp3d>
+        </a:effectStyle>
+      </a:effectStyleLst>
+      <a:bgFillStyleLst>
+        <a:solidFill>
+          <a:schemeClr val="phClr"/>
+        </a:solidFill>
+        <a:gradFill rotWithShape="1">
+          <a:gsLst>
+            <a:gs pos="0">
+              <a:schemeClr val="phClr">
+                <a:tint val="40000"/>
+                <a:satMod val="350000"/>
+              </a:schemeClr>
+            </a:gs>
+            <a:gs pos="40000">
+              <a:schemeClr val="phClr">
+                <a:tint val="45000"/>
+                <a:shade val="99000"/>
+                <a:satMod val="350000"/>
+              </a:schemeClr>
+            </a:gs>
+            <a:gs pos="100000">
+              <a:schemeClr val="phClr">
+                <a:shade val="20000"/>
+                <a:satMod val="255000"/>
+              </a:schemeClr>
+            </a:gs>
+          </a:gsLst>
+          <a:path path="circle">
+            <a:fillToRect l="50000" t="-80000" r="50000" b="180000"/>
+          </a:path>
+        </a:gradFill>
+        <a:gradFill rotWithShape="1">
+          <a:gsLst>
+            <a:gs pos="0">
+              <a:schemeClr val="phClr">
+                <a:tint val="80000"/>
+                <a:satMod val="300000"/>
+              </a:schemeClr>
+            </a:gs>
+            <a:gs pos="100000">
+              <a:schemeClr val="phClr">
+                <a:shade val="30000"/>
+                <a:satMod val="200000"/>
+              </a:schemeClr>
+            </a:gs>
+          </a:gsLst>
+          <a:path path="circle">
+            <a:fillToRect l="50000" t="50000" r="50000" b="50000"/>
+          </a:path>
+        </a:gradFill>
+      </a:bgFillStyleLst>
+    </a:fmtScheme>
+  </a:themeElements>
+</a:theme>
+</file>
+
+<file path=ppt/theme/theme2.xml><?xml version="1.0" encoding="utf-8"?>
 <a:theme xmlns:a="http://schemas.openxmlformats.org/drawingml/2006/main" xmlns:r="http://schemas.openxmlformats.org/officeDocument/2006/relationships" name="Shift">
   <a:themeElements>
     <a:clrScheme name="Shift">
@@ -15444,283 +16276,4 @@
     </a:fmtScheme>
   </a:themeElements>
 </a:theme>
-</file>
-
-<file path=ppt/theme/theme2.xml><?xml version="1.0" encoding="utf-8"?>
-<a:theme xmlns:a="http://schemas.openxmlformats.org/drawingml/2006/main" xmlns:r="http://schemas.openxmlformats.org/officeDocument/2006/relationships">
-  <a:themeElements>
-    <a:clrScheme name="Default">
-      <a:dk1>
-        <a:srgbClr val="000000"/>
-      </a:dk1>
-      <a:lt1>
-        <a:srgbClr val="FFFFFF"/>
-      </a:lt1>
-      <a:dk2>
-        <a:srgbClr val="158158"/>
-      </a:dk2>
-      <a:lt2>
-        <a:srgbClr val="F3F3F3"/>
-      </a:lt2>
-      <a:accent1>
-        <a:srgbClr val="058DC7"/>
-      </a:accent1>
-      <a:accent2>
-        <a:srgbClr val="50B432"/>
-      </a:accent2>
-      <a:accent3>
-        <a:srgbClr val="ED561B"/>
-      </a:accent3>
-      <a:accent4>
-        <a:srgbClr val="EDEF00"/>
-      </a:accent4>
-      <a:accent5>
-        <a:srgbClr val="24CBE5"/>
-      </a:accent5>
-      <a:accent6>
-        <a:srgbClr val="64E572"/>
-      </a:accent6>
-      <a:hlink>
-        <a:srgbClr val="2200CC"/>
-      </a:hlink>
-      <a:folHlink>
-        <a:srgbClr val="551A8B"/>
-      </a:folHlink>
-    </a:clrScheme>
-    <a:fontScheme name="Office">
-      <a:majorFont>
-        <a:latin typeface="Arial"/>
-        <a:ea typeface=""/>
-        <a:cs typeface=""/>
-        <a:font script="Jpan" typeface="ＭＳ Ｐゴシック"/>
-        <a:font script="Hang" typeface="맑은 고딕"/>
-        <a:font script="Hans" typeface="宋体"/>
-        <a:font script="Hant" typeface="新細明體"/>
-        <a:font script="Arab" typeface="Times New Roman"/>
-        <a:font script="Hebr" typeface="Times New Roman"/>
-        <a:font script="Thai" typeface="Angsana New"/>
-        <a:font script="Ethi" typeface="Nyala"/>
-        <a:font script="Beng" typeface="Vrinda"/>
-        <a:font script="Gujr" typeface="Shruti"/>
-        <a:font script="Khmr" typeface="MoolBoran"/>
-        <a:font script="Knda" typeface="Tunga"/>
-        <a:font script="Guru" typeface="Raavi"/>
-        <a:font script="Cans" typeface="Euphemia"/>
-        <a:font script="Cher" typeface="Plantagenet Cherokee"/>
-        <a:font script="Yiii" typeface="Microsoft Yi Baiti"/>
-        <a:font script="Tibt" typeface="Microsoft Himalaya"/>
-        <a:font script="Thaa" typeface="MV Boli"/>
-        <a:font script="Deva" typeface="Mangal"/>
-        <a:font script="Telu" typeface="Gautami"/>
-        <a:font script="Taml" typeface="Latha"/>
-        <a:font script="Syrc" typeface="Estrangelo Edessa"/>
-        <a:font script="Orya" typeface="Kalinga"/>
-        <a:font script="Mlym" typeface="Kartika"/>
-        <a:font script="Laoo" typeface="DokChampa"/>
-        <a:font script="Sinh" typeface="Iskoola Pota"/>
-        <a:font script="Mong" typeface="Mongolian Baiti"/>
-        <a:font script="Viet" typeface="Times New Roman"/>
-        <a:font script="Uigh" typeface="Microsoft Uighur"/>
-        <a:font script="Geor" typeface="Sylfaen"/>
-      </a:majorFont>
-      <a:minorFont>
-        <a:latin typeface="Arial"/>
-        <a:ea typeface=""/>
-        <a:cs typeface=""/>
-        <a:font script="Jpan" typeface="ＭＳ Ｐゴシック"/>
-        <a:font script="Hang" typeface="맑은 고딕"/>
-        <a:font script="Hans" typeface="宋体"/>
-        <a:font script="Hant" typeface="新細明體"/>
-        <a:font script="Arab" typeface="Arial"/>
-        <a:font script="Hebr" typeface="Arial"/>
-        <a:font script="Thai" typeface="Cordia New"/>
-        <a:font script="Ethi" typeface="Nyala"/>
-        <a:font script="Beng" typeface="Vrinda"/>
-        <a:font script="Gujr" typeface="Shruti"/>
-        <a:font script="Khmr" typeface="DaunPenh"/>
-        <a:font script="Knda" typeface="Tunga"/>
-        <a:font script="Guru" typeface="Raavi"/>
-        <a:font script="Cans" typeface="Euphemia"/>
-        <a:font script="Cher" typeface="Plantagenet Cherokee"/>
-        <a:font script="Yiii" typeface="Microsoft Yi Baiti"/>
-        <a:font script="Tibt" typeface="Microsoft Himalaya"/>
-        <a:font script="Thaa" typeface="MV Boli"/>
-        <a:font script="Deva" typeface="Mangal"/>
-        <a:font script="Telu" typeface="Gautami"/>
-        <a:font script="Taml" typeface="Latha"/>
-        <a:font script="Syrc" typeface="Estrangelo Edessa"/>
-        <a:font script="Orya" typeface="Kalinga"/>
-        <a:font script="Mlym" typeface="Kartika"/>
-        <a:font script="Laoo" typeface="DokChampa"/>
-        <a:font script="Sinh" typeface="Iskoola Pota"/>
-        <a:font script="Mong" typeface="Mongolian Baiti"/>
-        <a:font script="Viet" typeface="Arial"/>
-        <a:font script="Uigh" typeface="Microsoft Uighur"/>
-        <a:font script="Geor" typeface="Sylfaen"/>
-      </a:minorFont>
-    </a:fontScheme>
-    <a:fmtScheme name="Office">
-      <a:fillStyleLst>
-        <a:solidFill>
-          <a:schemeClr val="phClr"/>
-        </a:solidFill>
-        <a:gradFill rotWithShape="1">
-          <a:gsLst>
-            <a:gs pos="0">
-              <a:schemeClr val="phClr">
-                <a:tint val="50000"/>
-                <a:satMod val="300000"/>
-              </a:schemeClr>
-            </a:gs>
-            <a:gs pos="35000">
-              <a:schemeClr val="phClr">
-                <a:tint val="37000"/>
-                <a:satMod val="300000"/>
-              </a:schemeClr>
-            </a:gs>
-            <a:gs pos="100000">
-              <a:schemeClr val="phClr">
-                <a:tint val="15000"/>
-                <a:satMod val="350000"/>
-              </a:schemeClr>
-            </a:gs>
-          </a:gsLst>
-          <a:lin ang="16200000" scaled="1"/>
-        </a:gradFill>
-        <a:gradFill rotWithShape="1">
-          <a:gsLst>
-            <a:gs pos="0">
-              <a:schemeClr val="phClr">
-                <a:tint val="100000"/>
-                <a:shade val="100000"/>
-                <a:satMod val="130000"/>
-              </a:schemeClr>
-            </a:gs>
-            <a:gs pos="100000">
-              <a:schemeClr val="phClr">
-                <a:tint val="50000"/>
-                <a:shade val="100000"/>
-                <a:satMod val="350000"/>
-              </a:schemeClr>
-            </a:gs>
-          </a:gsLst>
-          <a:lin ang="16200000" scaled="0"/>
-        </a:gradFill>
-      </a:fillStyleLst>
-      <a:lnStyleLst>
-        <a:ln w="9525" cap="flat" cmpd="sng" algn="ctr">
-          <a:solidFill>
-            <a:schemeClr val="phClr">
-              <a:shade val="95000"/>
-              <a:satMod val="105000"/>
-            </a:schemeClr>
-          </a:solidFill>
-          <a:prstDash val="solid"/>
-        </a:ln>
-        <a:ln w="25400" cap="flat" cmpd="sng" algn="ctr">
-          <a:solidFill>
-            <a:schemeClr val="phClr"/>
-          </a:solidFill>
-          <a:prstDash val="solid"/>
-        </a:ln>
-        <a:ln w="38100" cap="flat" cmpd="sng" algn="ctr">
-          <a:solidFill>
-            <a:schemeClr val="phClr"/>
-          </a:solidFill>
-          <a:prstDash val="solid"/>
-        </a:ln>
-      </a:lnStyleLst>
-      <a:effectStyleLst>
-        <a:effectStyle>
-          <a:effectLst>
-            <a:outerShdw blurRad="40000" dist="20000" dir="5400000" rotWithShape="0">
-              <a:srgbClr val="000000">
-                <a:alpha val="38000"/>
-              </a:srgbClr>
-            </a:outerShdw>
-          </a:effectLst>
-        </a:effectStyle>
-        <a:effectStyle>
-          <a:effectLst>
-            <a:outerShdw blurRad="40000" dist="23000" dir="5400000" rotWithShape="0">
-              <a:srgbClr val="000000">
-                <a:alpha val="35000"/>
-              </a:srgbClr>
-            </a:outerShdw>
-          </a:effectLst>
-        </a:effectStyle>
-        <a:effectStyle>
-          <a:effectLst>
-            <a:outerShdw blurRad="40000" dist="23000" dir="5400000" rotWithShape="0">
-              <a:srgbClr val="000000">
-                <a:alpha val="35000"/>
-              </a:srgbClr>
-            </a:outerShdw>
-          </a:effectLst>
-          <a:scene3d>
-            <a:camera prst="orthographicFront">
-              <a:rot lat="0" lon="0" rev="0"/>
-            </a:camera>
-            <a:lightRig rig="threePt" dir="t">
-              <a:rot lat="0" lon="0" rev="1200000"/>
-            </a:lightRig>
-          </a:scene3d>
-          <a:sp3d>
-            <a:bevelT w="63500" h="25400"/>
-          </a:sp3d>
-        </a:effectStyle>
-      </a:effectStyleLst>
-      <a:bgFillStyleLst>
-        <a:solidFill>
-          <a:schemeClr val="phClr"/>
-        </a:solidFill>
-        <a:gradFill rotWithShape="1">
-          <a:gsLst>
-            <a:gs pos="0">
-              <a:schemeClr val="phClr">
-                <a:tint val="40000"/>
-                <a:satMod val="350000"/>
-              </a:schemeClr>
-            </a:gs>
-            <a:gs pos="40000">
-              <a:schemeClr val="phClr">
-                <a:tint val="45000"/>
-                <a:shade val="99000"/>
-                <a:satMod val="350000"/>
-              </a:schemeClr>
-            </a:gs>
-            <a:gs pos="100000">
-              <a:schemeClr val="phClr">
-                <a:shade val="20000"/>
-                <a:satMod val="255000"/>
-              </a:schemeClr>
-            </a:gs>
-          </a:gsLst>
-          <a:path path="circle">
-            <a:fillToRect l="50000" t="-80000" r="50000" b="180000"/>
-          </a:path>
-        </a:gradFill>
-        <a:gradFill rotWithShape="1">
-          <a:gsLst>
-            <a:gs pos="0">
-              <a:schemeClr val="phClr">
-                <a:tint val="80000"/>
-                <a:satMod val="300000"/>
-              </a:schemeClr>
-            </a:gs>
-            <a:gs pos="100000">
-              <a:schemeClr val="phClr">
-                <a:shade val="30000"/>
-                <a:satMod val="200000"/>
-              </a:schemeClr>
-            </a:gs>
-          </a:gsLst>
-          <a:path path="circle">
-            <a:fillToRect l="50000" t="50000" r="50000" b="50000"/>
-          </a:path>
-        </a:gradFill>
-      </a:bgFillStyleLst>
-    </a:fmtScheme>
-  </a:themeElements>
-</a:theme>
 </file>